--- a/软件工程系列课程教学辅助网站/非受控文档/PPT等/需求变更管理PPT .pptx
+++ b/软件工程系列课程教学辅助网站/非受控文档/PPT等/需求变更管理PPT .pptx
@@ -5,40 +5,40 @@
     <p:sldMasterId id="2147483648" r:id="rId1"/>
   </p:sldMasterIdLst>
   <p:notesMasterIdLst>
-    <p:notesMasterId r:id="rId33"/>
+    <p:notesMasterId r:id="rId4"/>
   </p:notesMasterIdLst>
   <p:sldIdLst>
-    <p:sldId id="256" r:id="rId2"/>
-    <p:sldId id="257" r:id="rId3"/>
-    <p:sldId id="258" r:id="rId4"/>
-    <p:sldId id="260" r:id="rId5"/>
-    <p:sldId id="267" r:id="rId6"/>
-    <p:sldId id="307" r:id="rId7"/>
-    <p:sldId id="275" r:id="rId8"/>
-    <p:sldId id="317" r:id="rId9"/>
-    <p:sldId id="283" r:id="rId10"/>
-    <p:sldId id="282" r:id="rId11"/>
-    <p:sldId id="298" r:id="rId12"/>
-    <p:sldId id="294" r:id="rId13"/>
-    <p:sldId id="300" r:id="rId14"/>
-    <p:sldId id="304" r:id="rId15"/>
-    <p:sldId id="295" r:id="rId16"/>
-    <p:sldId id="308" r:id="rId17"/>
-    <p:sldId id="301" r:id="rId18"/>
-    <p:sldId id="306" r:id="rId19"/>
-    <p:sldId id="309" r:id="rId20"/>
-    <p:sldId id="310" r:id="rId21"/>
-    <p:sldId id="311" r:id="rId22"/>
-    <p:sldId id="296" r:id="rId23"/>
-    <p:sldId id="302" r:id="rId24"/>
-    <p:sldId id="312" r:id="rId25"/>
-    <p:sldId id="314" r:id="rId26"/>
-    <p:sldId id="313" r:id="rId27"/>
-    <p:sldId id="315" r:id="rId28"/>
-    <p:sldId id="297" r:id="rId29"/>
-    <p:sldId id="303" r:id="rId30"/>
-    <p:sldId id="316" r:id="rId31"/>
-    <p:sldId id="290" r:id="rId32"/>
+    <p:sldId id="256" r:id="rId3"/>
+    <p:sldId id="257" r:id="rId5"/>
+    <p:sldId id="258" r:id="rId6"/>
+    <p:sldId id="260" r:id="rId7"/>
+    <p:sldId id="267" r:id="rId8"/>
+    <p:sldId id="307" r:id="rId9"/>
+    <p:sldId id="275" r:id="rId10"/>
+    <p:sldId id="317" r:id="rId11"/>
+    <p:sldId id="283" r:id="rId12"/>
+    <p:sldId id="282" r:id="rId13"/>
+    <p:sldId id="298" r:id="rId14"/>
+    <p:sldId id="294" r:id="rId15"/>
+    <p:sldId id="300" r:id="rId16"/>
+    <p:sldId id="304" r:id="rId17"/>
+    <p:sldId id="295" r:id="rId18"/>
+    <p:sldId id="308" r:id="rId19"/>
+    <p:sldId id="301" r:id="rId20"/>
+    <p:sldId id="306" r:id="rId21"/>
+    <p:sldId id="309" r:id="rId22"/>
+    <p:sldId id="310" r:id="rId23"/>
+    <p:sldId id="311" r:id="rId24"/>
+    <p:sldId id="296" r:id="rId25"/>
+    <p:sldId id="302" r:id="rId26"/>
+    <p:sldId id="312" r:id="rId27"/>
+    <p:sldId id="314" r:id="rId28"/>
+    <p:sldId id="313" r:id="rId29"/>
+    <p:sldId id="315" r:id="rId30"/>
+    <p:sldId id="297" r:id="rId31"/>
+    <p:sldId id="303" r:id="rId32"/>
+    <p:sldId id="316" r:id="rId33"/>
+    <p:sldId id="290" r:id="rId34"/>
   </p:sldIdLst>
   <p:sldSz cx="9144000" cy="5715000" type="screen16x10"/>
   <p:notesSz cx="6858000" cy="9144000"/>
@@ -222,8 +222,6 @@
           <a:p>
             <a:fld id="{A5CC7296-58BF-4C15-B087-FCA67F27BC40}" type="datetimeFigureOut">
               <a:rPr lang="zh-CN" altLang="en-US" smtClean="0"/>
-              <a:pPr/>
-              <a:t>2018/1/9</a:t>
             </a:fld>
             <a:endParaRPr lang="zh-CN" altLang="en-US"/>
           </a:p>
@@ -290,6 +288,7 @@
               <a:rPr lang="zh-CN" altLang="en-US" smtClean="0"/>
               <a:t>单击此处编辑母版文本样式</a:t>
             </a:r>
+            <a:endParaRPr lang="zh-CN" altLang="en-US" smtClean="0"/>
           </a:p>
           <a:p>
             <a:pPr lvl="1"/>
@@ -297,6 +296,7 @@
               <a:rPr lang="zh-CN" altLang="en-US" smtClean="0"/>
               <a:t>第二级</a:t>
             </a:r>
+            <a:endParaRPr lang="zh-CN" altLang="en-US" smtClean="0"/>
           </a:p>
           <a:p>
             <a:pPr lvl="2"/>
@@ -304,6 +304,7 @@
               <a:rPr lang="zh-CN" altLang="en-US" smtClean="0"/>
               <a:t>第三级</a:t>
             </a:r>
+            <a:endParaRPr lang="zh-CN" altLang="en-US" smtClean="0"/>
           </a:p>
           <a:p>
             <a:pPr lvl="3"/>
@@ -311,6 +312,7 @@
               <a:rPr lang="zh-CN" altLang="en-US" smtClean="0"/>
               <a:t>第四级</a:t>
             </a:r>
+            <a:endParaRPr lang="zh-CN" altLang="en-US" smtClean="0"/>
           </a:p>
           <a:p>
             <a:pPr lvl="4"/>
@@ -382,8 +384,6 @@
           <a:p>
             <a:fld id="{EDE07243-D479-408A-9F03-AE97E7C1ACBB}" type="slidenum">
               <a:rPr lang="zh-CN" altLang="en-US" smtClean="0"/>
-              <a:pPr/>
-              <a:t>‹#›</a:t>
             </a:fld>
             <a:endParaRPr lang="zh-CN" altLang="en-US"/>
           </a:p>
@@ -552,8 +552,6 @@
           <a:p>
             <a:fld id="{EDE07243-D479-408A-9F03-AE97E7C1ACBB}" type="slidenum">
               <a:rPr lang="zh-CN" altLang="en-US" smtClean="0"/>
-              <a:pPr/>
-              <a:t>1</a:t>
             </a:fld>
             <a:endParaRPr lang="zh-CN" altLang="en-US"/>
           </a:p>
@@ -632,8 +630,6 @@
           <a:p>
             <a:fld id="{EDE07243-D479-408A-9F03-AE97E7C1ACBB}" type="slidenum">
               <a:rPr lang="zh-CN" altLang="en-US" smtClean="0"/>
-              <a:pPr/>
-              <a:t>10</a:t>
             </a:fld>
             <a:endParaRPr lang="zh-CN" altLang="en-US"/>
           </a:p>
@@ -712,8 +708,6 @@
           <a:p>
             <a:fld id="{EDE07243-D479-408A-9F03-AE97E7C1ACBB}" type="slidenum">
               <a:rPr lang="zh-CN" altLang="en-US" smtClean="0"/>
-              <a:pPr/>
-              <a:t>11</a:t>
             </a:fld>
             <a:endParaRPr lang="zh-CN" altLang="en-US"/>
           </a:p>
@@ -792,8 +786,6 @@
           <a:p>
             <a:fld id="{EDE07243-D479-408A-9F03-AE97E7C1ACBB}" type="slidenum">
               <a:rPr lang="zh-CN" altLang="en-US" smtClean="0"/>
-              <a:pPr/>
-              <a:t>12</a:t>
             </a:fld>
             <a:endParaRPr lang="zh-CN" altLang="en-US"/>
           </a:p>
@@ -872,8 +864,6 @@
           <a:p>
             <a:fld id="{EDE07243-D479-408A-9F03-AE97E7C1ACBB}" type="slidenum">
               <a:rPr lang="zh-CN" altLang="en-US" smtClean="0"/>
-              <a:pPr/>
-              <a:t>13</a:t>
             </a:fld>
             <a:endParaRPr lang="zh-CN" altLang="en-US"/>
           </a:p>
@@ -952,8 +942,6 @@
           <a:p>
             <a:fld id="{EDE07243-D479-408A-9F03-AE97E7C1ACBB}" type="slidenum">
               <a:rPr lang="zh-CN" altLang="en-US" smtClean="0"/>
-              <a:pPr/>
-              <a:t>14</a:t>
             </a:fld>
             <a:endParaRPr lang="zh-CN" altLang="en-US"/>
           </a:p>
@@ -1032,8 +1020,6 @@
           <a:p>
             <a:fld id="{EDE07243-D479-408A-9F03-AE97E7C1ACBB}" type="slidenum">
               <a:rPr lang="zh-CN" altLang="en-US" smtClean="0"/>
-              <a:pPr/>
-              <a:t>15</a:t>
             </a:fld>
             <a:endParaRPr lang="zh-CN" altLang="en-US"/>
           </a:p>
@@ -1112,8 +1098,6 @@
           <a:p>
             <a:fld id="{EDE07243-D479-408A-9F03-AE97E7C1ACBB}" type="slidenum">
               <a:rPr lang="zh-CN" altLang="en-US" smtClean="0"/>
-              <a:pPr/>
-              <a:t>16</a:t>
             </a:fld>
             <a:endParaRPr lang="zh-CN" altLang="en-US"/>
           </a:p>
@@ -1192,8 +1176,6 @@
           <a:p>
             <a:fld id="{EDE07243-D479-408A-9F03-AE97E7C1ACBB}" type="slidenum">
               <a:rPr lang="zh-CN" altLang="en-US" smtClean="0"/>
-              <a:pPr/>
-              <a:t>17</a:t>
             </a:fld>
             <a:endParaRPr lang="zh-CN" altLang="en-US"/>
           </a:p>
@@ -1272,8 +1254,6 @@
           <a:p>
             <a:fld id="{EDE07243-D479-408A-9F03-AE97E7C1ACBB}" type="slidenum">
               <a:rPr lang="zh-CN" altLang="en-US" smtClean="0"/>
-              <a:pPr/>
-              <a:t>18</a:t>
             </a:fld>
             <a:endParaRPr lang="zh-CN" altLang="en-US"/>
           </a:p>
@@ -1352,8 +1332,6 @@
           <a:p>
             <a:fld id="{EDE07243-D479-408A-9F03-AE97E7C1ACBB}" type="slidenum">
               <a:rPr lang="zh-CN" altLang="en-US" smtClean="0"/>
-              <a:pPr/>
-              <a:t>19</a:t>
             </a:fld>
             <a:endParaRPr lang="zh-CN" altLang="en-US"/>
           </a:p>
@@ -1432,8 +1410,6 @@
           <a:p>
             <a:fld id="{EDE07243-D479-408A-9F03-AE97E7C1ACBB}" type="slidenum">
               <a:rPr lang="zh-CN" altLang="en-US" smtClean="0"/>
-              <a:pPr/>
-              <a:t>2</a:t>
             </a:fld>
             <a:endParaRPr lang="zh-CN" altLang="en-US"/>
           </a:p>
@@ -1512,8 +1488,6 @@
           <a:p>
             <a:fld id="{EDE07243-D479-408A-9F03-AE97E7C1ACBB}" type="slidenum">
               <a:rPr lang="zh-CN" altLang="en-US" smtClean="0"/>
-              <a:pPr/>
-              <a:t>20</a:t>
             </a:fld>
             <a:endParaRPr lang="zh-CN" altLang="en-US"/>
           </a:p>
@@ -1592,8 +1566,6 @@
           <a:p>
             <a:fld id="{EDE07243-D479-408A-9F03-AE97E7C1ACBB}" type="slidenum">
               <a:rPr lang="zh-CN" altLang="en-US" smtClean="0"/>
-              <a:pPr/>
-              <a:t>21</a:t>
             </a:fld>
             <a:endParaRPr lang="zh-CN" altLang="en-US"/>
           </a:p>
@@ -1672,8 +1644,6 @@
           <a:p>
             <a:fld id="{EDE07243-D479-408A-9F03-AE97E7C1ACBB}" type="slidenum">
               <a:rPr lang="zh-CN" altLang="en-US" smtClean="0"/>
-              <a:pPr/>
-              <a:t>22</a:t>
             </a:fld>
             <a:endParaRPr lang="zh-CN" altLang="en-US"/>
           </a:p>
@@ -1752,8 +1722,6 @@
           <a:p>
             <a:fld id="{EDE07243-D479-408A-9F03-AE97E7C1ACBB}" type="slidenum">
               <a:rPr lang="zh-CN" altLang="en-US" smtClean="0"/>
-              <a:pPr/>
-              <a:t>23</a:t>
             </a:fld>
             <a:endParaRPr lang="zh-CN" altLang="en-US"/>
           </a:p>
@@ -1832,8 +1800,6 @@
           <a:p>
             <a:fld id="{EDE07243-D479-408A-9F03-AE97E7C1ACBB}" type="slidenum">
               <a:rPr lang="zh-CN" altLang="en-US" smtClean="0"/>
-              <a:pPr/>
-              <a:t>24</a:t>
             </a:fld>
             <a:endParaRPr lang="zh-CN" altLang="en-US"/>
           </a:p>
@@ -1912,8 +1878,6 @@
           <a:p>
             <a:fld id="{EDE07243-D479-408A-9F03-AE97E7C1ACBB}" type="slidenum">
               <a:rPr lang="zh-CN" altLang="en-US" smtClean="0"/>
-              <a:pPr/>
-              <a:t>25</a:t>
             </a:fld>
             <a:endParaRPr lang="zh-CN" altLang="en-US"/>
           </a:p>
@@ -1992,8 +1956,6 @@
           <a:p>
             <a:fld id="{EDE07243-D479-408A-9F03-AE97E7C1ACBB}" type="slidenum">
               <a:rPr lang="zh-CN" altLang="en-US" smtClean="0"/>
-              <a:pPr/>
-              <a:t>26</a:t>
             </a:fld>
             <a:endParaRPr lang="zh-CN" altLang="en-US"/>
           </a:p>
@@ -2072,8 +2034,6 @@
           <a:p>
             <a:fld id="{EDE07243-D479-408A-9F03-AE97E7C1ACBB}" type="slidenum">
               <a:rPr lang="zh-CN" altLang="en-US" smtClean="0"/>
-              <a:pPr/>
-              <a:t>27</a:t>
             </a:fld>
             <a:endParaRPr lang="zh-CN" altLang="en-US"/>
           </a:p>
@@ -2152,8 +2112,6 @@
           <a:p>
             <a:fld id="{EDE07243-D479-408A-9F03-AE97E7C1ACBB}" type="slidenum">
               <a:rPr lang="zh-CN" altLang="en-US" smtClean="0"/>
-              <a:pPr/>
-              <a:t>28</a:t>
             </a:fld>
             <a:endParaRPr lang="zh-CN" altLang="en-US"/>
           </a:p>
@@ -2232,8 +2190,6 @@
           <a:p>
             <a:fld id="{EDE07243-D479-408A-9F03-AE97E7C1ACBB}" type="slidenum">
               <a:rPr lang="zh-CN" altLang="en-US" smtClean="0"/>
-              <a:pPr/>
-              <a:t>29</a:t>
             </a:fld>
             <a:endParaRPr lang="zh-CN" altLang="en-US"/>
           </a:p>
@@ -2312,8 +2268,6 @@
           <a:p>
             <a:fld id="{EDE07243-D479-408A-9F03-AE97E7C1ACBB}" type="slidenum">
               <a:rPr lang="zh-CN" altLang="en-US" smtClean="0"/>
-              <a:pPr/>
-              <a:t>3</a:t>
             </a:fld>
             <a:endParaRPr lang="zh-CN" altLang="en-US"/>
           </a:p>
@@ -2392,8 +2346,6 @@
           <a:p>
             <a:fld id="{EDE07243-D479-408A-9F03-AE97E7C1ACBB}" type="slidenum">
               <a:rPr lang="zh-CN" altLang="en-US" smtClean="0"/>
-              <a:pPr/>
-              <a:t>30</a:t>
             </a:fld>
             <a:endParaRPr lang="zh-CN" altLang="en-US"/>
           </a:p>
@@ -2472,8 +2424,6 @@
           <a:p>
             <a:fld id="{EDE07243-D479-408A-9F03-AE97E7C1ACBB}" type="slidenum">
               <a:rPr lang="zh-CN" altLang="en-US" smtClean="0"/>
-              <a:pPr/>
-              <a:t>31</a:t>
             </a:fld>
             <a:endParaRPr lang="zh-CN" altLang="en-US"/>
           </a:p>
@@ -2552,8 +2502,6 @@
           <a:p>
             <a:fld id="{EDE07243-D479-408A-9F03-AE97E7C1ACBB}" type="slidenum">
               <a:rPr lang="zh-CN" altLang="en-US" smtClean="0"/>
-              <a:pPr/>
-              <a:t>4</a:t>
             </a:fld>
             <a:endParaRPr lang="zh-CN" altLang="en-US"/>
           </a:p>
@@ -2632,8 +2580,6 @@
           <a:p>
             <a:fld id="{EDE07243-D479-408A-9F03-AE97E7C1ACBB}" type="slidenum">
               <a:rPr lang="zh-CN" altLang="en-US" smtClean="0"/>
-              <a:pPr/>
-              <a:t>5</a:t>
             </a:fld>
             <a:endParaRPr lang="zh-CN" altLang="en-US"/>
           </a:p>
@@ -2712,8 +2658,6 @@
           <a:p>
             <a:fld id="{EDE07243-D479-408A-9F03-AE97E7C1ACBB}" type="slidenum">
               <a:rPr lang="zh-CN" altLang="en-US" smtClean="0"/>
-              <a:pPr/>
-              <a:t>6</a:t>
             </a:fld>
             <a:endParaRPr lang="zh-CN" altLang="en-US"/>
           </a:p>
@@ -2792,8 +2736,6 @@
           <a:p>
             <a:fld id="{EDE07243-D479-408A-9F03-AE97E7C1ACBB}" type="slidenum">
               <a:rPr lang="zh-CN" altLang="en-US" smtClean="0"/>
-              <a:pPr/>
-              <a:t>7</a:t>
             </a:fld>
             <a:endParaRPr lang="zh-CN" altLang="en-US"/>
           </a:p>
@@ -2872,8 +2814,6 @@
           <a:p>
             <a:fld id="{EDE07243-D479-408A-9F03-AE97E7C1ACBB}" type="slidenum">
               <a:rPr lang="zh-CN" altLang="en-US" smtClean="0"/>
-              <a:pPr/>
-              <a:t>8</a:t>
             </a:fld>
             <a:endParaRPr lang="zh-CN" altLang="en-US"/>
           </a:p>
@@ -2952,8 +2892,6 @@
           <a:p>
             <a:fld id="{EDE07243-D479-408A-9F03-AE97E7C1ACBB}" type="slidenum">
               <a:rPr lang="zh-CN" altLang="en-US" smtClean="0"/>
-              <a:pPr/>
-              <a:t>9</a:t>
             </a:fld>
             <a:endParaRPr lang="zh-CN" altLang="en-US"/>
           </a:p>
@@ -3148,8 +3086,6 @@
           <a:p>
             <a:fld id="{0DD9689C-E0FA-4117-AC6E-4AADA26ABC75}" type="datetimeFigureOut">
               <a:rPr lang="zh-CN" altLang="en-US" smtClean="0"/>
-              <a:pPr/>
-              <a:t>2018/1/9</a:t>
             </a:fld>
             <a:endParaRPr lang="zh-CN" altLang="en-US"/>
           </a:p>
@@ -3191,8 +3127,6 @@
           <a:p>
             <a:fld id="{7EC5F5FF-180C-4BB6-8622-F4E1931019D5}" type="slidenum">
               <a:rPr lang="zh-CN" altLang="en-US" smtClean="0"/>
-              <a:pPr/>
-              <a:t>‹#›</a:t>
             </a:fld>
             <a:endParaRPr lang="zh-CN" altLang="en-US"/>
           </a:p>
@@ -3266,6 +3200,7 @@
               <a:rPr lang="zh-CN" altLang="en-US" smtClean="0"/>
               <a:t>单击此处编辑母版文本样式</a:t>
             </a:r>
+            <a:endParaRPr lang="zh-CN" altLang="en-US" smtClean="0"/>
           </a:p>
           <a:p>
             <a:pPr lvl="1"/>
@@ -3273,6 +3208,7 @@
               <a:rPr lang="zh-CN" altLang="en-US" smtClean="0"/>
               <a:t>第二级</a:t>
             </a:r>
+            <a:endParaRPr lang="zh-CN" altLang="en-US" smtClean="0"/>
           </a:p>
           <a:p>
             <a:pPr lvl="2"/>
@@ -3280,6 +3216,7 @@
               <a:rPr lang="zh-CN" altLang="en-US" smtClean="0"/>
               <a:t>第三级</a:t>
             </a:r>
+            <a:endParaRPr lang="zh-CN" altLang="en-US" smtClean="0"/>
           </a:p>
           <a:p>
             <a:pPr lvl="3"/>
@@ -3287,6 +3224,7 @@
               <a:rPr lang="zh-CN" altLang="en-US" smtClean="0"/>
               <a:t>第四级</a:t>
             </a:r>
+            <a:endParaRPr lang="zh-CN" altLang="en-US" smtClean="0"/>
           </a:p>
           <a:p>
             <a:pPr lvl="4"/>
@@ -3315,8 +3253,6 @@
           <a:p>
             <a:fld id="{0DD9689C-E0FA-4117-AC6E-4AADA26ABC75}" type="datetimeFigureOut">
               <a:rPr lang="zh-CN" altLang="en-US" smtClean="0"/>
-              <a:pPr/>
-              <a:t>2018/1/9</a:t>
             </a:fld>
             <a:endParaRPr lang="zh-CN" altLang="en-US"/>
           </a:p>
@@ -3358,8 +3294,6 @@
           <a:p>
             <a:fld id="{7EC5F5FF-180C-4BB6-8622-F4E1931019D5}" type="slidenum">
               <a:rPr lang="zh-CN" altLang="en-US" smtClean="0"/>
-              <a:pPr/>
-              <a:t>‹#›</a:t>
             </a:fld>
             <a:endParaRPr lang="zh-CN" altLang="en-US"/>
           </a:p>
@@ -3443,6 +3377,7 @@
               <a:rPr lang="zh-CN" altLang="en-US" smtClean="0"/>
               <a:t>单击此处编辑母版文本样式</a:t>
             </a:r>
+            <a:endParaRPr lang="zh-CN" altLang="en-US" smtClean="0"/>
           </a:p>
           <a:p>
             <a:pPr lvl="1"/>
@@ -3450,6 +3385,7 @@
               <a:rPr lang="zh-CN" altLang="en-US" smtClean="0"/>
               <a:t>第二级</a:t>
             </a:r>
+            <a:endParaRPr lang="zh-CN" altLang="en-US" smtClean="0"/>
           </a:p>
           <a:p>
             <a:pPr lvl="2"/>
@@ -3457,6 +3393,7 @@
               <a:rPr lang="zh-CN" altLang="en-US" smtClean="0"/>
               <a:t>第三级</a:t>
             </a:r>
+            <a:endParaRPr lang="zh-CN" altLang="en-US" smtClean="0"/>
           </a:p>
           <a:p>
             <a:pPr lvl="3"/>
@@ -3464,6 +3401,7 @@
               <a:rPr lang="zh-CN" altLang="en-US" smtClean="0"/>
               <a:t>第四级</a:t>
             </a:r>
+            <a:endParaRPr lang="zh-CN" altLang="en-US" smtClean="0"/>
           </a:p>
           <a:p>
             <a:pPr lvl="4"/>
@@ -3492,8 +3430,6 @@
           <a:p>
             <a:fld id="{0DD9689C-E0FA-4117-AC6E-4AADA26ABC75}" type="datetimeFigureOut">
               <a:rPr lang="zh-CN" altLang="en-US" smtClean="0"/>
-              <a:pPr/>
-              <a:t>2018/1/9</a:t>
             </a:fld>
             <a:endParaRPr lang="zh-CN" altLang="en-US"/>
           </a:p>
@@ -3535,8 +3471,6 @@
           <a:p>
             <a:fld id="{7EC5F5FF-180C-4BB6-8622-F4E1931019D5}" type="slidenum">
               <a:rPr lang="zh-CN" altLang="en-US" smtClean="0"/>
-              <a:pPr/>
-              <a:t>‹#›</a:t>
             </a:fld>
             <a:endParaRPr lang="zh-CN" altLang="en-US"/>
           </a:p>
@@ -3610,6 +3544,7 @@
               <a:rPr lang="zh-CN" altLang="en-US" smtClean="0"/>
               <a:t>单击此处编辑母版文本样式</a:t>
             </a:r>
+            <a:endParaRPr lang="zh-CN" altLang="en-US" smtClean="0"/>
           </a:p>
           <a:p>
             <a:pPr lvl="1"/>
@@ -3617,6 +3552,7 @@
               <a:rPr lang="zh-CN" altLang="en-US" smtClean="0"/>
               <a:t>第二级</a:t>
             </a:r>
+            <a:endParaRPr lang="zh-CN" altLang="en-US" smtClean="0"/>
           </a:p>
           <a:p>
             <a:pPr lvl="2"/>
@@ -3624,6 +3560,7 @@
               <a:rPr lang="zh-CN" altLang="en-US" smtClean="0"/>
               <a:t>第三级</a:t>
             </a:r>
+            <a:endParaRPr lang="zh-CN" altLang="en-US" smtClean="0"/>
           </a:p>
           <a:p>
             <a:pPr lvl="3"/>
@@ -3631,6 +3568,7 @@
               <a:rPr lang="zh-CN" altLang="en-US" smtClean="0"/>
               <a:t>第四级</a:t>
             </a:r>
+            <a:endParaRPr lang="zh-CN" altLang="en-US" smtClean="0"/>
           </a:p>
           <a:p>
             <a:pPr lvl="4"/>
@@ -3659,8 +3597,6 @@
           <a:p>
             <a:fld id="{0DD9689C-E0FA-4117-AC6E-4AADA26ABC75}" type="datetimeFigureOut">
               <a:rPr lang="zh-CN" altLang="en-US" smtClean="0"/>
-              <a:pPr/>
-              <a:t>2018/1/9</a:t>
             </a:fld>
             <a:endParaRPr lang="zh-CN" altLang="en-US"/>
           </a:p>
@@ -3702,8 +3638,6 @@
           <a:p>
             <a:fld id="{7EC5F5FF-180C-4BB6-8622-F4E1931019D5}" type="slidenum">
               <a:rPr lang="zh-CN" altLang="en-US" smtClean="0"/>
-              <a:pPr/>
-              <a:t>‹#›</a:t>
             </a:fld>
             <a:endParaRPr lang="zh-CN" altLang="en-US"/>
           </a:p>
@@ -3882,6 +3816,7 @@
               <a:rPr lang="zh-CN" altLang="en-US" smtClean="0"/>
               <a:t>单击此处编辑母版文本样式</a:t>
             </a:r>
+            <a:endParaRPr lang="zh-CN" altLang="en-US" smtClean="0"/>
           </a:p>
         </p:txBody>
       </p:sp>
@@ -3902,8 +3837,6 @@
           <a:p>
             <a:fld id="{0DD9689C-E0FA-4117-AC6E-4AADA26ABC75}" type="datetimeFigureOut">
               <a:rPr lang="zh-CN" altLang="en-US" smtClean="0"/>
-              <a:pPr/>
-              <a:t>2018/1/9</a:t>
             </a:fld>
             <a:endParaRPr lang="zh-CN" altLang="en-US"/>
           </a:p>
@@ -3945,8 +3878,6 @@
           <a:p>
             <a:fld id="{7EC5F5FF-180C-4BB6-8622-F4E1931019D5}" type="slidenum">
               <a:rPr lang="zh-CN" altLang="en-US" smtClean="0"/>
-              <a:pPr/>
-              <a:t>‹#›</a:t>
             </a:fld>
             <a:endParaRPr lang="zh-CN" altLang="en-US"/>
           </a:p>
@@ -4053,6 +3984,7 @@
               <a:rPr lang="zh-CN" altLang="en-US" smtClean="0"/>
               <a:t>单击此处编辑母版文本样式</a:t>
             </a:r>
+            <a:endParaRPr lang="zh-CN" altLang="en-US" smtClean="0"/>
           </a:p>
           <a:p>
             <a:pPr lvl="1"/>
@@ -4060,6 +3992,7 @@
               <a:rPr lang="zh-CN" altLang="en-US" smtClean="0"/>
               <a:t>第二级</a:t>
             </a:r>
+            <a:endParaRPr lang="zh-CN" altLang="en-US" smtClean="0"/>
           </a:p>
           <a:p>
             <a:pPr lvl="2"/>
@@ -4067,6 +4000,7 @@
               <a:rPr lang="zh-CN" altLang="en-US" smtClean="0"/>
               <a:t>第三级</a:t>
             </a:r>
+            <a:endParaRPr lang="zh-CN" altLang="en-US" smtClean="0"/>
           </a:p>
           <a:p>
             <a:pPr lvl="3"/>
@@ -4074,6 +4008,7 @@
               <a:rPr lang="zh-CN" altLang="en-US" smtClean="0"/>
               <a:t>第四级</a:t>
             </a:r>
+            <a:endParaRPr lang="zh-CN" altLang="en-US" smtClean="0"/>
           </a:p>
           <a:p>
             <a:pPr lvl="4"/>
@@ -4138,6 +4073,7 @@
               <a:rPr lang="zh-CN" altLang="en-US" smtClean="0"/>
               <a:t>单击此处编辑母版文本样式</a:t>
             </a:r>
+            <a:endParaRPr lang="zh-CN" altLang="en-US" smtClean="0"/>
           </a:p>
           <a:p>
             <a:pPr lvl="1"/>
@@ -4145,6 +4081,7 @@
               <a:rPr lang="zh-CN" altLang="en-US" smtClean="0"/>
               <a:t>第二级</a:t>
             </a:r>
+            <a:endParaRPr lang="zh-CN" altLang="en-US" smtClean="0"/>
           </a:p>
           <a:p>
             <a:pPr lvl="2"/>
@@ -4152,6 +4089,7 @@
               <a:rPr lang="zh-CN" altLang="en-US" smtClean="0"/>
               <a:t>第三级</a:t>
             </a:r>
+            <a:endParaRPr lang="zh-CN" altLang="en-US" smtClean="0"/>
           </a:p>
           <a:p>
             <a:pPr lvl="3"/>
@@ -4159,6 +4097,7 @@
               <a:rPr lang="zh-CN" altLang="en-US" smtClean="0"/>
               <a:t>第四级</a:t>
             </a:r>
+            <a:endParaRPr lang="zh-CN" altLang="en-US" smtClean="0"/>
           </a:p>
           <a:p>
             <a:pPr lvl="4"/>
@@ -4187,8 +4126,6 @@
           <a:p>
             <a:fld id="{0DD9689C-E0FA-4117-AC6E-4AADA26ABC75}" type="datetimeFigureOut">
               <a:rPr lang="zh-CN" altLang="en-US" smtClean="0"/>
-              <a:pPr/>
-              <a:t>2018/1/9</a:t>
             </a:fld>
             <a:endParaRPr lang="zh-CN" altLang="en-US"/>
           </a:p>
@@ -4230,8 +4167,6 @@
           <a:p>
             <a:fld id="{7EC5F5FF-180C-4BB6-8622-F4E1931019D5}" type="slidenum">
               <a:rPr lang="zh-CN" altLang="en-US" smtClean="0"/>
-              <a:pPr/>
-              <a:t>‹#›</a:t>
             </a:fld>
             <a:endParaRPr lang="zh-CN" altLang="en-US"/>
           </a:p>
@@ -4356,6 +4291,7 @@
               <a:rPr lang="zh-CN" altLang="en-US" smtClean="0"/>
               <a:t>单击此处编辑母版文本样式</a:t>
             </a:r>
+            <a:endParaRPr lang="zh-CN" altLang="en-US" smtClean="0"/>
           </a:p>
         </p:txBody>
       </p:sp>
@@ -4412,6 +4348,7 @@
               <a:rPr lang="zh-CN" altLang="en-US" smtClean="0"/>
               <a:t>单击此处编辑母版文本样式</a:t>
             </a:r>
+            <a:endParaRPr lang="zh-CN" altLang="en-US" smtClean="0"/>
           </a:p>
           <a:p>
             <a:pPr lvl="1"/>
@@ -4419,6 +4356,7 @@
               <a:rPr lang="zh-CN" altLang="en-US" smtClean="0"/>
               <a:t>第二级</a:t>
             </a:r>
+            <a:endParaRPr lang="zh-CN" altLang="en-US" smtClean="0"/>
           </a:p>
           <a:p>
             <a:pPr lvl="2"/>
@@ -4426,6 +4364,7 @@
               <a:rPr lang="zh-CN" altLang="en-US" smtClean="0"/>
               <a:t>第三级</a:t>
             </a:r>
+            <a:endParaRPr lang="zh-CN" altLang="en-US" smtClean="0"/>
           </a:p>
           <a:p>
             <a:pPr lvl="3"/>
@@ -4433,6 +4372,7 @@
               <a:rPr lang="zh-CN" altLang="en-US" smtClean="0"/>
               <a:t>第四级</a:t>
             </a:r>
+            <a:endParaRPr lang="zh-CN" altLang="en-US" smtClean="0"/>
           </a:p>
           <a:p>
             <a:pPr lvl="4"/>
@@ -4506,6 +4446,7 @@
               <a:rPr lang="zh-CN" altLang="en-US" smtClean="0"/>
               <a:t>单击此处编辑母版文本样式</a:t>
             </a:r>
+            <a:endParaRPr lang="zh-CN" altLang="en-US" smtClean="0"/>
           </a:p>
         </p:txBody>
       </p:sp>
@@ -4562,6 +4503,7 @@
               <a:rPr lang="zh-CN" altLang="en-US" smtClean="0"/>
               <a:t>单击此处编辑母版文本样式</a:t>
             </a:r>
+            <a:endParaRPr lang="zh-CN" altLang="en-US" smtClean="0"/>
           </a:p>
           <a:p>
             <a:pPr lvl="1"/>
@@ -4569,6 +4511,7 @@
               <a:rPr lang="zh-CN" altLang="en-US" smtClean="0"/>
               <a:t>第二级</a:t>
             </a:r>
+            <a:endParaRPr lang="zh-CN" altLang="en-US" smtClean="0"/>
           </a:p>
           <a:p>
             <a:pPr lvl="2"/>
@@ -4576,6 +4519,7 @@
               <a:rPr lang="zh-CN" altLang="en-US" smtClean="0"/>
               <a:t>第三级</a:t>
             </a:r>
+            <a:endParaRPr lang="zh-CN" altLang="en-US" smtClean="0"/>
           </a:p>
           <a:p>
             <a:pPr lvl="3"/>
@@ -4583,6 +4527,7 @@
               <a:rPr lang="zh-CN" altLang="en-US" smtClean="0"/>
               <a:t>第四级</a:t>
             </a:r>
+            <a:endParaRPr lang="zh-CN" altLang="en-US" smtClean="0"/>
           </a:p>
           <a:p>
             <a:pPr lvl="4"/>
@@ -4611,8 +4556,6 @@
           <a:p>
             <a:fld id="{0DD9689C-E0FA-4117-AC6E-4AADA26ABC75}" type="datetimeFigureOut">
               <a:rPr lang="zh-CN" altLang="en-US" smtClean="0"/>
-              <a:pPr/>
-              <a:t>2018/1/9</a:t>
             </a:fld>
             <a:endParaRPr lang="zh-CN" altLang="en-US"/>
           </a:p>
@@ -4654,8 +4597,6 @@
           <a:p>
             <a:fld id="{7EC5F5FF-180C-4BB6-8622-F4E1931019D5}" type="slidenum">
               <a:rPr lang="zh-CN" altLang="en-US" smtClean="0"/>
-              <a:pPr/>
-              <a:t>‹#›</a:t>
             </a:fld>
             <a:endParaRPr lang="zh-CN" altLang="en-US"/>
           </a:p>
@@ -4726,8 +4667,6 @@
           <a:p>
             <a:fld id="{0DD9689C-E0FA-4117-AC6E-4AADA26ABC75}" type="datetimeFigureOut">
               <a:rPr lang="zh-CN" altLang="en-US" smtClean="0"/>
-              <a:pPr/>
-              <a:t>2018/1/9</a:t>
             </a:fld>
             <a:endParaRPr lang="zh-CN" altLang="en-US"/>
           </a:p>
@@ -4769,8 +4708,6 @@
           <a:p>
             <a:fld id="{7EC5F5FF-180C-4BB6-8622-F4E1931019D5}" type="slidenum">
               <a:rPr lang="zh-CN" altLang="en-US" smtClean="0"/>
-              <a:pPr/>
-              <a:t>‹#›</a:t>
             </a:fld>
             <a:endParaRPr lang="zh-CN" altLang="en-US"/>
           </a:p>
@@ -4818,8 +4755,6 @@
           <a:p>
             <a:fld id="{0DD9689C-E0FA-4117-AC6E-4AADA26ABC75}" type="datetimeFigureOut">
               <a:rPr lang="zh-CN" altLang="en-US" smtClean="0"/>
-              <a:pPr/>
-              <a:t>2018/1/9</a:t>
             </a:fld>
             <a:endParaRPr lang="zh-CN" altLang="en-US"/>
           </a:p>
@@ -4861,8 +4796,6 @@
           <a:p>
             <a:fld id="{7EC5F5FF-180C-4BB6-8622-F4E1931019D5}" type="slidenum">
               <a:rPr lang="zh-CN" altLang="en-US" smtClean="0"/>
-              <a:pPr/>
-              <a:t>‹#›</a:t>
             </a:fld>
             <a:endParaRPr lang="zh-CN" altLang="en-US"/>
           </a:p>
@@ -4978,6 +4911,7 @@
               <a:rPr lang="zh-CN" altLang="en-US" smtClean="0"/>
               <a:t>单击此处编辑母版文本样式</a:t>
             </a:r>
+            <a:endParaRPr lang="zh-CN" altLang="en-US" smtClean="0"/>
           </a:p>
           <a:p>
             <a:pPr lvl="1"/>
@@ -4985,6 +4919,7 @@
               <a:rPr lang="zh-CN" altLang="en-US" smtClean="0"/>
               <a:t>第二级</a:t>
             </a:r>
+            <a:endParaRPr lang="zh-CN" altLang="en-US" smtClean="0"/>
           </a:p>
           <a:p>
             <a:pPr lvl="2"/>
@@ -4992,6 +4927,7 @@
               <a:rPr lang="zh-CN" altLang="en-US" smtClean="0"/>
               <a:t>第三级</a:t>
             </a:r>
+            <a:endParaRPr lang="zh-CN" altLang="en-US" smtClean="0"/>
           </a:p>
           <a:p>
             <a:pPr lvl="3"/>
@@ -4999,6 +4935,7 @@
               <a:rPr lang="zh-CN" altLang="en-US" smtClean="0"/>
               <a:t>第四级</a:t>
             </a:r>
+            <a:endParaRPr lang="zh-CN" altLang="en-US" smtClean="0"/>
           </a:p>
           <a:p>
             <a:pPr lvl="4"/>
@@ -5072,6 +5009,7 @@
               <a:rPr lang="zh-CN" altLang="en-US" smtClean="0"/>
               <a:t>单击此处编辑母版文本样式</a:t>
             </a:r>
+            <a:endParaRPr lang="zh-CN" altLang="en-US" smtClean="0"/>
           </a:p>
         </p:txBody>
       </p:sp>
@@ -5092,8 +5030,6 @@
           <a:p>
             <a:fld id="{0DD9689C-E0FA-4117-AC6E-4AADA26ABC75}" type="datetimeFigureOut">
               <a:rPr lang="zh-CN" altLang="en-US" smtClean="0"/>
-              <a:pPr/>
-              <a:t>2018/1/9</a:t>
             </a:fld>
             <a:endParaRPr lang="zh-CN" altLang="en-US"/>
           </a:p>
@@ -5135,8 +5071,6 @@
           <a:p>
             <a:fld id="{7EC5F5FF-180C-4BB6-8622-F4E1931019D5}" type="slidenum">
               <a:rPr lang="zh-CN" altLang="en-US" smtClean="0"/>
-              <a:pPr/>
-              <a:t>‹#›</a:t>
             </a:fld>
             <a:endParaRPr lang="zh-CN" altLang="en-US"/>
           </a:p>
@@ -5322,6 +5256,7 @@
               <a:rPr lang="zh-CN" altLang="en-US" smtClean="0"/>
               <a:t>单击此处编辑母版文本样式</a:t>
             </a:r>
+            <a:endParaRPr lang="zh-CN" altLang="en-US" smtClean="0"/>
           </a:p>
         </p:txBody>
       </p:sp>
@@ -5342,8 +5277,6 @@
           <a:p>
             <a:fld id="{0DD9689C-E0FA-4117-AC6E-4AADA26ABC75}" type="datetimeFigureOut">
               <a:rPr lang="zh-CN" altLang="en-US" smtClean="0"/>
-              <a:pPr/>
-              <a:t>2018/1/9</a:t>
             </a:fld>
             <a:endParaRPr lang="zh-CN" altLang="en-US"/>
           </a:p>
@@ -5385,8 +5318,6 @@
           <a:p>
             <a:fld id="{7EC5F5FF-180C-4BB6-8622-F4E1931019D5}" type="slidenum">
               <a:rPr lang="zh-CN" altLang="en-US" smtClean="0"/>
-              <a:pPr/>
-              <a:t>‹#›</a:t>
             </a:fld>
             <a:endParaRPr lang="zh-CN" altLang="en-US"/>
           </a:p>
@@ -5406,7 +5337,7 @@
     <p:bg>
       <p:bgPr>
         <a:blipFill dpi="0" rotWithShape="1">
-          <a:blip r:embed="rId13" cstate="print">
+          <a:blip r:embed="rId12" cstate="print">
             <a:lum/>
           </a:blip>
           <a:srcRect/>
@@ -5494,6 +5425,7 @@
               <a:rPr lang="zh-CN" altLang="en-US" smtClean="0"/>
               <a:t>单击此处编辑母版文本样式</a:t>
             </a:r>
+            <a:endParaRPr lang="zh-CN" altLang="en-US" smtClean="0"/>
           </a:p>
           <a:p>
             <a:pPr lvl="1"/>
@@ -5501,6 +5433,7 @@
               <a:rPr lang="zh-CN" altLang="en-US" smtClean="0"/>
               <a:t>第二级</a:t>
             </a:r>
+            <a:endParaRPr lang="zh-CN" altLang="en-US" smtClean="0"/>
           </a:p>
           <a:p>
             <a:pPr lvl="2"/>
@@ -5508,6 +5441,7 @@
               <a:rPr lang="zh-CN" altLang="en-US" smtClean="0"/>
               <a:t>第三级</a:t>
             </a:r>
+            <a:endParaRPr lang="zh-CN" altLang="en-US" smtClean="0"/>
           </a:p>
           <a:p>
             <a:pPr lvl="3"/>
@@ -5515,6 +5449,7 @@
               <a:rPr lang="zh-CN" altLang="en-US" smtClean="0"/>
               <a:t>第四级</a:t>
             </a:r>
+            <a:endParaRPr lang="zh-CN" altLang="en-US" smtClean="0"/>
           </a:p>
           <a:p>
             <a:pPr lvl="4"/>
@@ -5561,8 +5496,6 @@
           <a:p>
             <a:fld id="{0DD9689C-E0FA-4117-AC6E-4AADA26ABC75}" type="datetimeFigureOut">
               <a:rPr lang="zh-CN" altLang="en-US" smtClean="0"/>
-              <a:pPr/>
-              <a:t>2018/1/9</a:t>
             </a:fld>
             <a:endParaRPr lang="zh-CN" altLang="en-US"/>
           </a:p>
@@ -5640,8 +5573,6 @@
           <a:p>
             <a:fld id="{7EC5F5FF-180C-4BB6-8622-F4E1931019D5}" type="slidenum">
               <a:rPr lang="zh-CN" altLang="en-US" smtClean="0"/>
-              <a:pPr/>
-              <a:t>‹#›</a:t>
             </a:fld>
             <a:endParaRPr lang="zh-CN" altLang="en-US"/>
           </a:p>
@@ -5996,7 +5927,7 @@
           <p:nvPr/>
         </p:nvPicPr>
         <p:blipFill rotWithShape="1">
-          <a:blip r:embed="rId3" cstate="print">
+          <a:blip r:embed="rId1" cstate="print">
             <a:duotone>
               <a:schemeClr val="accent5">
                 <a:shade val="45000"/>
@@ -6006,7 +5937,7 @@
             </a:duotone>
             <a:extLst>
               <a:ext uri="{28A0092B-C50C-407E-A947-70E740481C1C}">
-                <a14:useLocalDpi xmlns:a14="http://schemas.microsoft.com/office/drawing/2010/main" xmlns="" val="0"/>
+                <a14:useLocalDpi xmlns:a14="http://schemas.microsoft.com/office/drawing/2010/main" val="0"/>
               </a:ext>
             </a:extLst>
           </a:blip>
@@ -6149,6 +6080,13 @@
               </a:rPr>
               <a:t>组员：葛鑫志 胡泽宇 林康 金志超</a:t>
             </a:r>
+            <a:endParaRPr lang="zh-CN" altLang="en-US" b="1" dirty="0" smtClean="0">
+              <a:solidFill>
+                <a:schemeClr val="bg1"/>
+              </a:solidFill>
+              <a:latin typeface="微软雅黑" panose="020B0503020204020204" pitchFamily="34" charset="-122"/>
+              <a:ea typeface="微软雅黑" panose="020B0503020204020204" pitchFamily="34" charset="-122"/>
+            </a:endParaRPr>
           </a:p>
         </p:txBody>
       </p:sp>
@@ -6230,6 +6168,13 @@
               </a:rPr>
               <a:t>项目经理：韩佳鑫</a:t>
             </a:r>
+            <a:endParaRPr lang="zh-CN" altLang="en-US" sz="1200" dirty="0" smtClean="0">
+              <a:solidFill>
+                <a:srgbClr val="0070C0"/>
+              </a:solidFill>
+              <a:latin typeface="微软雅黑" panose="020B0503020204020204" pitchFamily="34" charset="-122"/>
+              <a:ea typeface="微软雅黑" panose="020B0503020204020204" pitchFamily="34" charset="-122"/>
+            </a:endParaRPr>
           </a:p>
         </p:txBody>
       </p:sp>
@@ -6242,7 +6187,7 @@
           <p:nvPr/>
         </p:nvPicPr>
         <p:blipFill>
-          <a:blip r:embed="rId4"/>
+          <a:blip r:embed="rId2"/>
           <a:stretch>
             <a:fillRect/>
           </a:stretch>
@@ -6263,7 +6208,7 @@
     <a:masterClrMapping/>
   </p:clrMapOvr>
   <mc:AlternateContent xmlns:mc="http://schemas.openxmlformats.org/markup-compatibility/2006">
-    <mc:Choice xmlns:p14="http://schemas.microsoft.com/office/powerpoint/2010/main" xmlns="" Requires="p14">
+    <mc:Choice xmlns:p14="http://schemas.microsoft.com/office/powerpoint/2010/main" Requires="p14">
       <p:transition spd="med" p14:dur="700">
         <p:fade/>
       </p:transition>
@@ -6931,7 +6876,7 @@
           <p:nvPr/>
         </p:nvPicPr>
         <p:blipFill>
-          <a:blip r:embed="rId3"/>
+          <a:blip r:embed="rId1"/>
           <a:stretch>
             <a:fillRect/>
           </a:stretch>
@@ -6952,7 +6897,7 @@
     <a:masterClrMapping/>
   </p:clrMapOvr>
   <mc:AlternateContent xmlns:mc="http://schemas.openxmlformats.org/markup-compatibility/2006">
-    <mc:Choice xmlns:p14="http://schemas.microsoft.com/office/powerpoint/2010/main" xmlns="" Requires="p14">
+    <mc:Choice xmlns:p14="http://schemas.microsoft.com/office/powerpoint/2010/main" Requires="p14">
       <p:transition spd="slow" p14:dur="1100">
         <p14:switch dir="r"/>
       </p:transition>
@@ -7187,7 +7132,7 @@
           <p:nvPr/>
         </p:nvPicPr>
         <p:blipFill>
-          <a:blip r:embed="rId3"/>
+          <a:blip r:embed="rId1"/>
           <a:stretch>
             <a:fillRect/>
           </a:stretch>
@@ -7208,7 +7153,7 @@
     <a:masterClrMapping/>
   </p:clrMapOvr>
   <mc:AlternateContent xmlns:mc="http://schemas.openxmlformats.org/markup-compatibility/2006">
-    <mc:Choice xmlns:p14="http://schemas.microsoft.com/office/powerpoint/2010/main" xmlns="" Requires="p14">
+    <mc:Choice xmlns:p14="http://schemas.microsoft.com/office/powerpoint/2010/main" Requires="p14">
       <p:transition spd="slow" p14:dur="1100">
         <p14:switch dir="r"/>
       </p:transition>
@@ -7592,6 +7537,14 @@
               </a:rPr>
               <a:t>需求管理工具</a:t>
             </a:r>
+            <a:endParaRPr lang="zh-CN" altLang="en-US" sz="1700" b="1" dirty="0" smtClean="0">
+              <a:solidFill>
+                <a:srgbClr val="0070C0"/>
+              </a:solidFill>
+              <a:latin typeface="微软雅黑" panose="020B0503020204020204" pitchFamily="34" charset="-122"/>
+              <a:ea typeface="微软雅黑" panose="020B0503020204020204" pitchFamily="34" charset="-122"/>
+              <a:sym typeface="+mn-ea"/>
+            </a:endParaRPr>
           </a:p>
         </p:txBody>
       </p:sp>
@@ -7664,11 +7617,11 @@
             <p:nvPr/>
           </p:nvPicPr>
           <p:blipFill>
-            <a:blip r:embed="rId3" cstate="print">
+            <a:blip r:embed="rId1" cstate="print">
               <a:biLevel thresh="25000"/>
               <a:extLst>
                 <a:ext uri="{28A0092B-C50C-407E-A947-70E740481C1C}">
-                  <a14:useLocalDpi xmlns:a14="http://schemas.microsoft.com/office/drawing/2010/main" xmlns="" val="0"/>
+                  <a14:useLocalDpi xmlns:a14="http://schemas.microsoft.com/office/drawing/2010/main" val="0"/>
                 </a:ext>
               </a:extLst>
             </a:blip>
@@ -8617,7 +8570,7 @@
           <p:nvPr/>
         </p:nvPicPr>
         <p:blipFill>
-          <a:blip r:embed="rId3"/>
+          <a:blip r:embed="rId1"/>
           <a:stretch>
             <a:fillRect/>
           </a:stretch>
@@ -8638,7 +8591,7 @@
     <a:masterClrMapping/>
   </p:clrMapOvr>
   <mc:AlternateContent xmlns:mc="http://schemas.openxmlformats.org/markup-compatibility/2006">
-    <mc:Choice xmlns:p14="http://schemas.microsoft.com/office/powerpoint/2010/main" xmlns="" Requires="p14">
+    <mc:Choice xmlns:p14="http://schemas.microsoft.com/office/powerpoint/2010/main" Requires="p14">
       <p:transition spd="slow" p14:dur="1100">
         <p14:switch dir="r"/>
       </p:transition>
@@ -8873,7 +8826,7 @@
           <p:nvPr/>
         </p:nvPicPr>
         <p:blipFill>
-          <a:blip r:embed="rId3"/>
+          <a:blip r:embed="rId1"/>
           <a:stretch>
             <a:fillRect/>
           </a:stretch>
@@ -8897,7 +8850,7 @@
           <p:nvPr/>
         </p:nvPicPr>
         <p:blipFill>
-          <a:blip r:embed="rId4"/>
+          <a:blip r:embed="rId2"/>
           <a:stretch>
             <a:fillRect/>
           </a:stretch>
@@ -8918,7 +8871,7 @@
     <a:masterClrMapping/>
   </p:clrMapOvr>
   <mc:AlternateContent xmlns:mc="http://schemas.openxmlformats.org/markup-compatibility/2006">
-    <mc:Choice xmlns:p14="http://schemas.microsoft.com/office/powerpoint/2010/main" xmlns="" Requires="p14">
+    <mc:Choice xmlns:p14="http://schemas.microsoft.com/office/powerpoint/2010/main" Requires="p14">
       <p:transition spd="slow" p14:dur="1100">
         <p14:switch dir="r"/>
       </p:transition>
@@ -9306,6 +9259,14 @@
               </a:rPr>
               <a:t>用户需求变化</a:t>
             </a:r>
+            <a:endParaRPr lang="zh-CN" altLang="en-US" sz="1700" b="1" dirty="0" smtClean="0">
+              <a:solidFill>
+                <a:srgbClr val="0070C0"/>
+              </a:solidFill>
+              <a:latin typeface="微软雅黑" panose="020B0503020204020204" pitchFamily="34" charset="-122"/>
+              <a:ea typeface="微软雅黑" panose="020B0503020204020204" pitchFamily="34" charset="-122"/>
+              <a:sym typeface="+mn-ea"/>
+            </a:endParaRPr>
           </a:p>
         </p:txBody>
       </p:sp>
@@ -9378,11 +9339,11 @@
             <p:nvPr/>
           </p:nvPicPr>
           <p:blipFill>
-            <a:blip r:embed="rId3">
+            <a:blip r:embed="rId1">
               <a:biLevel thresh="25000"/>
               <a:extLst>
                 <a:ext uri="{28A0092B-C50C-407E-A947-70E740481C1C}">
-                  <a14:useLocalDpi xmlns:a14="http://schemas.microsoft.com/office/drawing/2010/main" xmlns="" val="0"/>
+                  <a14:useLocalDpi xmlns:a14="http://schemas.microsoft.com/office/drawing/2010/main" val="0"/>
                 </a:ext>
               </a:extLst>
             </a:blip>
@@ -9407,7 +9368,7 @@
     <a:masterClrMapping/>
   </p:clrMapOvr>
   <mc:AlternateContent xmlns:mc="http://schemas.openxmlformats.org/markup-compatibility/2006">
-    <mc:Choice xmlns:p14="http://schemas.microsoft.com/office/powerpoint/2010/main" xmlns="" Requires="p14">
+    <mc:Choice xmlns:p14="http://schemas.microsoft.com/office/powerpoint/2010/main" Requires="p14">
       <p:transition spd="slow" p14:dur="1100">
         <p14:switch dir="r"/>
       </p:transition>
@@ -10374,7 +10335,7 @@
     <a:masterClrMapping/>
   </p:clrMapOvr>
   <mc:AlternateContent xmlns:mc="http://schemas.openxmlformats.org/markup-compatibility/2006">
-    <mc:Choice xmlns:p14="http://schemas.microsoft.com/office/powerpoint/2010/main" xmlns="" Requires="p14">
+    <mc:Choice xmlns:p14="http://schemas.microsoft.com/office/powerpoint/2010/main" Requires="p14">
       <p:transition spd="slow" p14:dur="1100">
         <p14:switch dir="r"/>
       </p:transition>
@@ -10609,7 +10570,7 @@
           <p:nvPr/>
         </p:nvPicPr>
         <p:blipFill>
-          <a:blip r:embed="rId3"/>
+          <a:blip r:embed="rId1"/>
           <a:stretch>
             <a:fillRect/>
           </a:stretch>
@@ -10630,7 +10591,7 @@
     <a:masterClrMapping/>
   </p:clrMapOvr>
   <mc:AlternateContent xmlns:mc="http://schemas.openxmlformats.org/markup-compatibility/2006">
-    <mc:Choice xmlns:p14="http://schemas.microsoft.com/office/powerpoint/2010/main" xmlns="" Requires="p14">
+    <mc:Choice xmlns:p14="http://schemas.microsoft.com/office/powerpoint/2010/main" Requires="p14">
       <p:transition spd="slow" p14:dur="1100">
         <p14:switch dir="r"/>
       </p:transition>
@@ -10893,16 +10854,16 @@
                       </a:pPr>
                       <a:r>
                         <a:rPr lang="zh-CN" sz="800" b="1" kern="100">
-                          <a:latin typeface="Calibri"/>
-                          <a:ea typeface="宋体"/>
-                          <a:cs typeface="Arial"/>
+                          <a:latin typeface="Calibri" panose="020F0502020204030204"/>
+                          <a:ea typeface="宋体" panose="02010600030101010101" pitchFamily="2" charset="-122"/>
+                          <a:cs typeface="Arial" panose="020B0604020202020204"/>
                         </a:rPr>
                         <a:t>项目</a:t>
                       </a:r>
                       <a:endParaRPr lang="zh-CN" sz="700" kern="100">
-                        <a:latin typeface="Calibri"/>
-                        <a:ea typeface="宋体"/>
-                        <a:cs typeface="Times New Roman"/>
+                        <a:latin typeface="Calibri" panose="020F0502020204030204"/>
+                        <a:ea typeface="宋体" panose="02010600030101010101" pitchFamily="2" charset="-122"/>
+                        <a:cs typeface="Times New Roman" panose="02020603050405020304"/>
                       </a:endParaRPr>
                     </a:p>
                   </a:txBody>
@@ -10960,16 +10921,16 @@
                           <a:solidFill>
                             <a:srgbClr val="000000"/>
                           </a:solidFill>
-                          <a:latin typeface="Calibri"/>
-                          <a:ea typeface="宋体"/>
-                          <a:cs typeface="宋体"/>
+                          <a:latin typeface="Calibri" panose="020F0502020204030204"/>
+                          <a:ea typeface="宋体" panose="02010600030101010101" pitchFamily="2" charset="-122"/>
+                          <a:cs typeface="宋体" panose="02010600030101010101" pitchFamily="2" charset="-122"/>
                         </a:rPr>
                         <a:t>软件工程系列教学辅助网站</a:t>
                       </a:r>
                       <a:endParaRPr lang="zh-CN" sz="700" kern="100">
-                        <a:latin typeface="Calibri"/>
-                        <a:ea typeface="宋体"/>
-                        <a:cs typeface="Times New Roman"/>
+                        <a:latin typeface="Calibri" panose="020F0502020204030204"/>
+                        <a:ea typeface="宋体" panose="02010600030101010101" pitchFamily="2" charset="-122"/>
+                        <a:cs typeface="Times New Roman" panose="02020603050405020304"/>
                       </a:endParaRPr>
                     </a:p>
                   </a:txBody>
@@ -11013,13 +10974,6 @@
                   </a:tcPr>
                 </a:tc>
                 <a:tc hMerge="1">
-                  <a:txBody>
-                    <a:bodyPr/>
-                    <a:lstStyle/>
-                    <a:p>
-                      <a:endParaRPr lang="zh-CN" altLang="en-US"/>
-                    </a:p>
-                  </a:txBody>
                   <a:tcPr/>
                 </a:tc>
                 <a:tc>
@@ -11034,16 +10988,16 @@
                       </a:pPr>
                       <a:r>
                         <a:rPr lang="zh-CN" sz="800" b="1" kern="100">
-                          <a:latin typeface="Calibri"/>
-                          <a:ea typeface="宋体"/>
-                          <a:cs typeface="Arial"/>
+                          <a:latin typeface="Calibri" panose="020F0502020204030204"/>
+                          <a:ea typeface="宋体" panose="02010600030101010101" pitchFamily="2" charset="-122"/>
+                          <a:cs typeface="Arial" panose="020B0604020202020204"/>
                         </a:rPr>
                         <a:t>程序版本</a:t>
                       </a:r>
                       <a:endParaRPr lang="zh-CN" sz="700" kern="100">
-                        <a:latin typeface="Calibri"/>
-                        <a:ea typeface="宋体"/>
-                        <a:cs typeface="Times New Roman"/>
+                        <a:latin typeface="Calibri" panose="020F0502020204030204"/>
+                        <a:ea typeface="宋体" panose="02010600030101010101" pitchFamily="2" charset="-122"/>
+                        <a:cs typeface="Times New Roman" panose="02020603050405020304"/>
                       </a:endParaRPr>
                     </a:p>
                   </a:txBody>
@@ -11098,16 +11052,16 @@
                       </a:pPr>
                       <a:r>
                         <a:rPr lang="en-US" sz="800" kern="100">
-                          <a:latin typeface="宋体"/>
-                          <a:ea typeface="宋体"/>
-                          <a:cs typeface="Arial"/>
+                          <a:latin typeface="宋体" panose="02010600030101010101" pitchFamily="2" charset="-122"/>
+                          <a:ea typeface="宋体" panose="02010600030101010101" pitchFamily="2" charset="-122"/>
+                          <a:cs typeface="Arial" panose="020B0604020202020204"/>
                         </a:rPr>
                         <a:t>1.0.1</a:t>
                       </a:r>
                       <a:endParaRPr lang="zh-CN" sz="700" kern="100">
-                        <a:latin typeface="Calibri"/>
-                        <a:ea typeface="宋体"/>
-                        <a:cs typeface="Times New Roman"/>
+                        <a:latin typeface="Calibri" panose="020F0502020204030204"/>
+                        <a:ea typeface="宋体" panose="02010600030101010101" pitchFamily="2" charset="-122"/>
+                        <a:cs typeface="Times New Roman" panose="02020603050405020304"/>
                       </a:endParaRPr>
                     </a:p>
                   </a:txBody>
@@ -11151,13 +11105,6 @@
                   </a:tcPr>
                 </a:tc>
                 <a:tc hMerge="1">
-                  <a:txBody>
-                    <a:bodyPr/>
-                    <a:lstStyle/>
-                    <a:p>
-                      <a:endParaRPr lang="zh-CN" altLang="en-US"/>
-                    </a:p>
-                  </a:txBody>
                   <a:tcPr/>
                 </a:tc>
               </a:tr>
@@ -11174,16 +11121,16 @@
                       </a:pPr>
                       <a:r>
                         <a:rPr lang="zh-CN" sz="800" b="1" kern="100">
-                          <a:latin typeface="Calibri"/>
-                          <a:ea typeface="宋体"/>
-                          <a:cs typeface="Arial"/>
+                          <a:latin typeface="Calibri" panose="020F0502020204030204"/>
+                          <a:ea typeface="宋体" panose="02010600030101010101" pitchFamily="2" charset="-122"/>
+                          <a:cs typeface="Arial" panose="020B0604020202020204"/>
                         </a:rPr>
                         <a:t>功能模块</a:t>
                       </a:r>
                       <a:endParaRPr lang="zh-CN" sz="700" kern="100">
-                        <a:latin typeface="Calibri"/>
-                        <a:ea typeface="宋体"/>
-                        <a:cs typeface="Times New Roman"/>
+                        <a:latin typeface="Calibri" panose="020F0502020204030204"/>
+                        <a:ea typeface="宋体" panose="02010600030101010101" pitchFamily="2" charset="-122"/>
+                        <a:cs typeface="Times New Roman" panose="02020603050405020304"/>
                       </a:endParaRPr>
                     </a:p>
                   </a:txBody>
@@ -11238,16 +11185,16 @@
                       </a:pPr>
                       <a:r>
                         <a:rPr lang="zh-CN" sz="800" kern="100">
-                          <a:latin typeface="Calibri"/>
-                          <a:ea typeface="宋体"/>
-                          <a:cs typeface="Arial"/>
+                          <a:latin typeface="Calibri" panose="020F0502020204030204"/>
+                          <a:ea typeface="宋体" panose="02010600030101010101" pitchFamily="2" charset="-122"/>
+                          <a:cs typeface="Arial" panose="020B0604020202020204"/>
                         </a:rPr>
                         <a:t>教师介绍</a:t>
                       </a:r>
                       <a:endParaRPr lang="zh-CN" sz="700" kern="100">
-                        <a:latin typeface="Calibri"/>
-                        <a:ea typeface="宋体"/>
-                        <a:cs typeface="Times New Roman"/>
+                        <a:latin typeface="Calibri" panose="020F0502020204030204"/>
+                        <a:ea typeface="宋体" panose="02010600030101010101" pitchFamily="2" charset="-122"/>
+                        <a:cs typeface="Times New Roman" panose="02020603050405020304"/>
                       </a:endParaRPr>
                     </a:p>
                   </a:txBody>
@@ -11291,13 +11238,6 @@
                   </a:tcPr>
                 </a:tc>
                 <a:tc hMerge="1">
-                  <a:txBody>
-                    <a:bodyPr/>
-                    <a:lstStyle/>
-                    <a:p>
-                      <a:endParaRPr lang="zh-CN" altLang="en-US"/>
-                    </a:p>
-                  </a:txBody>
                   <a:tcPr/>
                 </a:tc>
                 <a:tc>
@@ -11312,16 +11252,16 @@
                       </a:pPr>
                       <a:r>
                         <a:rPr lang="zh-CN" sz="800" b="1" kern="100">
-                          <a:latin typeface="Calibri"/>
-                          <a:ea typeface="宋体"/>
-                          <a:cs typeface="Arial"/>
+                          <a:latin typeface="Calibri" panose="020F0502020204030204"/>
+                          <a:ea typeface="宋体" panose="02010600030101010101" pitchFamily="2" charset="-122"/>
+                          <a:cs typeface="Arial" panose="020B0604020202020204"/>
                         </a:rPr>
                         <a:t>编制人</a:t>
                       </a:r>
                       <a:endParaRPr lang="zh-CN" sz="700" kern="100">
-                        <a:latin typeface="Calibri"/>
-                        <a:ea typeface="宋体"/>
-                        <a:cs typeface="Times New Roman"/>
+                        <a:latin typeface="Calibri" panose="020F0502020204030204"/>
+                        <a:ea typeface="宋体" panose="02010600030101010101" pitchFamily="2" charset="-122"/>
+                        <a:cs typeface="Times New Roman" panose="02020603050405020304"/>
                       </a:endParaRPr>
                     </a:p>
                   </a:txBody>
@@ -11376,16 +11316,16 @@
                       </a:pPr>
                       <a:r>
                         <a:rPr lang="zh-CN" sz="800" kern="100">
-                          <a:latin typeface="Calibri"/>
-                          <a:ea typeface="宋体"/>
-                          <a:cs typeface="Arial"/>
+                          <a:latin typeface="Calibri" panose="020F0502020204030204"/>
+                          <a:ea typeface="宋体" panose="02010600030101010101" pitchFamily="2" charset="-122"/>
+                          <a:cs typeface="Arial" panose="020B0604020202020204"/>
                         </a:rPr>
                         <a:t>金志超</a:t>
                       </a:r>
                       <a:endParaRPr lang="zh-CN" sz="700" kern="100">
-                        <a:latin typeface="Calibri"/>
-                        <a:ea typeface="宋体"/>
-                        <a:cs typeface="Times New Roman"/>
+                        <a:latin typeface="Calibri" panose="020F0502020204030204"/>
+                        <a:ea typeface="宋体" panose="02010600030101010101" pitchFamily="2" charset="-122"/>
+                        <a:cs typeface="Times New Roman" panose="02020603050405020304"/>
                       </a:endParaRPr>
                     </a:p>
                   </a:txBody>
@@ -11429,13 +11369,6 @@
                   </a:tcPr>
                 </a:tc>
                 <a:tc hMerge="1">
-                  <a:txBody>
-                    <a:bodyPr/>
-                    <a:lstStyle/>
-                    <a:p>
-                      <a:endParaRPr lang="zh-CN" altLang="en-US"/>
-                    </a:p>
-                  </a:txBody>
                   <a:tcPr/>
                 </a:tc>
               </a:tr>
@@ -11452,16 +11385,16 @@
                       </a:pPr>
                       <a:r>
                         <a:rPr lang="zh-CN" sz="800" b="1" kern="100">
-                          <a:latin typeface="Calibri"/>
-                          <a:ea typeface="宋体"/>
-                          <a:cs typeface="Arial"/>
+                          <a:latin typeface="Calibri" panose="020F0502020204030204"/>
+                          <a:ea typeface="宋体" panose="02010600030101010101" pitchFamily="2" charset="-122"/>
+                          <a:cs typeface="Arial" panose="020B0604020202020204"/>
                         </a:rPr>
                         <a:t>用例编号</a:t>
                       </a:r>
                       <a:endParaRPr lang="zh-CN" sz="700" kern="100">
-                        <a:latin typeface="Calibri"/>
-                        <a:ea typeface="宋体"/>
-                        <a:cs typeface="Times New Roman"/>
+                        <a:latin typeface="Calibri" panose="020F0502020204030204"/>
+                        <a:ea typeface="宋体" panose="02010600030101010101" pitchFamily="2" charset="-122"/>
+                        <a:cs typeface="Times New Roman" panose="02020603050405020304"/>
                       </a:endParaRPr>
                     </a:p>
                   </a:txBody>
@@ -11516,16 +11449,16 @@
                       </a:pPr>
                       <a:r>
                         <a:rPr lang="en-US" sz="700" kern="100">
-                          <a:latin typeface="宋体"/>
-                          <a:ea typeface="宋体"/>
-                          <a:cs typeface="宋体"/>
+                          <a:latin typeface="宋体" panose="02010600030101010101" pitchFamily="2" charset="-122"/>
+                          <a:ea typeface="宋体" panose="02010600030101010101" pitchFamily="2" charset="-122"/>
+                          <a:cs typeface="宋体" panose="02010600030101010101" pitchFamily="2" charset="-122"/>
                         </a:rPr>
                         <a:t>UC-AD-25</a:t>
                       </a:r>
                       <a:endParaRPr lang="zh-CN" sz="700" kern="100">
-                        <a:latin typeface="Calibri"/>
-                        <a:ea typeface="宋体"/>
-                        <a:cs typeface="Times New Roman"/>
+                        <a:latin typeface="Calibri" panose="020F0502020204030204"/>
+                        <a:ea typeface="宋体" panose="02010600030101010101" pitchFamily="2" charset="-122"/>
+                        <a:cs typeface="Times New Roman" panose="02020603050405020304"/>
                       </a:endParaRPr>
                     </a:p>
                   </a:txBody>
@@ -11569,13 +11502,6 @@
                   </a:tcPr>
                 </a:tc>
                 <a:tc hMerge="1">
-                  <a:txBody>
-                    <a:bodyPr/>
-                    <a:lstStyle/>
-                    <a:p>
-                      <a:endParaRPr lang="zh-CN" altLang="en-US"/>
-                    </a:p>
-                  </a:txBody>
                   <a:tcPr/>
                 </a:tc>
                 <a:tc>
@@ -11590,16 +11516,16 @@
                       </a:pPr>
                       <a:r>
                         <a:rPr lang="zh-CN" sz="800" b="1" kern="100">
-                          <a:latin typeface="Calibri"/>
-                          <a:ea typeface="宋体"/>
-                          <a:cs typeface="Arial"/>
+                          <a:latin typeface="Calibri" panose="020F0502020204030204"/>
+                          <a:ea typeface="宋体" panose="02010600030101010101" pitchFamily="2" charset="-122"/>
+                          <a:cs typeface="Arial" panose="020B0604020202020204"/>
                         </a:rPr>
                         <a:t>编制时间</a:t>
                       </a:r>
                       <a:endParaRPr lang="zh-CN" sz="700" kern="100">
-                        <a:latin typeface="Calibri"/>
-                        <a:ea typeface="宋体"/>
-                        <a:cs typeface="Times New Roman"/>
+                        <a:latin typeface="Calibri" panose="020F0502020204030204"/>
+                        <a:ea typeface="宋体" panose="02010600030101010101" pitchFamily="2" charset="-122"/>
+                        <a:cs typeface="Times New Roman" panose="02020603050405020304"/>
                       </a:endParaRPr>
                     </a:p>
                   </a:txBody>
@@ -11654,16 +11580,16 @@
                       </a:pPr>
                       <a:r>
                         <a:rPr lang="en-US" sz="800" kern="100">
-                          <a:latin typeface="宋体"/>
-                          <a:ea typeface="宋体"/>
-                          <a:cs typeface="Arial"/>
+                          <a:latin typeface="宋体" panose="02010600030101010101" pitchFamily="2" charset="-122"/>
+                          <a:ea typeface="宋体" panose="02010600030101010101" pitchFamily="2" charset="-122"/>
+                          <a:cs typeface="Arial" panose="020B0604020202020204"/>
                         </a:rPr>
                         <a:t>2018-1-6</a:t>
                       </a:r>
                       <a:endParaRPr lang="zh-CN" sz="700" kern="100">
-                        <a:latin typeface="Calibri"/>
-                        <a:ea typeface="宋体"/>
-                        <a:cs typeface="Times New Roman"/>
+                        <a:latin typeface="Calibri" panose="020F0502020204030204"/>
+                        <a:ea typeface="宋体" panose="02010600030101010101" pitchFamily="2" charset="-122"/>
+                        <a:cs typeface="Times New Roman" panose="02020603050405020304"/>
                       </a:endParaRPr>
                     </a:p>
                   </a:txBody>
@@ -11707,13 +11633,6 @@
                   </a:tcPr>
                 </a:tc>
                 <a:tc hMerge="1">
-                  <a:txBody>
-                    <a:bodyPr/>
-                    <a:lstStyle/>
-                    <a:p>
-                      <a:endParaRPr lang="zh-CN" altLang="en-US"/>
-                    </a:p>
-                  </a:txBody>
                   <a:tcPr/>
                 </a:tc>
               </a:tr>
@@ -11730,16 +11649,16 @@
                       </a:pPr>
                       <a:r>
                         <a:rPr lang="zh-CN" sz="800" b="1" kern="100">
-                          <a:latin typeface="Calibri"/>
-                          <a:ea typeface="宋体"/>
-                          <a:cs typeface="Arial"/>
+                          <a:latin typeface="Calibri" panose="020F0502020204030204"/>
+                          <a:ea typeface="宋体" panose="02010600030101010101" pitchFamily="2" charset="-122"/>
+                          <a:cs typeface="Arial" panose="020B0604020202020204"/>
                         </a:rPr>
                         <a:t>相关用例</a:t>
                       </a:r>
                       <a:endParaRPr lang="zh-CN" sz="700" kern="100">
-                        <a:latin typeface="Calibri"/>
-                        <a:ea typeface="宋体"/>
-                        <a:cs typeface="Times New Roman"/>
+                        <a:latin typeface="Calibri" panose="020F0502020204030204"/>
+                        <a:ea typeface="宋体" panose="02010600030101010101" pitchFamily="2" charset="-122"/>
+                        <a:cs typeface="Times New Roman" panose="02020603050405020304"/>
                       </a:endParaRPr>
                     </a:p>
                   </a:txBody>
@@ -11794,16 +11713,16 @@
                       </a:pPr>
                       <a:r>
                         <a:rPr lang="zh-CN" sz="800" kern="100">
-                          <a:latin typeface="Calibri"/>
-                          <a:ea typeface="宋体"/>
-                          <a:cs typeface="Arial"/>
+                          <a:latin typeface="Calibri" panose="020F0502020204030204"/>
+                          <a:ea typeface="宋体" panose="02010600030101010101" pitchFamily="2" charset="-122"/>
+                          <a:cs typeface="Arial" panose="020B0604020202020204"/>
                         </a:rPr>
                         <a:t>无</a:t>
                       </a:r>
                       <a:endParaRPr lang="zh-CN" sz="700" kern="100">
-                        <a:latin typeface="Calibri"/>
-                        <a:ea typeface="宋体"/>
-                        <a:cs typeface="Times New Roman"/>
+                        <a:latin typeface="Calibri" panose="020F0502020204030204"/>
+                        <a:ea typeface="宋体" panose="02010600030101010101" pitchFamily="2" charset="-122"/>
+                        <a:cs typeface="Times New Roman" panose="02020603050405020304"/>
                       </a:endParaRPr>
                     </a:p>
                   </a:txBody>
@@ -11847,43 +11766,15 @@
                   </a:tcPr>
                 </a:tc>
                 <a:tc hMerge="1">
-                  <a:txBody>
-                    <a:bodyPr/>
-                    <a:lstStyle/>
-                    <a:p>
-                      <a:endParaRPr lang="zh-CN" altLang="en-US"/>
-                    </a:p>
-                  </a:txBody>
                   <a:tcPr/>
                 </a:tc>
                 <a:tc hMerge="1">
-                  <a:txBody>
-                    <a:bodyPr/>
-                    <a:lstStyle/>
-                    <a:p>
-                      <a:endParaRPr lang="zh-CN" altLang="en-US"/>
-                    </a:p>
-                  </a:txBody>
                   <a:tcPr/>
                 </a:tc>
                 <a:tc hMerge="1">
-                  <a:txBody>
-                    <a:bodyPr/>
-                    <a:lstStyle/>
-                    <a:p>
-                      <a:endParaRPr lang="zh-CN" altLang="en-US"/>
-                    </a:p>
-                  </a:txBody>
                   <a:tcPr/>
                 </a:tc>
                 <a:tc hMerge="1">
-                  <a:txBody>
-                    <a:bodyPr/>
-                    <a:lstStyle/>
-                    <a:p>
-                      <a:endParaRPr lang="zh-CN" altLang="en-US"/>
-                    </a:p>
-                  </a:txBody>
                   <a:tcPr/>
                 </a:tc>
               </a:tr>
@@ -11900,16 +11791,16 @@
                       </a:pPr>
                       <a:r>
                         <a:rPr lang="zh-CN" sz="800" b="1" kern="100">
-                          <a:latin typeface="Calibri"/>
-                          <a:ea typeface="宋体"/>
-                          <a:cs typeface="Arial"/>
+                          <a:latin typeface="Calibri" panose="020F0502020204030204"/>
+                          <a:ea typeface="宋体" panose="02010600030101010101" pitchFamily="2" charset="-122"/>
+                          <a:cs typeface="Arial" panose="020B0604020202020204"/>
                         </a:rPr>
                         <a:t>功能特性</a:t>
                       </a:r>
                       <a:endParaRPr lang="zh-CN" sz="700" kern="100">
-                        <a:latin typeface="Calibri"/>
-                        <a:ea typeface="宋体"/>
-                        <a:cs typeface="Times New Roman"/>
+                        <a:latin typeface="Calibri" panose="020F0502020204030204"/>
+                        <a:ea typeface="宋体" panose="02010600030101010101" pitchFamily="2" charset="-122"/>
+                        <a:cs typeface="Times New Roman" panose="02020603050405020304"/>
                       </a:endParaRPr>
                     </a:p>
                   </a:txBody>
@@ -11964,16 +11855,16 @@
                       </a:pPr>
                       <a:r>
                         <a:rPr lang="zh-CN" sz="800" kern="100">
-                          <a:latin typeface="Calibri"/>
-                          <a:ea typeface="宋体"/>
-                          <a:cs typeface="Arial"/>
+                          <a:latin typeface="Calibri" panose="020F0502020204030204"/>
+                          <a:ea typeface="宋体" panose="02010600030101010101" pitchFamily="2" charset="-122"/>
+                          <a:cs typeface="Arial" panose="020B0604020202020204"/>
                         </a:rPr>
                         <a:t>在课程的主页，点击编辑，进入个人中心，修改教师的介绍</a:t>
                       </a:r>
                       <a:endParaRPr lang="zh-CN" sz="700" kern="100">
-                        <a:latin typeface="Calibri"/>
-                        <a:ea typeface="宋体"/>
-                        <a:cs typeface="Times New Roman"/>
+                        <a:latin typeface="Calibri" panose="020F0502020204030204"/>
+                        <a:ea typeface="宋体" panose="02010600030101010101" pitchFamily="2" charset="-122"/>
+                        <a:cs typeface="Times New Roman" panose="02020603050405020304"/>
                       </a:endParaRPr>
                     </a:p>
                   </a:txBody>
@@ -12017,43 +11908,15 @@
                   </a:tcPr>
                 </a:tc>
                 <a:tc hMerge="1">
-                  <a:txBody>
-                    <a:bodyPr/>
-                    <a:lstStyle/>
-                    <a:p>
-                      <a:endParaRPr lang="zh-CN" altLang="en-US"/>
-                    </a:p>
-                  </a:txBody>
                   <a:tcPr/>
                 </a:tc>
                 <a:tc hMerge="1">
-                  <a:txBody>
-                    <a:bodyPr/>
-                    <a:lstStyle/>
-                    <a:p>
-                      <a:endParaRPr lang="zh-CN" altLang="en-US"/>
-                    </a:p>
-                  </a:txBody>
                   <a:tcPr/>
                 </a:tc>
                 <a:tc hMerge="1">
-                  <a:txBody>
-                    <a:bodyPr/>
-                    <a:lstStyle/>
-                    <a:p>
-                      <a:endParaRPr lang="zh-CN" altLang="en-US"/>
-                    </a:p>
-                  </a:txBody>
                   <a:tcPr/>
                 </a:tc>
                 <a:tc hMerge="1">
-                  <a:txBody>
-                    <a:bodyPr/>
-                    <a:lstStyle/>
-                    <a:p>
-                      <a:endParaRPr lang="zh-CN" altLang="en-US"/>
-                    </a:p>
-                  </a:txBody>
                   <a:tcPr/>
                 </a:tc>
               </a:tr>
@@ -12070,16 +11933,16 @@
                       </a:pPr>
                       <a:r>
                         <a:rPr lang="zh-CN" sz="800" b="1" kern="100">
-                          <a:latin typeface="Calibri"/>
-                          <a:ea typeface="宋体"/>
-                          <a:cs typeface="Arial"/>
+                          <a:latin typeface="Calibri" panose="020F0502020204030204"/>
+                          <a:ea typeface="宋体" panose="02010600030101010101" pitchFamily="2" charset="-122"/>
+                          <a:cs typeface="Arial" panose="020B0604020202020204"/>
                         </a:rPr>
                         <a:t>测试目的</a:t>
                       </a:r>
                       <a:endParaRPr lang="zh-CN" sz="700" kern="100">
-                        <a:latin typeface="Calibri"/>
-                        <a:ea typeface="宋体"/>
-                        <a:cs typeface="Times New Roman"/>
+                        <a:latin typeface="Calibri" panose="020F0502020204030204"/>
+                        <a:ea typeface="宋体" panose="02010600030101010101" pitchFamily="2" charset="-122"/>
+                        <a:cs typeface="Times New Roman" panose="02020603050405020304"/>
                       </a:endParaRPr>
                     </a:p>
                   </a:txBody>
@@ -12134,16 +11997,16 @@
                       </a:pPr>
                       <a:r>
                         <a:rPr lang="zh-CN" sz="800" kern="100">
-                          <a:latin typeface="Calibri"/>
-                          <a:ea typeface="宋体"/>
-                          <a:cs typeface="Arial"/>
+                          <a:latin typeface="Calibri" panose="020F0502020204030204"/>
+                          <a:ea typeface="宋体" panose="02010600030101010101" pitchFamily="2" charset="-122"/>
+                          <a:cs typeface="Arial" panose="020B0604020202020204"/>
                         </a:rPr>
                         <a:t>输入内容是否合法</a:t>
                       </a:r>
                       <a:endParaRPr lang="zh-CN" sz="700" kern="100">
-                        <a:latin typeface="Calibri"/>
-                        <a:ea typeface="宋体"/>
-                        <a:cs typeface="Times New Roman"/>
+                        <a:latin typeface="Calibri" panose="020F0502020204030204"/>
+                        <a:ea typeface="宋体" panose="02010600030101010101" pitchFamily="2" charset="-122"/>
+                        <a:cs typeface="Times New Roman" panose="02020603050405020304"/>
                       </a:endParaRPr>
                     </a:p>
                   </a:txBody>
@@ -12187,43 +12050,15 @@
                   </a:tcPr>
                 </a:tc>
                 <a:tc hMerge="1">
-                  <a:txBody>
-                    <a:bodyPr/>
-                    <a:lstStyle/>
-                    <a:p>
-                      <a:endParaRPr lang="zh-CN" altLang="en-US"/>
-                    </a:p>
-                  </a:txBody>
                   <a:tcPr/>
                 </a:tc>
                 <a:tc hMerge="1">
-                  <a:txBody>
-                    <a:bodyPr/>
-                    <a:lstStyle/>
-                    <a:p>
-                      <a:endParaRPr lang="zh-CN" altLang="en-US"/>
-                    </a:p>
-                  </a:txBody>
                   <a:tcPr/>
                 </a:tc>
                 <a:tc hMerge="1">
-                  <a:txBody>
-                    <a:bodyPr/>
-                    <a:lstStyle/>
-                    <a:p>
-                      <a:endParaRPr lang="zh-CN" altLang="en-US"/>
-                    </a:p>
-                  </a:txBody>
                   <a:tcPr/>
                 </a:tc>
                 <a:tc hMerge="1">
-                  <a:txBody>
-                    <a:bodyPr/>
-                    <a:lstStyle/>
-                    <a:p>
-                      <a:endParaRPr lang="zh-CN" altLang="en-US"/>
-                    </a:p>
-                  </a:txBody>
                   <a:tcPr/>
                 </a:tc>
               </a:tr>
@@ -12240,16 +12075,16 @@
                       </a:pPr>
                       <a:r>
                         <a:rPr lang="zh-CN" sz="800" b="1" kern="100">
-                          <a:latin typeface="Calibri"/>
-                          <a:ea typeface="宋体"/>
-                          <a:cs typeface="Arial"/>
+                          <a:latin typeface="Calibri" panose="020F0502020204030204"/>
+                          <a:ea typeface="宋体" panose="02010600030101010101" pitchFamily="2" charset="-122"/>
+                          <a:cs typeface="Arial" panose="020B0604020202020204"/>
                         </a:rPr>
                         <a:t>预置条件</a:t>
                       </a:r>
                       <a:endParaRPr lang="zh-CN" sz="700" kern="100">
-                        <a:latin typeface="Calibri"/>
-                        <a:ea typeface="宋体"/>
-                        <a:cs typeface="Times New Roman"/>
+                        <a:latin typeface="Calibri" panose="020F0502020204030204"/>
+                        <a:ea typeface="宋体" panose="02010600030101010101" pitchFamily="2" charset="-122"/>
+                        <a:cs typeface="Times New Roman" panose="02020603050405020304"/>
                       </a:endParaRPr>
                     </a:p>
                   </a:txBody>
@@ -12304,16 +12139,16 @@
                       </a:pPr>
                       <a:r>
                         <a:rPr lang="zh-CN" sz="800" kern="100">
-                          <a:latin typeface="Calibri"/>
-                          <a:ea typeface="宋体"/>
-                          <a:cs typeface="Arial"/>
+                          <a:latin typeface="Calibri" panose="020F0502020204030204"/>
+                          <a:ea typeface="宋体" panose="02010600030101010101" pitchFamily="2" charset="-122"/>
+                          <a:cs typeface="Arial" panose="020B0604020202020204"/>
                         </a:rPr>
                         <a:t>无</a:t>
                       </a:r>
                       <a:endParaRPr lang="zh-CN" sz="700" kern="100">
-                        <a:latin typeface="Calibri"/>
-                        <a:ea typeface="宋体"/>
-                        <a:cs typeface="Times New Roman"/>
+                        <a:latin typeface="Calibri" panose="020F0502020204030204"/>
+                        <a:ea typeface="宋体" panose="02010600030101010101" pitchFamily="2" charset="-122"/>
+                        <a:cs typeface="Times New Roman" panose="02020603050405020304"/>
                       </a:endParaRPr>
                     </a:p>
                   </a:txBody>
@@ -12357,13 +12192,6 @@
                   </a:tcPr>
                 </a:tc>
                 <a:tc hMerge="1">
-                  <a:txBody>
-                    <a:bodyPr/>
-                    <a:lstStyle/>
-                    <a:p>
-                      <a:endParaRPr lang="zh-CN" altLang="en-US"/>
-                    </a:p>
-                  </a:txBody>
                   <a:tcPr/>
                 </a:tc>
                 <a:tc>
@@ -12378,16 +12206,16 @@
                       </a:pPr>
                       <a:r>
                         <a:rPr lang="zh-CN" sz="800" b="1" kern="100">
-                          <a:latin typeface="Calibri"/>
-                          <a:ea typeface="宋体"/>
-                          <a:cs typeface="Arial"/>
+                          <a:latin typeface="Calibri" panose="020F0502020204030204"/>
+                          <a:ea typeface="宋体" panose="02010600030101010101" pitchFamily="2" charset="-122"/>
+                          <a:cs typeface="Arial" panose="020B0604020202020204"/>
                         </a:rPr>
                         <a:t>特殊规程说明</a:t>
                       </a:r>
                       <a:endParaRPr lang="zh-CN" sz="700" kern="100">
-                        <a:latin typeface="Calibri"/>
-                        <a:ea typeface="宋体"/>
-                        <a:cs typeface="Times New Roman"/>
+                        <a:latin typeface="Calibri" panose="020F0502020204030204"/>
+                        <a:ea typeface="宋体" panose="02010600030101010101" pitchFamily="2" charset="-122"/>
+                        <a:cs typeface="Times New Roman" panose="02020603050405020304"/>
                       </a:endParaRPr>
                     </a:p>
                   </a:txBody>
@@ -12442,16 +12270,16 @@
                       </a:pPr>
                       <a:r>
                         <a:rPr lang="zh-CN" sz="800" kern="100">
-                          <a:latin typeface="Calibri"/>
-                          <a:ea typeface="宋体"/>
-                          <a:cs typeface="Arial"/>
+                          <a:latin typeface="Calibri" panose="020F0502020204030204"/>
+                          <a:ea typeface="宋体" panose="02010600030101010101" pitchFamily="2" charset="-122"/>
+                          <a:cs typeface="Arial" panose="020B0604020202020204"/>
                         </a:rPr>
                         <a:t>无</a:t>
                       </a:r>
                       <a:endParaRPr lang="zh-CN" sz="700" kern="100">
-                        <a:latin typeface="Calibri"/>
-                        <a:ea typeface="宋体"/>
-                        <a:cs typeface="Times New Roman"/>
+                        <a:latin typeface="Calibri" panose="020F0502020204030204"/>
+                        <a:ea typeface="宋体" panose="02010600030101010101" pitchFamily="2" charset="-122"/>
+                        <a:cs typeface="Times New Roman" panose="02020603050405020304"/>
                       </a:endParaRPr>
                     </a:p>
                   </a:txBody>
@@ -12495,13 +12323,6 @@
                   </a:tcPr>
                 </a:tc>
                 <a:tc hMerge="1">
-                  <a:txBody>
-                    <a:bodyPr/>
-                    <a:lstStyle/>
-                    <a:p>
-                      <a:endParaRPr lang="zh-CN" altLang="en-US"/>
-                    </a:p>
-                  </a:txBody>
                   <a:tcPr/>
                 </a:tc>
               </a:tr>
@@ -12518,16 +12339,16 @@
                       </a:pPr>
                       <a:r>
                         <a:rPr lang="zh-CN" sz="800" b="1" kern="100">
-                          <a:latin typeface="Calibri"/>
-                          <a:ea typeface="宋体"/>
-                          <a:cs typeface="Arial"/>
+                          <a:latin typeface="Calibri" panose="020F0502020204030204"/>
+                          <a:ea typeface="宋体" panose="02010600030101010101" pitchFamily="2" charset="-122"/>
+                          <a:cs typeface="Arial" panose="020B0604020202020204"/>
                         </a:rPr>
                         <a:t>参考信息</a:t>
                       </a:r>
                       <a:endParaRPr lang="zh-CN" sz="700" kern="100">
-                        <a:latin typeface="Calibri"/>
-                        <a:ea typeface="宋体"/>
-                        <a:cs typeface="Times New Roman"/>
+                        <a:latin typeface="Calibri" panose="020F0502020204030204"/>
+                        <a:ea typeface="宋体" panose="02010600030101010101" pitchFamily="2" charset="-122"/>
+                        <a:cs typeface="Times New Roman" panose="02020603050405020304"/>
                       </a:endParaRPr>
                     </a:p>
                   </a:txBody>
@@ -12582,16 +12403,16 @@
                       </a:pPr>
                       <a:r>
                         <a:rPr lang="zh-CN" sz="800" kern="100">
-                          <a:latin typeface="Calibri"/>
-                          <a:ea typeface="宋体"/>
-                          <a:cs typeface="Arial"/>
+                          <a:latin typeface="Calibri" panose="020F0502020204030204"/>
+                          <a:ea typeface="宋体" panose="02010600030101010101" pitchFamily="2" charset="-122"/>
+                          <a:cs typeface="Arial" panose="020B0604020202020204"/>
                         </a:rPr>
                         <a:t>需求中关于“修改教师介绍”的说明</a:t>
                       </a:r>
                       <a:endParaRPr lang="zh-CN" sz="700" kern="100">
-                        <a:latin typeface="Calibri"/>
-                        <a:ea typeface="宋体"/>
-                        <a:cs typeface="Times New Roman"/>
+                        <a:latin typeface="Calibri" panose="020F0502020204030204"/>
+                        <a:ea typeface="宋体" panose="02010600030101010101" pitchFamily="2" charset="-122"/>
+                        <a:cs typeface="Times New Roman" panose="02020603050405020304"/>
                       </a:endParaRPr>
                     </a:p>
                   </a:txBody>
@@ -12635,43 +12456,15 @@
                   </a:tcPr>
                 </a:tc>
                 <a:tc hMerge="1">
-                  <a:txBody>
-                    <a:bodyPr/>
-                    <a:lstStyle/>
-                    <a:p>
-                      <a:endParaRPr lang="zh-CN" altLang="en-US"/>
-                    </a:p>
-                  </a:txBody>
                   <a:tcPr/>
                 </a:tc>
                 <a:tc hMerge="1">
-                  <a:txBody>
-                    <a:bodyPr/>
-                    <a:lstStyle/>
-                    <a:p>
-                      <a:endParaRPr lang="zh-CN" altLang="en-US"/>
-                    </a:p>
-                  </a:txBody>
                   <a:tcPr/>
                 </a:tc>
                 <a:tc hMerge="1">
-                  <a:txBody>
-                    <a:bodyPr/>
-                    <a:lstStyle/>
-                    <a:p>
-                      <a:endParaRPr lang="zh-CN" altLang="en-US"/>
-                    </a:p>
-                  </a:txBody>
                   <a:tcPr/>
                 </a:tc>
                 <a:tc hMerge="1">
-                  <a:txBody>
-                    <a:bodyPr/>
-                    <a:lstStyle/>
-                    <a:p>
-                      <a:endParaRPr lang="zh-CN" altLang="en-US"/>
-                    </a:p>
-                  </a:txBody>
                   <a:tcPr/>
                 </a:tc>
               </a:tr>
@@ -12688,16 +12481,16 @@
                       </a:pPr>
                       <a:r>
                         <a:rPr lang="zh-CN" sz="800" b="1" kern="100">
-                          <a:latin typeface="Calibri"/>
-                          <a:ea typeface="宋体"/>
-                          <a:cs typeface="Arial"/>
+                          <a:latin typeface="Calibri" panose="020F0502020204030204"/>
+                          <a:ea typeface="宋体" panose="02010600030101010101" pitchFamily="2" charset="-122"/>
+                          <a:cs typeface="Arial" panose="020B0604020202020204"/>
                         </a:rPr>
                         <a:t>测试数据</a:t>
                       </a:r>
                       <a:endParaRPr lang="zh-CN" sz="700" kern="100">
-                        <a:latin typeface="Calibri"/>
-                        <a:ea typeface="宋体"/>
-                        <a:cs typeface="Times New Roman"/>
+                        <a:latin typeface="Calibri" panose="020F0502020204030204"/>
+                        <a:ea typeface="宋体" panose="02010600030101010101" pitchFamily="2" charset="-122"/>
+                        <a:cs typeface="Times New Roman" panose="02020603050405020304"/>
                       </a:endParaRPr>
                     </a:p>
                   </a:txBody>
@@ -12752,16 +12545,16 @@
                       </a:pPr>
                       <a:r>
                         <a:rPr lang="zh-CN" sz="800" kern="100">
-                          <a:latin typeface="Calibri"/>
-                          <a:ea typeface="宋体"/>
-                          <a:cs typeface="Arial"/>
+                          <a:latin typeface="Calibri" panose="020F0502020204030204"/>
+                          <a:ea typeface="宋体" panose="02010600030101010101" pitchFamily="2" charset="-122"/>
+                          <a:cs typeface="Arial" panose="020B0604020202020204"/>
                         </a:rPr>
                         <a:t>无</a:t>
                       </a:r>
                       <a:endParaRPr lang="zh-CN" sz="700" kern="100">
-                        <a:latin typeface="Calibri"/>
-                        <a:ea typeface="宋体"/>
-                        <a:cs typeface="Times New Roman"/>
+                        <a:latin typeface="Calibri" panose="020F0502020204030204"/>
+                        <a:ea typeface="宋体" panose="02010600030101010101" pitchFamily="2" charset="-122"/>
+                        <a:cs typeface="Times New Roman" panose="02020603050405020304"/>
                       </a:endParaRPr>
                     </a:p>
                   </a:txBody>
@@ -12805,47 +12598,19 @@
                   </a:tcPr>
                 </a:tc>
                 <a:tc hMerge="1">
-                  <a:txBody>
-                    <a:bodyPr/>
-                    <a:lstStyle/>
-                    <a:p>
-                      <a:endParaRPr lang="zh-CN" altLang="en-US"/>
-                    </a:p>
-                  </a:txBody>
                   <a:tcPr/>
                 </a:tc>
                 <a:tc hMerge="1">
-                  <a:txBody>
-                    <a:bodyPr/>
-                    <a:lstStyle/>
-                    <a:p>
-                      <a:endParaRPr lang="zh-CN" altLang="en-US"/>
-                    </a:p>
-                  </a:txBody>
                   <a:tcPr/>
                 </a:tc>
                 <a:tc hMerge="1">
-                  <a:txBody>
-                    <a:bodyPr/>
-                    <a:lstStyle/>
-                    <a:p>
-                      <a:endParaRPr lang="zh-CN" altLang="en-US"/>
-                    </a:p>
-                  </a:txBody>
                   <a:tcPr/>
                 </a:tc>
                 <a:tc hMerge="1">
-                  <a:txBody>
-                    <a:bodyPr/>
-                    <a:lstStyle/>
-                    <a:p>
-                      <a:endParaRPr lang="zh-CN" altLang="en-US"/>
-                    </a:p>
-                  </a:txBody>
                   <a:tcPr/>
                 </a:tc>
               </a:tr>
-              <a:tr h="110961">
+              <a:tr h="0">
                 <a:tc gridSpan="6">
                   <a:txBody>
                     <a:bodyPr/>
@@ -12857,9 +12622,9 @@
                         </a:spcAft>
                       </a:pPr>
                       <a:endParaRPr lang="zh-CN" sz="700" kern="100">
-                        <a:latin typeface="Calibri"/>
-                        <a:ea typeface="宋体"/>
-                        <a:cs typeface="Times New Roman"/>
+                        <a:latin typeface="Calibri" panose="020F0502020204030204"/>
+                        <a:ea typeface="宋体" panose="02010600030101010101" pitchFamily="2" charset="-122"/>
+                        <a:cs typeface="Times New Roman" panose="02020603050405020304"/>
                       </a:endParaRPr>
                     </a:p>
                   </a:txBody>
@@ -12903,53 +12668,18 @@
                   </a:tcPr>
                 </a:tc>
                 <a:tc hMerge="1">
-                  <a:txBody>
-                    <a:bodyPr/>
-                    <a:lstStyle/>
-                    <a:p>
-                      <a:endParaRPr lang="zh-CN" altLang="en-US"/>
-                    </a:p>
-                  </a:txBody>
                   <a:tcPr/>
                 </a:tc>
                 <a:tc hMerge="1">
-                  <a:txBody>
-                    <a:bodyPr/>
-                    <a:lstStyle/>
-                    <a:p>
-                      <a:endParaRPr lang="zh-CN" altLang="en-US"/>
-                    </a:p>
-                  </a:txBody>
                   <a:tcPr/>
                 </a:tc>
                 <a:tc hMerge="1">
-                  <a:txBody>
-                    <a:bodyPr/>
-                    <a:lstStyle/>
-                    <a:p>
-                      <a:endParaRPr lang="zh-CN" altLang="en-US"/>
-                    </a:p>
-                  </a:txBody>
                   <a:tcPr/>
                 </a:tc>
                 <a:tc hMerge="1">
-                  <a:txBody>
-                    <a:bodyPr/>
-                    <a:lstStyle/>
-                    <a:p>
-                      <a:endParaRPr lang="zh-CN" altLang="en-US"/>
-                    </a:p>
-                  </a:txBody>
                   <a:tcPr/>
                 </a:tc>
                 <a:tc hMerge="1">
-                  <a:txBody>
-                    <a:bodyPr/>
-                    <a:lstStyle/>
-                    <a:p>
-                      <a:endParaRPr lang="zh-CN" altLang="en-US"/>
-                    </a:p>
-                  </a:txBody>
                   <a:tcPr/>
                 </a:tc>
               </a:tr>
@@ -12966,16 +12696,16 @@
                       </a:pPr>
                       <a:r>
                         <a:rPr lang="zh-CN" sz="800" b="1" kern="100">
-                          <a:latin typeface="Calibri"/>
-                          <a:ea typeface="宋体"/>
-                          <a:cs typeface="Arial"/>
+                          <a:latin typeface="Calibri" panose="020F0502020204030204"/>
+                          <a:ea typeface="宋体" panose="02010600030101010101" pitchFamily="2" charset="-122"/>
+                          <a:cs typeface="Arial" panose="020B0604020202020204"/>
                         </a:rPr>
                         <a:t>操作步骤</a:t>
                       </a:r>
                       <a:endParaRPr lang="zh-CN" sz="700" kern="100">
-                        <a:latin typeface="Calibri"/>
-                        <a:ea typeface="宋体"/>
-                        <a:cs typeface="Times New Roman"/>
+                        <a:latin typeface="Calibri" panose="020F0502020204030204"/>
+                        <a:ea typeface="宋体" panose="02010600030101010101" pitchFamily="2" charset="-122"/>
+                        <a:cs typeface="Times New Roman" panose="02020603050405020304"/>
                       </a:endParaRPr>
                     </a:p>
                   </a:txBody>
@@ -13030,16 +12760,16 @@
                       </a:pPr>
                       <a:r>
                         <a:rPr lang="zh-CN" sz="800" b="1" kern="100">
-                          <a:latin typeface="Calibri"/>
-                          <a:ea typeface="宋体"/>
-                          <a:cs typeface="Arial"/>
+                          <a:latin typeface="Calibri" panose="020F0502020204030204"/>
+                          <a:ea typeface="宋体" panose="02010600030101010101" pitchFamily="2" charset="-122"/>
+                          <a:cs typeface="Arial" panose="020B0604020202020204"/>
                         </a:rPr>
                         <a:t>操作描述</a:t>
                       </a:r>
                       <a:endParaRPr lang="zh-CN" sz="700" kern="100">
-                        <a:latin typeface="Calibri"/>
-                        <a:ea typeface="宋体"/>
-                        <a:cs typeface="Times New Roman"/>
+                        <a:latin typeface="Calibri" panose="020F0502020204030204"/>
+                        <a:ea typeface="宋体" panose="02010600030101010101" pitchFamily="2" charset="-122"/>
+                        <a:cs typeface="Times New Roman" panose="02020603050405020304"/>
                       </a:endParaRPr>
                     </a:p>
                   </a:txBody>
@@ -13094,16 +12824,16 @@
                       </a:pPr>
                       <a:r>
                         <a:rPr lang="zh-CN" sz="800" b="1" kern="100">
-                          <a:latin typeface="Calibri"/>
-                          <a:ea typeface="宋体"/>
-                          <a:cs typeface="Arial"/>
+                          <a:latin typeface="Calibri" panose="020F0502020204030204"/>
+                          <a:ea typeface="宋体" panose="02010600030101010101" pitchFamily="2" charset="-122"/>
+                          <a:cs typeface="Arial" panose="020B0604020202020204"/>
                         </a:rPr>
                         <a:t>数据</a:t>
                       </a:r>
                       <a:endParaRPr lang="zh-CN" sz="700" kern="100">
-                        <a:latin typeface="Calibri"/>
-                        <a:ea typeface="宋体"/>
-                        <a:cs typeface="Times New Roman"/>
+                        <a:latin typeface="Calibri" panose="020F0502020204030204"/>
+                        <a:ea typeface="宋体" panose="02010600030101010101" pitchFamily="2" charset="-122"/>
+                        <a:cs typeface="Times New Roman" panose="02020603050405020304"/>
                       </a:endParaRPr>
                     </a:p>
                   </a:txBody>
@@ -13158,16 +12888,16 @@
                       </a:pPr>
                       <a:r>
                         <a:rPr lang="zh-CN" sz="800" b="1" kern="100">
-                          <a:latin typeface="Calibri"/>
-                          <a:ea typeface="宋体"/>
-                          <a:cs typeface="Arial"/>
+                          <a:latin typeface="Calibri" panose="020F0502020204030204"/>
+                          <a:ea typeface="宋体" panose="02010600030101010101" pitchFamily="2" charset="-122"/>
+                          <a:cs typeface="Arial" panose="020B0604020202020204"/>
                         </a:rPr>
                         <a:t>期望结果</a:t>
                       </a:r>
                       <a:endParaRPr lang="zh-CN" sz="700" kern="100">
-                        <a:latin typeface="Calibri"/>
-                        <a:ea typeface="宋体"/>
-                        <a:cs typeface="Times New Roman"/>
+                        <a:latin typeface="Calibri" panose="020F0502020204030204"/>
+                        <a:ea typeface="宋体" panose="02010600030101010101" pitchFamily="2" charset="-122"/>
+                        <a:cs typeface="Times New Roman" panose="02020603050405020304"/>
                       </a:endParaRPr>
                     </a:p>
                   </a:txBody>
@@ -13222,16 +12952,16 @@
                       </a:pPr>
                       <a:r>
                         <a:rPr lang="zh-CN" sz="800" b="1" kern="100">
-                          <a:latin typeface="Calibri"/>
-                          <a:ea typeface="宋体"/>
-                          <a:cs typeface="Arial"/>
+                          <a:latin typeface="Calibri" panose="020F0502020204030204"/>
+                          <a:ea typeface="宋体" panose="02010600030101010101" pitchFamily="2" charset="-122"/>
+                          <a:cs typeface="Arial" panose="020B0604020202020204"/>
                         </a:rPr>
                         <a:t>实际结果</a:t>
                       </a:r>
                       <a:endParaRPr lang="zh-CN" sz="700" kern="100">
-                        <a:latin typeface="Calibri"/>
-                        <a:ea typeface="宋体"/>
-                        <a:cs typeface="Times New Roman"/>
+                        <a:latin typeface="Calibri" panose="020F0502020204030204"/>
+                        <a:ea typeface="宋体" panose="02010600030101010101" pitchFamily="2" charset="-122"/>
+                        <a:cs typeface="Times New Roman" panose="02020603050405020304"/>
                       </a:endParaRPr>
                     </a:p>
                   </a:txBody>
@@ -13286,32 +13016,32 @@
                       </a:pPr>
                       <a:r>
                         <a:rPr lang="zh-CN" sz="800" b="1" kern="100">
-                          <a:latin typeface="Calibri"/>
-                          <a:ea typeface="宋体"/>
-                          <a:cs typeface="Arial"/>
+                          <a:latin typeface="Calibri" panose="020F0502020204030204"/>
+                          <a:ea typeface="宋体" panose="02010600030101010101" pitchFamily="2" charset="-122"/>
+                          <a:cs typeface="Arial" panose="020B0604020202020204"/>
                         </a:rPr>
                         <a:t>测试状态（</a:t>
                       </a:r>
                       <a:r>
                         <a:rPr lang="en-US" sz="800" b="1" kern="100">
-                          <a:latin typeface="宋体"/>
-                          <a:ea typeface="宋体"/>
-                          <a:cs typeface="Times New Roman"/>
+                          <a:latin typeface="宋体" panose="02010600030101010101" pitchFamily="2" charset="-122"/>
+                          <a:ea typeface="宋体" panose="02010600030101010101" pitchFamily="2" charset="-122"/>
+                          <a:cs typeface="Times New Roman" panose="02020603050405020304"/>
                         </a:rPr>
                         <a:t>P/F</a:t>
                       </a:r>
                       <a:r>
                         <a:rPr lang="zh-CN" sz="800" b="1" kern="100">
-                          <a:latin typeface="Calibri"/>
-                          <a:ea typeface="宋体"/>
-                          <a:cs typeface="Arial"/>
+                          <a:latin typeface="Calibri" panose="020F0502020204030204"/>
+                          <a:ea typeface="宋体" panose="02010600030101010101" pitchFamily="2" charset="-122"/>
+                          <a:cs typeface="Arial" panose="020B0604020202020204"/>
                         </a:rPr>
                         <a:t>）</a:t>
                       </a:r>
                       <a:endParaRPr lang="zh-CN" sz="700" kern="100">
-                        <a:latin typeface="Calibri"/>
-                        <a:ea typeface="宋体"/>
-                        <a:cs typeface="Times New Roman"/>
+                        <a:latin typeface="Calibri" panose="020F0502020204030204"/>
+                        <a:ea typeface="宋体" panose="02010600030101010101" pitchFamily="2" charset="-122"/>
+                        <a:cs typeface="Times New Roman" panose="02020603050405020304"/>
                       </a:endParaRPr>
                     </a:p>
                   </a:txBody>
@@ -13368,16 +13098,16 @@
                       </a:pPr>
                       <a:r>
                         <a:rPr lang="en-US" sz="800" kern="100">
-                          <a:latin typeface="宋体"/>
-                          <a:ea typeface="宋体"/>
-                          <a:cs typeface="Times New Roman"/>
+                          <a:latin typeface="宋体" panose="02010600030101010101" pitchFamily="2" charset="-122"/>
+                          <a:ea typeface="宋体" panose="02010600030101010101" pitchFamily="2" charset="-122"/>
+                          <a:cs typeface="Times New Roman" panose="02020603050405020304"/>
                         </a:rPr>
                         <a:t>1</a:t>
                       </a:r>
                       <a:endParaRPr lang="zh-CN" sz="700" kern="100">
-                        <a:latin typeface="Calibri"/>
-                        <a:ea typeface="宋体"/>
-                        <a:cs typeface="Times New Roman"/>
+                        <a:latin typeface="Calibri" panose="020F0502020204030204"/>
+                        <a:ea typeface="宋体" panose="02010600030101010101" pitchFamily="2" charset="-122"/>
+                        <a:cs typeface="Times New Roman" panose="02020603050405020304"/>
                       </a:endParaRPr>
                     </a:p>
                   </a:txBody>
@@ -13432,16 +13162,16 @@
                       </a:pPr>
                       <a:r>
                         <a:rPr lang="zh-CN" sz="800" kern="100">
-                          <a:latin typeface="Calibri"/>
-                          <a:ea typeface="宋体"/>
-                          <a:cs typeface="Times New Roman"/>
+                          <a:latin typeface="Calibri" panose="020F0502020204030204"/>
+                          <a:ea typeface="宋体" panose="02010600030101010101" pitchFamily="2" charset="-122"/>
+                          <a:cs typeface="Times New Roman" panose="02020603050405020304"/>
                         </a:rPr>
                         <a:t>点击编辑，然后直接按确认按钮</a:t>
                       </a:r>
                       <a:endParaRPr lang="zh-CN" sz="700" kern="100">
-                        <a:latin typeface="Calibri"/>
-                        <a:ea typeface="宋体"/>
-                        <a:cs typeface="Times New Roman"/>
+                        <a:latin typeface="Calibri" panose="020F0502020204030204"/>
+                        <a:ea typeface="宋体" panose="02010600030101010101" pitchFamily="2" charset="-122"/>
+                        <a:cs typeface="Times New Roman" panose="02020603050405020304"/>
                       </a:endParaRPr>
                     </a:p>
                   </a:txBody>
@@ -13496,16 +13226,16 @@
                       </a:pPr>
                       <a:r>
                         <a:rPr lang="zh-CN" sz="800" kern="100">
-                          <a:latin typeface="Calibri"/>
-                          <a:ea typeface="宋体"/>
-                          <a:cs typeface="Times New Roman"/>
+                          <a:latin typeface="Calibri" panose="020F0502020204030204"/>
+                          <a:ea typeface="宋体" panose="02010600030101010101" pitchFamily="2" charset="-122"/>
+                          <a:cs typeface="Times New Roman" panose="02020603050405020304"/>
                         </a:rPr>
                         <a:t>输入信息为空</a:t>
                       </a:r>
                       <a:endParaRPr lang="zh-CN" sz="700" kern="100">
-                        <a:latin typeface="Calibri"/>
-                        <a:ea typeface="宋体"/>
-                        <a:cs typeface="Times New Roman"/>
+                        <a:latin typeface="Calibri" panose="020F0502020204030204"/>
+                        <a:ea typeface="宋体" panose="02010600030101010101" pitchFamily="2" charset="-122"/>
+                        <a:cs typeface="Times New Roman" panose="02020603050405020304"/>
                       </a:endParaRPr>
                     </a:p>
                     <a:p>
@@ -13519,16 +13249,16 @@
                           <a:solidFill>
                             <a:srgbClr val="FF0000"/>
                           </a:solidFill>
-                          <a:latin typeface="Calibri"/>
-                          <a:ea typeface="宋体"/>
-                          <a:cs typeface="Times New Roman"/>
+                          <a:latin typeface="Calibri" panose="020F0502020204030204"/>
+                          <a:ea typeface="宋体" panose="02010600030101010101" pitchFamily="2" charset="-122"/>
+                          <a:cs typeface="Times New Roman" panose="02020603050405020304"/>
                         </a:rPr>
                         <a:t>（有效等价类）</a:t>
                       </a:r>
                       <a:endParaRPr lang="zh-CN" sz="700" kern="100">
-                        <a:latin typeface="Calibri"/>
-                        <a:ea typeface="宋体"/>
-                        <a:cs typeface="Times New Roman"/>
+                        <a:latin typeface="Calibri" panose="020F0502020204030204"/>
+                        <a:ea typeface="宋体" panose="02010600030101010101" pitchFamily="2" charset="-122"/>
+                        <a:cs typeface="Times New Roman" panose="02020603050405020304"/>
                       </a:endParaRPr>
                     </a:p>
                   </a:txBody>
@@ -13583,16 +13313,16 @@
                       </a:pPr>
                       <a:r>
                         <a:rPr lang="zh-CN" sz="800" kern="100">
-                          <a:latin typeface="Calibri"/>
-                          <a:ea typeface="宋体"/>
-                          <a:cs typeface="Times New Roman"/>
+                          <a:latin typeface="Calibri" panose="020F0502020204030204"/>
+                          <a:ea typeface="宋体" panose="02010600030101010101" pitchFamily="2" charset="-122"/>
+                          <a:cs typeface="Times New Roman" panose="02020603050405020304"/>
                         </a:rPr>
                         <a:t>显示没有被修改的个人介绍！</a:t>
                       </a:r>
                       <a:endParaRPr lang="zh-CN" sz="700" kern="100">
-                        <a:latin typeface="Calibri"/>
-                        <a:ea typeface="宋体"/>
-                        <a:cs typeface="Times New Roman"/>
+                        <a:latin typeface="Calibri" panose="020F0502020204030204"/>
+                        <a:ea typeface="宋体" panose="02010600030101010101" pitchFamily="2" charset="-122"/>
+                        <a:cs typeface="Times New Roman" panose="02020603050405020304"/>
                       </a:endParaRPr>
                     </a:p>
                   </a:txBody>
@@ -13647,16 +13377,16 @@
                       </a:pPr>
                       <a:r>
                         <a:rPr lang="zh-CN" sz="800" kern="100">
-                          <a:latin typeface="Calibri"/>
-                          <a:ea typeface="宋体"/>
-                          <a:cs typeface="Times New Roman"/>
+                          <a:latin typeface="Calibri" panose="020F0502020204030204"/>
+                          <a:ea typeface="宋体" panose="02010600030101010101" pitchFamily="2" charset="-122"/>
+                          <a:cs typeface="Times New Roman" panose="02020603050405020304"/>
                         </a:rPr>
                         <a:t>（符合）</a:t>
                       </a:r>
                       <a:endParaRPr lang="zh-CN" sz="700" kern="100">
-                        <a:latin typeface="Calibri"/>
-                        <a:ea typeface="宋体"/>
-                        <a:cs typeface="Times New Roman"/>
+                        <a:latin typeface="Calibri" panose="020F0502020204030204"/>
+                        <a:ea typeface="宋体" panose="02010600030101010101" pitchFamily="2" charset="-122"/>
+                        <a:cs typeface="Times New Roman" panose="02020603050405020304"/>
                       </a:endParaRPr>
                     </a:p>
                   </a:txBody>
@@ -13711,16 +13441,16 @@
                       </a:pPr>
                       <a:r>
                         <a:rPr lang="en-US" sz="800" kern="100">
-                          <a:latin typeface="宋体"/>
-                          <a:ea typeface="宋体"/>
-                          <a:cs typeface="Times New Roman"/>
+                          <a:latin typeface="宋体" panose="02010600030101010101" pitchFamily="2" charset="-122"/>
+                          <a:ea typeface="宋体" panose="02010600030101010101" pitchFamily="2" charset="-122"/>
+                          <a:cs typeface="Times New Roman" panose="02020603050405020304"/>
                         </a:rPr>
                         <a:t>P</a:t>
                       </a:r>
                       <a:endParaRPr lang="zh-CN" sz="700" kern="100">
-                        <a:latin typeface="Calibri"/>
-                        <a:ea typeface="宋体"/>
-                        <a:cs typeface="Times New Roman"/>
+                        <a:latin typeface="Calibri" panose="020F0502020204030204"/>
+                        <a:ea typeface="宋体" panose="02010600030101010101" pitchFamily="2" charset="-122"/>
+                        <a:cs typeface="Times New Roman" panose="02020603050405020304"/>
                       </a:endParaRPr>
                     </a:p>
                   </a:txBody>
@@ -13777,16 +13507,16 @@
                       </a:pPr>
                       <a:r>
                         <a:rPr lang="en-US" sz="800" kern="100">
-                          <a:latin typeface="宋体"/>
-                          <a:ea typeface="宋体"/>
-                          <a:cs typeface="Times New Roman"/>
+                          <a:latin typeface="宋体" panose="02010600030101010101" pitchFamily="2" charset="-122"/>
+                          <a:ea typeface="宋体" panose="02010600030101010101" pitchFamily="2" charset="-122"/>
+                          <a:cs typeface="Times New Roman" panose="02020603050405020304"/>
                         </a:rPr>
                         <a:t>2</a:t>
                       </a:r>
                       <a:endParaRPr lang="zh-CN" sz="700" kern="100">
-                        <a:latin typeface="Calibri"/>
-                        <a:ea typeface="宋体"/>
-                        <a:cs typeface="Times New Roman"/>
+                        <a:latin typeface="Calibri" panose="020F0502020204030204"/>
+                        <a:ea typeface="宋体" panose="02010600030101010101" pitchFamily="2" charset="-122"/>
+                        <a:cs typeface="Times New Roman" panose="02020603050405020304"/>
                       </a:endParaRPr>
                     </a:p>
                   </a:txBody>
@@ -13841,16 +13571,16 @@
                       </a:pPr>
                       <a:r>
                         <a:rPr lang="zh-CN" sz="800" kern="100">
-                          <a:latin typeface="Calibri"/>
-                          <a:ea typeface="宋体"/>
-                          <a:cs typeface="Times New Roman"/>
+                          <a:latin typeface="Calibri" panose="020F0502020204030204"/>
+                          <a:ea typeface="宋体" panose="02010600030101010101" pitchFamily="2" charset="-122"/>
+                          <a:cs typeface="Times New Roman" panose="02020603050405020304"/>
                         </a:rPr>
                         <a:t>点击编辑，输入内容，按确定按钮</a:t>
                       </a:r>
                       <a:endParaRPr lang="zh-CN" sz="700" kern="100">
-                        <a:latin typeface="Calibri"/>
-                        <a:ea typeface="宋体"/>
-                        <a:cs typeface="Times New Roman"/>
+                        <a:latin typeface="Calibri" panose="020F0502020204030204"/>
+                        <a:ea typeface="宋体" panose="02010600030101010101" pitchFamily="2" charset="-122"/>
+                        <a:cs typeface="Times New Roman" panose="02020603050405020304"/>
                       </a:endParaRPr>
                     </a:p>
                   </a:txBody>
@@ -13905,16 +13635,16 @@
                       </a:pPr>
                       <a:r>
                         <a:rPr lang="zh-CN" sz="800" kern="100">
-                          <a:latin typeface="Calibri"/>
-                          <a:ea typeface="宋体"/>
-                          <a:cs typeface="Times New Roman"/>
+                          <a:latin typeface="Calibri" panose="020F0502020204030204"/>
+                          <a:ea typeface="宋体" panose="02010600030101010101" pitchFamily="2" charset="-122"/>
+                          <a:cs typeface="Times New Roman" panose="02020603050405020304"/>
                         </a:rPr>
                         <a:t>“编辑课程简介”</a:t>
                       </a:r>
                       <a:endParaRPr lang="zh-CN" sz="700" kern="100">
-                        <a:latin typeface="Calibri"/>
-                        <a:ea typeface="宋体"/>
-                        <a:cs typeface="Times New Roman"/>
+                        <a:latin typeface="Calibri" panose="020F0502020204030204"/>
+                        <a:ea typeface="宋体" panose="02010600030101010101" pitchFamily="2" charset="-122"/>
+                        <a:cs typeface="Times New Roman" panose="02020603050405020304"/>
                       </a:endParaRPr>
                     </a:p>
                     <a:p>
@@ -13928,16 +13658,16 @@
                           <a:solidFill>
                             <a:srgbClr val="FF0000"/>
                           </a:solidFill>
-                          <a:latin typeface="Calibri"/>
-                          <a:ea typeface="宋体"/>
-                          <a:cs typeface="Times New Roman"/>
+                          <a:latin typeface="Calibri" panose="020F0502020204030204"/>
+                          <a:ea typeface="宋体" panose="02010600030101010101" pitchFamily="2" charset="-122"/>
+                          <a:cs typeface="Times New Roman" panose="02020603050405020304"/>
                         </a:rPr>
                         <a:t>（有效等价类）</a:t>
                       </a:r>
                       <a:endParaRPr lang="zh-CN" sz="700" kern="100">
-                        <a:latin typeface="Calibri"/>
-                        <a:ea typeface="宋体"/>
-                        <a:cs typeface="Times New Roman"/>
+                        <a:latin typeface="Calibri" panose="020F0502020204030204"/>
+                        <a:ea typeface="宋体" panose="02010600030101010101" pitchFamily="2" charset="-122"/>
+                        <a:cs typeface="Times New Roman" panose="02020603050405020304"/>
                       </a:endParaRPr>
                     </a:p>
                   </a:txBody>
@@ -13992,16 +13722,16 @@
                       </a:pPr>
                       <a:r>
                         <a:rPr lang="zh-CN" sz="800" kern="100">
-                          <a:latin typeface="Calibri"/>
-                          <a:ea typeface="宋体"/>
-                          <a:cs typeface="Times New Roman"/>
+                          <a:latin typeface="Calibri" panose="020F0502020204030204"/>
+                          <a:ea typeface="宋体" panose="02010600030101010101" pitchFamily="2" charset="-122"/>
+                          <a:cs typeface="Times New Roman" panose="02020603050405020304"/>
                         </a:rPr>
                         <a:t>显示教师介绍编辑成功！</a:t>
                       </a:r>
                       <a:endParaRPr lang="zh-CN" sz="700" kern="100">
-                        <a:latin typeface="Calibri"/>
-                        <a:ea typeface="宋体"/>
-                        <a:cs typeface="Times New Roman"/>
+                        <a:latin typeface="Calibri" panose="020F0502020204030204"/>
+                        <a:ea typeface="宋体" panose="02010600030101010101" pitchFamily="2" charset="-122"/>
+                        <a:cs typeface="Times New Roman" panose="02020603050405020304"/>
                       </a:endParaRPr>
                     </a:p>
                   </a:txBody>
@@ -14056,16 +13786,16 @@
                       </a:pPr>
                       <a:r>
                         <a:rPr lang="zh-CN" sz="800" kern="100">
-                          <a:latin typeface="Calibri"/>
-                          <a:ea typeface="宋体"/>
-                          <a:cs typeface="Times New Roman"/>
+                          <a:latin typeface="Calibri" panose="020F0502020204030204"/>
+                          <a:ea typeface="宋体" panose="02010600030101010101" pitchFamily="2" charset="-122"/>
+                          <a:cs typeface="Times New Roman" panose="02020603050405020304"/>
                         </a:rPr>
                         <a:t>（符合）</a:t>
                       </a:r>
                       <a:endParaRPr lang="zh-CN" sz="700" kern="100">
-                        <a:latin typeface="Calibri"/>
-                        <a:ea typeface="宋体"/>
-                        <a:cs typeface="Times New Roman"/>
+                        <a:latin typeface="Calibri" panose="020F0502020204030204"/>
+                        <a:ea typeface="宋体" panose="02010600030101010101" pitchFamily="2" charset="-122"/>
+                        <a:cs typeface="Times New Roman" panose="02020603050405020304"/>
                       </a:endParaRPr>
                     </a:p>
                   </a:txBody>
@@ -14120,16 +13850,16 @@
                       </a:pPr>
                       <a:r>
                         <a:rPr lang="en-US" sz="800" kern="100">
-                          <a:latin typeface="宋体"/>
-                          <a:ea typeface="宋体"/>
-                          <a:cs typeface="Times New Roman"/>
+                          <a:latin typeface="宋体" panose="02010600030101010101" pitchFamily="2" charset="-122"/>
+                          <a:ea typeface="宋体" panose="02010600030101010101" pitchFamily="2" charset="-122"/>
+                          <a:cs typeface="Times New Roman" panose="02020603050405020304"/>
                         </a:rPr>
                         <a:t>P</a:t>
                       </a:r>
                       <a:endParaRPr lang="zh-CN" sz="700" kern="100">
-                        <a:latin typeface="Calibri"/>
-                        <a:ea typeface="宋体"/>
-                        <a:cs typeface="Times New Roman"/>
+                        <a:latin typeface="Calibri" panose="020F0502020204030204"/>
+                        <a:ea typeface="宋体" panose="02010600030101010101" pitchFamily="2" charset="-122"/>
+                        <a:cs typeface="Times New Roman" panose="02020603050405020304"/>
                       </a:endParaRPr>
                     </a:p>
                   </a:txBody>
@@ -14186,16 +13916,16 @@
                       </a:pPr>
                       <a:r>
                         <a:rPr lang="en-US" sz="800" kern="100">
-                          <a:latin typeface="宋体"/>
-                          <a:ea typeface="宋体"/>
-                          <a:cs typeface="Times New Roman"/>
+                          <a:latin typeface="宋体" panose="02010600030101010101" pitchFamily="2" charset="-122"/>
+                          <a:ea typeface="宋体" panose="02010600030101010101" pitchFamily="2" charset="-122"/>
+                          <a:cs typeface="Times New Roman" panose="02020603050405020304"/>
                         </a:rPr>
                         <a:t>3</a:t>
                       </a:r>
                       <a:endParaRPr lang="zh-CN" sz="700" kern="100">
-                        <a:latin typeface="Calibri"/>
-                        <a:ea typeface="宋体"/>
-                        <a:cs typeface="Times New Roman"/>
+                        <a:latin typeface="Calibri" panose="020F0502020204030204"/>
+                        <a:ea typeface="宋体" panose="02010600030101010101" pitchFamily="2" charset="-122"/>
+                        <a:cs typeface="Times New Roman" panose="02020603050405020304"/>
                       </a:endParaRPr>
                     </a:p>
                   </a:txBody>
@@ -14250,16 +13980,16 @@
                       </a:pPr>
                       <a:r>
                         <a:rPr lang="zh-CN" sz="800" kern="100">
-                          <a:latin typeface="Calibri"/>
-                          <a:ea typeface="宋体"/>
-                          <a:cs typeface="Times New Roman"/>
+                          <a:latin typeface="Calibri" panose="020F0502020204030204"/>
+                          <a:ea typeface="宋体" panose="02010600030101010101" pitchFamily="2" charset="-122"/>
+                          <a:cs typeface="Times New Roman" panose="02020603050405020304"/>
                         </a:rPr>
                         <a:t>点击编辑，输入内容，按确定按钮</a:t>
                       </a:r>
                       <a:endParaRPr lang="zh-CN" sz="700" kern="100">
-                        <a:latin typeface="Calibri"/>
-                        <a:ea typeface="宋体"/>
-                        <a:cs typeface="Times New Roman"/>
+                        <a:latin typeface="Calibri" panose="020F0502020204030204"/>
+                        <a:ea typeface="宋体" panose="02010600030101010101" pitchFamily="2" charset="-122"/>
+                        <a:cs typeface="Times New Roman" panose="02020603050405020304"/>
                       </a:endParaRPr>
                     </a:p>
                   </a:txBody>
@@ -14314,48 +14044,48 @@
                       </a:pPr>
                       <a:r>
                         <a:rPr lang="en-US" sz="800" kern="100">
-                          <a:latin typeface="宋体"/>
-                          <a:ea typeface="宋体"/>
-                          <a:cs typeface="Times New Roman"/>
+                          <a:latin typeface="宋体" panose="02010600030101010101" pitchFamily="2" charset="-122"/>
+                          <a:ea typeface="宋体" panose="02010600030101010101" pitchFamily="2" charset="-122"/>
+                          <a:cs typeface="Times New Roman" panose="02020603050405020304"/>
                         </a:rPr>
                         <a:t>@</a:t>
                       </a:r>
                       <a:r>
                         <a:rPr lang="zh-CN" sz="800" kern="100">
-                          <a:latin typeface="Calibri"/>
-                          <a:ea typeface="宋体"/>
-                          <a:cs typeface="Times New Roman"/>
+                          <a:latin typeface="Calibri" panose="020F0502020204030204"/>
+                          <a:ea typeface="宋体" panose="02010600030101010101" pitchFamily="2" charset="-122"/>
+                          <a:cs typeface="Times New Roman" panose="02020603050405020304"/>
                         </a:rPr>
                         <a:t>！！</a:t>
                       </a:r>
                       <a:r>
                         <a:rPr lang="en-US" sz="800" kern="100">
-                          <a:latin typeface="Calibri"/>
-                          <a:ea typeface="宋体"/>
-                          <a:cs typeface="Times New Roman"/>
+                          <a:latin typeface="Calibri" panose="020F0502020204030204"/>
+                          <a:ea typeface="宋体" panose="02010600030101010101" pitchFamily="2" charset="-122"/>
+                          <a:cs typeface="Times New Roman" panose="02020603050405020304"/>
                         </a:rPr>
                         <a:t>@#</a:t>
                       </a:r>
                       <a:r>
                         <a:rPr lang="zh-CN" sz="800" kern="100">
-                          <a:latin typeface="Calibri"/>
-                          <a:ea typeface="宋体"/>
-                          <a:cs typeface="Times New Roman"/>
+                          <a:latin typeface="Calibri" panose="020F0502020204030204"/>
+                          <a:ea typeface="宋体" panose="02010600030101010101" pitchFamily="2" charset="-122"/>
+                          <a:cs typeface="Times New Roman" panose="02020603050405020304"/>
                         </a:rPr>
                         <a:t>但是大时代</a:t>
                       </a:r>
                       <a:r>
                         <a:rPr lang="en-US" sz="800" kern="100">
-                          <a:latin typeface="Calibri"/>
-                          <a:ea typeface="宋体"/>
-                          <a:cs typeface="Times New Roman"/>
+                          <a:latin typeface="Calibri" panose="020F0502020204030204"/>
+                          <a:ea typeface="宋体" panose="02010600030101010101" pitchFamily="2" charset="-122"/>
+                          <a:cs typeface="Times New Roman" panose="02020603050405020304"/>
                         </a:rPr>
                         <a:t>~~</a:t>
                       </a:r>
                       <a:endParaRPr lang="zh-CN" sz="700" kern="100">
-                        <a:latin typeface="Calibri"/>
-                        <a:ea typeface="宋体"/>
-                        <a:cs typeface="Times New Roman"/>
+                        <a:latin typeface="Calibri" panose="020F0502020204030204"/>
+                        <a:ea typeface="宋体" panose="02010600030101010101" pitchFamily="2" charset="-122"/>
+                        <a:cs typeface="Times New Roman" panose="02020603050405020304"/>
                       </a:endParaRPr>
                     </a:p>
                     <a:p>
@@ -14369,16 +14099,16 @@
                           <a:solidFill>
                             <a:srgbClr val="FF0000"/>
                           </a:solidFill>
-                          <a:latin typeface="Calibri"/>
-                          <a:ea typeface="宋体"/>
-                          <a:cs typeface="Times New Roman"/>
+                          <a:latin typeface="Calibri" panose="020F0502020204030204"/>
+                          <a:ea typeface="宋体" panose="02010600030101010101" pitchFamily="2" charset="-122"/>
+                          <a:cs typeface="Times New Roman" panose="02020603050405020304"/>
                         </a:rPr>
                         <a:t>（有效等价类）</a:t>
                       </a:r>
                       <a:endParaRPr lang="zh-CN" sz="700" kern="100">
-                        <a:latin typeface="Calibri"/>
-                        <a:ea typeface="宋体"/>
-                        <a:cs typeface="Times New Roman"/>
+                        <a:latin typeface="Calibri" panose="020F0502020204030204"/>
+                        <a:ea typeface="宋体" panose="02010600030101010101" pitchFamily="2" charset="-122"/>
+                        <a:cs typeface="Times New Roman" panose="02020603050405020304"/>
                       </a:endParaRPr>
                     </a:p>
                   </a:txBody>
@@ -14433,16 +14163,16 @@
                       </a:pPr>
                       <a:r>
                         <a:rPr lang="zh-CN" sz="800" kern="100">
-                          <a:latin typeface="Calibri"/>
-                          <a:ea typeface="宋体"/>
-                          <a:cs typeface="Times New Roman"/>
+                          <a:latin typeface="Calibri" panose="020F0502020204030204"/>
+                          <a:ea typeface="宋体" panose="02010600030101010101" pitchFamily="2" charset="-122"/>
+                          <a:cs typeface="Times New Roman" panose="02020603050405020304"/>
                         </a:rPr>
                         <a:t>显示教师介绍编辑成功！</a:t>
                       </a:r>
                       <a:endParaRPr lang="zh-CN" sz="700" kern="100">
-                        <a:latin typeface="Calibri"/>
-                        <a:ea typeface="宋体"/>
-                        <a:cs typeface="Times New Roman"/>
+                        <a:latin typeface="Calibri" panose="020F0502020204030204"/>
+                        <a:ea typeface="宋体" panose="02010600030101010101" pitchFamily="2" charset="-122"/>
+                        <a:cs typeface="Times New Roman" panose="02020603050405020304"/>
                       </a:endParaRPr>
                     </a:p>
                   </a:txBody>
@@ -14497,16 +14227,16 @@
                       </a:pPr>
                       <a:r>
                         <a:rPr lang="zh-CN" sz="800" kern="100">
-                          <a:latin typeface="Calibri"/>
-                          <a:ea typeface="宋体"/>
-                          <a:cs typeface="Times New Roman"/>
+                          <a:latin typeface="Calibri" panose="020F0502020204030204"/>
+                          <a:ea typeface="宋体" panose="02010600030101010101" pitchFamily="2" charset="-122"/>
+                          <a:cs typeface="Times New Roman" panose="02020603050405020304"/>
                         </a:rPr>
                         <a:t>（符合）</a:t>
                       </a:r>
                       <a:endParaRPr lang="zh-CN" sz="700" kern="100">
-                        <a:latin typeface="Calibri"/>
-                        <a:ea typeface="宋体"/>
-                        <a:cs typeface="Times New Roman"/>
+                        <a:latin typeface="Calibri" panose="020F0502020204030204"/>
+                        <a:ea typeface="宋体" panose="02010600030101010101" pitchFamily="2" charset="-122"/>
+                        <a:cs typeface="Times New Roman" panose="02020603050405020304"/>
                       </a:endParaRPr>
                     </a:p>
                   </a:txBody>
@@ -14561,16 +14291,16 @@
                       </a:pPr>
                       <a:r>
                         <a:rPr lang="en-US" sz="800" kern="100">
-                          <a:latin typeface="宋体"/>
-                          <a:ea typeface="宋体"/>
-                          <a:cs typeface="Times New Roman"/>
+                          <a:latin typeface="宋体" panose="02010600030101010101" pitchFamily="2" charset="-122"/>
+                          <a:ea typeface="宋体" panose="02010600030101010101" pitchFamily="2" charset="-122"/>
+                          <a:cs typeface="Times New Roman" panose="02020603050405020304"/>
                         </a:rPr>
                         <a:t>P</a:t>
                       </a:r>
                       <a:endParaRPr lang="zh-CN" sz="700" kern="100">
-                        <a:latin typeface="Calibri"/>
-                        <a:ea typeface="宋体"/>
-                        <a:cs typeface="Times New Roman"/>
+                        <a:latin typeface="Calibri" panose="020F0502020204030204"/>
+                        <a:ea typeface="宋体" panose="02010600030101010101" pitchFamily="2" charset="-122"/>
+                        <a:cs typeface="Times New Roman" panose="02020603050405020304"/>
                       </a:endParaRPr>
                     </a:p>
                   </a:txBody>
@@ -14627,16 +14357,16 @@
                       </a:pPr>
                       <a:r>
                         <a:rPr lang="en-US" sz="800" kern="100">
-                          <a:latin typeface="宋体"/>
-                          <a:ea typeface="宋体"/>
-                          <a:cs typeface="Times New Roman"/>
+                          <a:latin typeface="宋体" panose="02010600030101010101" pitchFamily="2" charset="-122"/>
+                          <a:ea typeface="宋体" panose="02010600030101010101" pitchFamily="2" charset="-122"/>
+                          <a:cs typeface="Times New Roman" panose="02020603050405020304"/>
                         </a:rPr>
                         <a:t>4</a:t>
                       </a:r>
                       <a:endParaRPr lang="zh-CN" sz="700" kern="100">
-                        <a:latin typeface="Calibri"/>
-                        <a:ea typeface="宋体"/>
-                        <a:cs typeface="Times New Roman"/>
+                        <a:latin typeface="Calibri" panose="020F0502020204030204"/>
+                        <a:ea typeface="宋体" panose="02010600030101010101" pitchFamily="2" charset="-122"/>
+                        <a:cs typeface="Times New Roman" panose="02020603050405020304"/>
                       </a:endParaRPr>
                     </a:p>
                   </a:txBody>
@@ -14691,16 +14421,16 @@
                       </a:pPr>
                       <a:r>
                         <a:rPr lang="zh-CN" sz="800" kern="100">
-                          <a:latin typeface="Calibri"/>
-                          <a:ea typeface="宋体"/>
-                          <a:cs typeface="Times New Roman"/>
+                          <a:latin typeface="Calibri" panose="020F0502020204030204"/>
+                          <a:ea typeface="宋体" panose="02010600030101010101" pitchFamily="2" charset="-122"/>
+                          <a:cs typeface="Times New Roman" panose="02020603050405020304"/>
                         </a:rPr>
                         <a:t>点击编辑，输入内容，按确定内容</a:t>
                       </a:r>
                       <a:endParaRPr lang="zh-CN" sz="700" kern="100">
-                        <a:latin typeface="Calibri"/>
-                        <a:ea typeface="宋体"/>
-                        <a:cs typeface="Times New Roman"/>
+                        <a:latin typeface="Calibri" panose="020F0502020204030204"/>
+                        <a:ea typeface="宋体" panose="02010600030101010101" pitchFamily="2" charset="-122"/>
+                        <a:cs typeface="Times New Roman" panose="02020603050405020304"/>
                       </a:endParaRPr>
                     </a:p>
                   </a:txBody>
@@ -14755,16 +14485,16 @@
                       </a:pPr>
                       <a:r>
                         <a:rPr lang="zh-CN" sz="800" kern="100">
-                          <a:latin typeface="Calibri"/>
-                          <a:ea typeface="宋体"/>
-                          <a:cs typeface="Times New Roman"/>
+                          <a:latin typeface="Calibri" panose="020F0502020204030204"/>
+                          <a:ea typeface="宋体" panose="02010600030101010101" pitchFamily="2" charset="-122"/>
+                          <a:cs typeface="Times New Roman" panose="02020603050405020304"/>
                         </a:rPr>
                         <a:t>“他妈的发撒旦法”</a:t>
                       </a:r>
                       <a:endParaRPr lang="zh-CN" sz="700" kern="100">
-                        <a:latin typeface="Calibri"/>
-                        <a:ea typeface="宋体"/>
-                        <a:cs typeface="Times New Roman"/>
+                        <a:latin typeface="Calibri" panose="020F0502020204030204"/>
+                        <a:ea typeface="宋体" panose="02010600030101010101" pitchFamily="2" charset="-122"/>
+                        <a:cs typeface="Times New Roman" panose="02020603050405020304"/>
                       </a:endParaRPr>
                     </a:p>
                     <a:p>
@@ -14778,16 +14508,16 @@
                           <a:solidFill>
                             <a:srgbClr val="FF0000"/>
                           </a:solidFill>
-                          <a:latin typeface="Calibri"/>
-                          <a:ea typeface="宋体"/>
-                          <a:cs typeface="Times New Roman"/>
+                          <a:latin typeface="Calibri" panose="020F0502020204030204"/>
+                          <a:ea typeface="宋体" panose="02010600030101010101" pitchFamily="2" charset="-122"/>
+                          <a:cs typeface="Times New Roman" panose="02020603050405020304"/>
                         </a:rPr>
                         <a:t>（无效等价类）</a:t>
                       </a:r>
                       <a:endParaRPr lang="zh-CN" sz="700" kern="100">
-                        <a:latin typeface="Calibri"/>
-                        <a:ea typeface="宋体"/>
-                        <a:cs typeface="Times New Roman"/>
+                        <a:latin typeface="Calibri" panose="020F0502020204030204"/>
+                        <a:ea typeface="宋体" panose="02010600030101010101" pitchFamily="2" charset="-122"/>
+                        <a:cs typeface="Times New Roman" panose="02020603050405020304"/>
                       </a:endParaRPr>
                     </a:p>
                   </a:txBody>
@@ -14842,16 +14572,16 @@
                       </a:pPr>
                       <a:r>
                         <a:rPr lang="zh-CN" sz="800" kern="100">
-                          <a:latin typeface="Calibri"/>
-                          <a:ea typeface="宋体"/>
-                          <a:cs typeface="Times New Roman"/>
+                          <a:latin typeface="Calibri" panose="020F0502020204030204"/>
+                          <a:ea typeface="宋体" panose="02010600030101010101" pitchFamily="2" charset="-122"/>
+                          <a:cs typeface="Times New Roman" panose="02020603050405020304"/>
                         </a:rPr>
                         <a:t>请注意您的用词！</a:t>
                       </a:r>
                       <a:endParaRPr lang="zh-CN" sz="700" kern="100">
-                        <a:latin typeface="Calibri"/>
-                        <a:ea typeface="宋体"/>
-                        <a:cs typeface="Times New Roman"/>
+                        <a:latin typeface="Calibri" panose="020F0502020204030204"/>
+                        <a:ea typeface="宋体" panose="02010600030101010101" pitchFamily="2" charset="-122"/>
+                        <a:cs typeface="Times New Roman" panose="02020603050405020304"/>
                       </a:endParaRPr>
                     </a:p>
                   </a:txBody>
@@ -14906,16 +14636,16 @@
                       </a:pPr>
                       <a:r>
                         <a:rPr lang="zh-CN" sz="800" kern="100">
-                          <a:latin typeface="Calibri"/>
-                          <a:ea typeface="宋体"/>
-                          <a:cs typeface="Times New Roman"/>
+                          <a:latin typeface="Calibri" panose="020F0502020204030204"/>
+                          <a:ea typeface="宋体" panose="02010600030101010101" pitchFamily="2" charset="-122"/>
+                          <a:cs typeface="Times New Roman" panose="02020603050405020304"/>
                         </a:rPr>
                         <a:t>（符合）</a:t>
                       </a:r>
                       <a:endParaRPr lang="zh-CN" sz="700" kern="100">
-                        <a:latin typeface="Calibri"/>
-                        <a:ea typeface="宋体"/>
-                        <a:cs typeface="Times New Roman"/>
+                        <a:latin typeface="Calibri" panose="020F0502020204030204"/>
+                        <a:ea typeface="宋体" panose="02010600030101010101" pitchFamily="2" charset="-122"/>
+                        <a:cs typeface="Times New Roman" panose="02020603050405020304"/>
                       </a:endParaRPr>
                     </a:p>
                   </a:txBody>
@@ -14970,16 +14700,16 @@
                       </a:pPr>
                       <a:r>
                         <a:rPr lang="en-US" sz="800" kern="100">
-                          <a:latin typeface="宋体"/>
-                          <a:ea typeface="宋体"/>
-                          <a:cs typeface="Times New Roman"/>
+                          <a:latin typeface="宋体" panose="02010600030101010101" pitchFamily="2" charset="-122"/>
+                          <a:ea typeface="宋体" panose="02010600030101010101" pitchFamily="2" charset="-122"/>
+                          <a:cs typeface="Times New Roman" panose="02020603050405020304"/>
                         </a:rPr>
                         <a:t>P</a:t>
                       </a:r>
                       <a:endParaRPr lang="zh-CN" sz="700" kern="100">
-                        <a:latin typeface="Calibri"/>
-                        <a:ea typeface="宋体"/>
-                        <a:cs typeface="Times New Roman"/>
+                        <a:latin typeface="Calibri" panose="020F0502020204030204"/>
+                        <a:ea typeface="宋体" panose="02010600030101010101" pitchFamily="2" charset="-122"/>
+                        <a:cs typeface="Times New Roman" panose="02020603050405020304"/>
                       </a:endParaRPr>
                     </a:p>
                   </a:txBody>
@@ -15036,16 +14766,16 @@
                       </a:pPr>
                       <a:r>
                         <a:rPr lang="en-US" sz="800" kern="100">
-                          <a:latin typeface="宋体"/>
-                          <a:ea typeface="宋体"/>
-                          <a:cs typeface="Times New Roman"/>
+                          <a:latin typeface="宋体" panose="02010600030101010101" pitchFamily="2" charset="-122"/>
+                          <a:ea typeface="宋体" panose="02010600030101010101" pitchFamily="2" charset="-122"/>
+                          <a:cs typeface="Times New Roman" panose="02020603050405020304"/>
                         </a:rPr>
                         <a:t>5</a:t>
                       </a:r>
                       <a:endParaRPr lang="zh-CN" sz="700" kern="100">
-                        <a:latin typeface="Calibri"/>
-                        <a:ea typeface="宋体"/>
-                        <a:cs typeface="Times New Roman"/>
+                        <a:latin typeface="Calibri" panose="020F0502020204030204"/>
+                        <a:ea typeface="宋体" panose="02010600030101010101" pitchFamily="2" charset="-122"/>
+                        <a:cs typeface="Times New Roman" panose="02020603050405020304"/>
                       </a:endParaRPr>
                     </a:p>
                   </a:txBody>
@@ -15100,16 +14830,16 @@
                       </a:pPr>
                       <a:r>
                         <a:rPr lang="zh-CN" sz="800" kern="100">
-                          <a:latin typeface="Calibri"/>
-                          <a:ea typeface="宋体"/>
-                          <a:cs typeface="Times New Roman"/>
+                          <a:latin typeface="Calibri" panose="020F0502020204030204"/>
+                          <a:ea typeface="宋体" panose="02010600030101010101" pitchFamily="2" charset="-122"/>
+                          <a:cs typeface="Times New Roman" panose="02020603050405020304"/>
                         </a:rPr>
                         <a:t>点击编辑，然后点击头像，上传本地图片，然后点击确认按钮</a:t>
                       </a:r>
                       <a:endParaRPr lang="zh-CN" sz="700" kern="100">
-                        <a:latin typeface="Calibri"/>
-                        <a:ea typeface="宋体"/>
-                        <a:cs typeface="Times New Roman"/>
+                        <a:latin typeface="Calibri" panose="020F0502020204030204"/>
+                        <a:ea typeface="宋体" panose="02010600030101010101" pitchFamily="2" charset="-122"/>
+                        <a:cs typeface="Times New Roman" panose="02020603050405020304"/>
                       </a:endParaRPr>
                     </a:p>
                   </a:txBody>
@@ -15164,16 +14894,16 @@
                       </a:pPr>
                       <a:r>
                         <a:rPr lang="zh-CN" sz="800" kern="100">
-                          <a:latin typeface="Calibri"/>
-                          <a:ea typeface="宋体"/>
-                          <a:cs typeface="Times New Roman"/>
+                          <a:latin typeface="Calibri" panose="020F0502020204030204"/>
+                          <a:ea typeface="宋体" panose="02010600030101010101" pitchFamily="2" charset="-122"/>
+                          <a:cs typeface="Times New Roman" panose="02020603050405020304"/>
                         </a:rPr>
                         <a:t>无</a:t>
                       </a:r>
                       <a:endParaRPr lang="zh-CN" sz="700" kern="100">
-                        <a:latin typeface="Calibri"/>
-                        <a:ea typeface="宋体"/>
-                        <a:cs typeface="Times New Roman"/>
+                        <a:latin typeface="Calibri" panose="020F0502020204030204"/>
+                        <a:ea typeface="宋体" panose="02010600030101010101" pitchFamily="2" charset="-122"/>
+                        <a:cs typeface="Times New Roman" panose="02020603050405020304"/>
                       </a:endParaRPr>
                     </a:p>
                   </a:txBody>
@@ -15228,16 +14958,16 @@
                       </a:pPr>
                       <a:r>
                         <a:rPr lang="zh-CN" sz="800" kern="100">
-                          <a:latin typeface="Calibri"/>
-                          <a:ea typeface="宋体"/>
-                          <a:cs typeface="Times New Roman"/>
+                          <a:latin typeface="Calibri" panose="020F0502020204030204"/>
+                          <a:ea typeface="宋体" panose="02010600030101010101" pitchFamily="2" charset="-122"/>
+                          <a:cs typeface="Times New Roman" panose="02020603050405020304"/>
                         </a:rPr>
                         <a:t>个人信息中的头像变成上传的图片</a:t>
                       </a:r>
                       <a:endParaRPr lang="zh-CN" sz="700" kern="100">
-                        <a:latin typeface="Calibri"/>
-                        <a:ea typeface="宋体"/>
-                        <a:cs typeface="Times New Roman"/>
+                        <a:latin typeface="Calibri" panose="020F0502020204030204"/>
+                        <a:ea typeface="宋体" panose="02010600030101010101" pitchFamily="2" charset="-122"/>
+                        <a:cs typeface="Times New Roman" panose="02020603050405020304"/>
                       </a:endParaRPr>
                     </a:p>
                   </a:txBody>
@@ -15292,16 +15022,16 @@
                       </a:pPr>
                       <a:r>
                         <a:rPr lang="zh-CN" sz="800" kern="100">
-                          <a:latin typeface="Calibri"/>
-                          <a:ea typeface="宋体"/>
-                          <a:cs typeface="Times New Roman"/>
+                          <a:latin typeface="Calibri" panose="020F0502020204030204"/>
+                          <a:ea typeface="宋体" panose="02010600030101010101" pitchFamily="2" charset="-122"/>
+                          <a:cs typeface="Times New Roman" panose="02020603050405020304"/>
                         </a:rPr>
                         <a:t>（符合）</a:t>
                       </a:r>
                       <a:endParaRPr lang="zh-CN" sz="700" kern="100">
-                        <a:latin typeface="Calibri"/>
-                        <a:ea typeface="宋体"/>
-                        <a:cs typeface="Times New Roman"/>
+                        <a:latin typeface="Calibri" panose="020F0502020204030204"/>
+                        <a:ea typeface="宋体" panose="02010600030101010101" pitchFamily="2" charset="-122"/>
+                        <a:cs typeface="Times New Roman" panose="02020603050405020304"/>
                       </a:endParaRPr>
                     </a:p>
                   </a:txBody>
@@ -15356,16 +15086,16 @@
                       </a:pPr>
                       <a:r>
                         <a:rPr lang="en-US" sz="800" kern="100">
-                          <a:latin typeface="宋体"/>
-                          <a:ea typeface="宋体"/>
-                          <a:cs typeface="Times New Roman"/>
+                          <a:latin typeface="宋体" panose="02010600030101010101" pitchFamily="2" charset="-122"/>
+                          <a:ea typeface="宋体" panose="02010600030101010101" pitchFamily="2" charset="-122"/>
+                          <a:cs typeface="Times New Roman" panose="02020603050405020304"/>
                         </a:rPr>
                         <a:t>P</a:t>
                       </a:r>
                       <a:endParaRPr lang="zh-CN" sz="700" kern="100">
-                        <a:latin typeface="Calibri"/>
-                        <a:ea typeface="宋体"/>
-                        <a:cs typeface="Times New Roman"/>
+                        <a:latin typeface="Calibri" panose="020F0502020204030204"/>
+                        <a:ea typeface="宋体" panose="02010600030101010101" pitchFamily="2" charset="-122"/>
+                        <a:cs typeface="Times New Roman" panose="02020603050405020304"/>
                       </a:endParaRPr>
                     </a:p>
                   </a:txBody>
@@ -15421,9 +15151,9 @@
                         </a:spcAft>
                       </a:pPr>
                       <a:endParaRPr lang="en-US" sz="800" kern="100">
-                        <a:latin typeface="宋体"/>
-                        <a:ea typeface="宋体"/>
-                        <a:cs typeface="Times New Roman"/>
+                        <a:latin typeface="宋体" panose="02010600030101010101" pitchFamily="2" charset="-122"/>
+                        <a:ea typeface="宋体" panose="02010600030101010101" pitchFamily="2" charset="-122"/>
+                        <a:cs typeface="Times New Roman" panose="02020603050405020304"/>
                       </a:endParaRPr>
                     </a:p>
                   </a:txBody>
@@ -15467,53 +15197,18 @@
                   </a:tcPr>
                 </a:tc>
                 <a:tc hMerge="1">
-                  <a:txBody>
-                    <a:bodyPr/>
-                    <a:lstStyle/>
-                    <a:p>
-                      <a:endParaRPr lang="zh-CN" altLang="en-US"/>
-                    </a:p>
-                  </a:txBody>
                   <a:tcPr/>
                 </a:tc>
                 <a:tc hMerge="1">
-                  <a:txBody>
-                    <a:bodyPr/>
-                    <a:lstStyle/>
-                    <a:p>
-                      <a:endParaRPr lang="zh-CN" altLang="en-US"/>
-                    </a:p>
-                  </a:txBody>
                   <a:tcPr/>
                 </a:tc>
                 <a:tc hMerge="1">
-                  <a:txBody>
-                    <a:bodyPr/>
-                    <a:lstStyle/>
-                    <a:p>
-                      <a:endParaRPr lang="zh-CN" altLang="en-US"/>
-                    </a:p>
-                  </a:txBody>
                   <a:tcPr/>
                 </a:tc>
                 <a:tc hMerge="1">
-                  <a:txBody>
-                    <a:bodyPr/>
-                    <a:lstStyle/>
-                    <a:p>
-                      <a:endParaRPr lang="zh-CN" altLang="en-US"/>
-                    </a:p>
-                  </a:txBody>
                   <a:tcPr/>
                 </a:tc>
                 <a:tc hMerge="1">
-                  <a:txBody>
-                    <a:bodyPr/>
-                    <a:lstStyle/>
-                    <a:p>
-                      <a:endParaRPr lang="zh-CN" altLang="en-US"/>
-                    </a:p>
-                  </a:txBody>
                   <a:tcPr/>
                 </a:tc>
               </a:tr>
@@ -15530,16 +15225,16 @@
                       </a:pPr>
                       <a:r>
                         <a:rPr lang="zh-CN" sz="800" b="1" kern="100">
-                          <a:latin typeface="Calibri"/>
-                          <a:ea typeface="宋体"/>
-                          <a:cs typeface="Times New Roman"/>
+                          <a:latin typeface="Calibri" panose="020F0502020204030204"/>
+                          <a:ea typeface="宋体" panose="02010600030101010101" pitchFamily="2" charset="-122"/>
+                          <a:cs typeface="Times New Roman" panose="02020603050405020304"/>
                         </a:rPr>
                         <a:t>测试人员</a:t>
                       </a:r>
                       <a:endParaRPr lang="zh-CN" sz="700" kern="100">
-                        <a:latin typeface="Calibri"/>
-                        <a:ea typeface="宋体"/>
-                        <a:cs typeface="Times New Roman"/>
+                        <a:latin typeface="Calibri" panose="020F0502020204030204"/>
+                        <a:ea typeface="宋体" panose="02010600030101010101" pitchFamily="2" charset="-122"/>
+                        <a:cs typeface="Times New Roman" panose="02020603050405020304"/>
                       </a:endParaRPr>
                     </a:p>
                   </a:txBody>
@@ -15594,16 +15289,16 @@
                       </a:pPr>
                       <a:r>
                         <a:rPr lang="zh-CN" sz="800" kern="100">
-                          <a:latin typeface="Calibri"/>
-                          <a:ea typeface="宋体"/>
-                          <a:cs typeface="Times New Roman"/>
+                          <a:latin typeface="Calibri" panose="020F0502020204030204"/>
+                          <a:ea typeface="宋体" panose="02010600030101010101" pitchFamily="2" charset="-122"/>
+                          <a:cs typeface="Times New Roman" panose="02020603050405020304"/>
                         </a:rPr>
                         <a:t>韩佳鑫</a:t>
                       </a:r>
                       <a:endParaRPr lang="zh-CN" sz="700" kern="100">
-                        <a:latin typeface="Calibri"/>
-                        <a:ea typeface="宋体"/>
-                        <a:cs typeface="Times New Roman"/>
+                        <a:latin typeface="Calibri" panose="020F0502020204030204"/>
+                        <a:ea typeface="宋体" panose="02010600030101010101" pitchFamily="2" charset="-122"/>
+                        <a:cs typeface="Times New Roman" panose="02020603050405020304"/>
                       </a:endParaRPr>
                     </a:p>
                   </a:txBody>
@@ -15658,16 +15353,16 @@
                       </a:pPr>
                       <a:r>
                         <a:rPr lang="zh-CN" sz="800" b="1" kern="100">
-                          <a:latin typeface="Calibri"/>
-                          <a:ea typeface="宋体"/>
-                          <a:cs typeface="Times New Roman"/>
+                          <a:latin typeface="Calibri" panose="020F0502020204030204"/>
+                          <a:ea typeface="宋体" panose="02010600030101010101" pitchFamily="2" charset="-122"/>
+                          <a:cs typeface="Times New Roman" panose="02020603050405020304"/>
                         </a:rPr>
                         <a:t>开发人员</a:t>
                       </a:r>
                       <a:endParaRPr lang="zh-CN" sz="700" kern="100">
-                        <a:latin typeface="Calibri"/>
-                        <a:ea typeface="宋体"/>
-                        <a:cs typeface="Times New Roman"/>
+                        <a:latin typeface="Calibri" panose="020F0502020204030204"/>
+                        <a:ea typeface="宋体" panose="02010600030101010101" pitchFamily="2" charset="-122"/>
+                        <a:cs typeface="Times New Roman" panose="02020603050405020304"/>
                       </a:endParaRPr>
                     </a:p>
                   </a:txBody>
@@ -15722,24 +15417,24 @@
                       </a:pPr>
                       <a:r>
                         <a:rPr lang="en-US" sz="800" kern="100">
-                          <a:latin typeface="宋体"/>
-                          <a:ea typeface="宋体"/>
-                          <a:cs typeface="Times New Roman"/>
+                          <a:latin typeface="宋体" panose="02010600030101010101" pitchFamily="2" charset="-122"/>
+                          <a:ea typeface="宋体" panose="02010600030101010101" pitchFamily="2" charset="-122"/>
+                          <a:cs typeface="Times New Roman" panose="02020603050405020304"/>
                         </a:rPr>
                         <a:t>PRD-14</a:t>
                       </a:r>
                       <a:r>
                         <a:rPr lang="zh-CN" sz="800" kern="100">
-                          <a:latin typeface="Calibri"/>
-                          <a:ea typeface="宋体"/>
-                          <a:cs typeface="Times New Roman"/>
+                          <a:latin typeface="Calibri" panose="020F0502020204030204"/>
+                          <a:ea typeface="宋体" panose="02010600030101010101" pitchFamily="2" charset="-122"/>
+                          <a:cs typeface="Times New Roman" panose="02020603050405020304"/>
                         </a:rPr>
                         <a:t>小组</a:t>
                       </a:r>
                       <a:endParaRPr lang="zh-CN" sz="700" kern="100">
-                        <a:latin typeface="Calibri"/>
-                        <a:ea typeface="宋体"/>
-                        <a:cs typeface="Times New Roman"/>
+                        <a:latin typeface="Calibri" panose="020F0502020204030204"/>
+                        <a:ea typeface="宋体" panose="02010600030101010101" pitchFamily="2" charset="-122"/>
+                        <a:cs typeface="Times New Roman" panose="02020603050405020304"/>
                       </a:endParaRPr>
                     </a:p>
                   </a:txBody>
@@ -15794,16 +15489,16 @@
                       </a:pPr>
                       <a:r>
                         <a:rPr lang="zh-CN" sz="800" b="1" kern="100">
-                          <a:latin typeface="Calibri"/>
-                          <a:ea typeface="宋体"/>
-                          <a:cs typeface="Times New Roman"/>
+                          <a:latin typeface="Calibri" panose="020F0502020204030204"/>
+                          <a:ea typeface="宋体" panose="02010600030101010101" pitchFamily="2" charset="-122"/>
+                          <a:cs typeface="Times New Roman" panose="02020603050405020304"/>
                         </a:rPr>
                         <a:t>项目经理</a:t>
                       </a:r>
                       <a:endParaRPr lang="zh-CN" sz="700" kern="100">
-                        <a:latin typeface="Calibri"/>
-                        <a:ea typeface="宋体"/>
-                        <a:cs typeface="Times New Roman"/>
+                        <a:latin typeface="Calibri" panose="020F0502020204030204"/>
+                        <a:ea typeface="宋体" panose="02010600030101010101" pitchFamily="2" charset="-122"/>
+                        <a:cs typeface="Times New Roman" panose="02020603050405020304"/>
                       </a:endParaRPr>
                     </a:p>
                   </a:txBody>
@@ -15858,16 +15553,16 @@
                       </a:pPr>
                       <a:r>
                         <a:rPr lang="zh-CN" sz="800" kern="100" dirty="0">
-                          <a:latin typeface="Calibri"/>
-                          <a:ea typeface="宋体"/>
-                          <a:cs typeface="Times New Roman"/>
+                          <a:latin typeface="Calibri" panose="020F0502020204030204"/>
+                          <a:ea typeface="宋体" panose="02010600030101010101" pitchFamily="2" charset="-122"/>
+                          <a:cs typeface="Times New Roman" panose="02020603050405020304"/>
                         </a:rPr>
                         <a:t>韩佳鑫</a:t>
                       </a:r>
                       <a:endParaRPr lang="zh-CN" sz="700" kern="100" dirty="0">
-                        <a:latin typeface="Calibri"/>
-                        <a:ea typeface="宋体"/>
-                        <a:cs typeface="Times New Roman"/>
+                        <a:latin typeface="Calibri" panose="020F0502020204030204"/>
+                        <a:ea typeface="宋体" panose="02010600030101010101" pitchFamily="2" charset="-122"/>
+                        <a:cs typeface="Times New Roman" panose="02020603050405020304"/>
                       </a:endParaRPr>
                     </a:p>
                   </a:txBody>
@@ -15921,7 +15616,7 @@
     <a:masterClrMapping/>
   </p:clrMapOvr>
   <mc:AlternateContent xmlns:mc="http://schemas.openxmlformats.org/markup-compatibility/2006">
-    <mc:Choice xmlns:p14="http://schemas.microsoft.com/office/powerpoint/2010/main" xmlns="" Requires="p14">
+    <mc:Choice xmlns:p14="http://schemas.microsoft.com/office/powerpoint/2010/main" Requires="p14">
       <p:transition spd="slow" p14:dur="1100">
         <p14:switch dir="r"/>
       </p:transition>
@@ -16182,7 +15877,7 @@
     <a:masterClrMapping/>
   </p:clrMapOvr>
   <mc:AlternateContent xmlns:mc="http://schemas.openxmlformats.org/markup-compatibility/2006">
-    <mc:Choice xmlns:p14="http://schemas.microsoft.com/office/powerpoint/2010/main" xmlns="" Requires="p14">
+    <mc:Choice xmlns:p14="http://schemas.microsoft.com/office/powerpoint/2010/main" Requires="p14">
       <p:transition spd="slow" p14:dur="1100">
         <p14:switch dir="r"/>
       </p:transition>
@@ -16398,6 +16093,13 @@
               </a:rPr>
               <a:t>目录</a:t>
             </a:r>
+            <a:endParaRPr lang="zh-CN" altLang="en-US" sz="2000" b="1" spc="600" dirty="0" smtClean="0">
+              <a:solidFill>
+                <a:srgbClr val="0070C0"/>
+              </a:solidFill>
+              <a:latin typeface="微软雅黑" panose="020B0503020204020204" pitchFamily="34" charset="-122"/>
+              <a:ea typeface="微软雅黑" panose="020B0503020204020204" pitchFamily="34" charset="-122"/>
+            </a:endParaRPr>
           </a:p>
         </p:txBody>
       </p:sp>
@@ -16464,6 +16166,10 @@
                 </a:rPr>
                 <a:t> </a:t>
               </a:r>
+              <a:endParaRPr lang="en-US" altLang="zh-CN" dirty="0" smtClean="0">
+                <a:latin typeface="微软雅黑" panose="020B0503020204020204" pitchFamily="34" charset="-122"/>
+                <a:ea typeface="微软雅黑" panose="020B0503020204020204" pitchFamily="34" charset="-122"/>
+              </a:endParaRPr>
             </a:p>
           </p:txBody>
         </p:sp>
@@ -16535,6 +16241,13 @@
               </a:rPr>
               <a:t>1</a:t>
             </a:r>
+            <a:endParaRPr lang="en-US" altLang="zh-CN" dirty="0" smtClean="0">
+              <a:solidFill>
+                <a:schemeClr val="bg1"/>
+              </a:solidFill>
+              <a:latin typeface="微软雅黑" panose="020B0503020204020204" pitchFamily="34" charset="-122"/>
+              <a:ea typeface="微软雅黑" panose="020B0503020204020204" pitchFamily="34" charset="-122"/>
+            </a:endParaRPr>
           </a:p>
         </p:txBody>
       </p:sp>
@@ -16570,6 +16283,13 @@
               </a:rPr>
               <a:t>软件需求变更文档</a:t>
             </a:r>
+            <a:endParaRPr lang="zh-CN" altLang="en-US" dirty="0" smtClean="0">
+              <a:solidFill>
+                <a:schemeClr val="bg1"/>
+              </a:solidFill>
+              <a:latin typeface="微软雅黑" panose="020B0503020204020204" pitchFamily="34" charset="-122"/>
+              <a:ea typeface="微软雅黑" panose="020B0503020204020204" pitchFamily="34" charset="-122"/>
+            </a:endParaRPr>
           </a:p>
         </p:txBody>
       </p:sp>
@@ -16636,6 +16356,10 @@
                 </a:rPr>
                 <a:t> </a:t>
               </a:r>
+              <a:endParaRPr lang="en-US" altLang="zh-CN" dirty="0" smtClean="0">
+                <a:latin typeface="微软雅黑" panose="020B0503020204020204" pitchFamily="34" charset="-122"/>
+                <a:ea typeface="微软雅黑" panose="020B0503020204020204" pitchFamily="34" charset="-122"/>
+              </a:endParaRPr>
             </a:p>
           </p:txBody>
         </p:sp>
@@ -16707,6 +16431,13 @@
               </a:rPr>
               <a:t>2</a:t>
             </a:r>
+            <a:endParaRPr lang="en-US" altLang="zh-CN" dirty="0" smtClean="0">
+              <a:solidFill>
+                <a:schemeClr val="bg1"/>
+              </a:solidFill>
+              <a:latin typeface="微软雅黑" panose="020B0503020204020204" pitchFamily="34" charset="-122"/>
+              <a:ea typeface="微软雅黑" panose="020B0503020204020204" pitchFamily="34" charset="-122"/>
+            </a:endParaRPr>
           </a:p>
         </p:txBody>
       </p:sp>
@@ -16742,6 +16473,13 @@
               </a:rPr>
               <a:t>阶段项目会议</a:t>
             </a:r>
+            <a:endParaRPr lang="zh-CN" altLang="en-US" dirty="0" smtClean="0">
+              <a:solidFill>
+                <a:schemeClr val="bg1"/>
+              </a:solidFill>
+              <a:latin typeface="微软雅黑" panose="020B0503020204020204" pitchFamily="34" charset="-122"/>
+              <a:ea typeface="微软雅黑" panose="020B0503020204020204" pitchFamily="34" charset="-122"/>
+            </a:endParaRPr>
           </a:p>
         </p:txBody>
       </p:sp>
@@ -16808,6 +16546,10 @@
                 </a:rPr>
                 <a:t> </a:t>
               </a:r>
+              <a:endParaRPr lang="en-US" altLang="zh-CN" dirty="0" smtClean="0">
+                <a:latin typeface="微软雅黑" panose="020B0503020204020204" pitchFamily="34" charset="-122"/>
+                <a:ea typeface="微软雅黑" panose="020B0503020204020204" pitchFamily="34" charset="-122"/>
+              </a:endParaRPr>
             </a:p>
           </p:txBody>
         </p:sp>
@@ -16879,6 +16621,13 @@
               </a:rPr>
               <a:t>3</a:t>
             </a:r>
+            <a:endParaRPr lang="en-US" altLang="zh-CN" dirty="0" smtClean="0">
+              <a:solidFill>
+                <a:schemeClr val="bg1"/>
+              </a:solidFill>
+              <a:latin typeface="微软雅黑" panose="020B0503020204020204" pitchFamily="34" charset="-122"/>
+              <a:ea typeface="微软雅黑" panose="020B0503020204020204" pitchFamily="34" charset="-122"/>
+            </a:endParaRPr>
           </a:p>
         </p:txBody>
       </p:sp>
@@ -16914,6 +16663,13 @@
               </a:rPr>
               <a:t>内部评审</a:t>
             </a:r>
+            <a:endParaRPr lang="zh-CN" altLang="en-US" dirty="0" smtClean="0">
+              <a:solidFill>
+                <a:schemeClr val="bg1"/>
+              </a:solidFill>
+              <a:latin typeface="微软雅黑" panose="020B0503020204020204" pitchFamily="34" charset="-122"/>
+              <a:ea typeface="微软雅黑" panose="020B0503020204020204" pitchFamily="34" charset="-122"/>
+            </a:endParaRPr>
           </a:p>
         </p:txBody>
       </p:sp>
@@ -16980,6 +16736,10 @@
                 </a:rPr>
                 <a:t> </a:t>
               </a:r>
+              <a:endParaRPr lang="en-US" altLang="zh-CN" dirty="0" smtClean="0">
+                <a:latin typeface="微软雅黑" panose="020B0503020204020204" pitchFamily="34" charset="-122"/>
+                <a:ea typeface="微软雅黑" panose="020B0503020204020204" pitchFamily="34" charset="-122"/>
+              </a:endParaRPr>
             </a:p>
           </p:txBody>
         </p:sp>
@@ -17051,6 +16811,13 @@
               </a:rPr>
               <a:t>4</a:t>
             </a:r>
+            <a:endParaRPr lang="en-US" altLang="zh-CN" dirty="0" smtClean="0">
+              <a:solidFill>
+                <a:schemeClr val="bg1"/>
+              </a:solidFill>
+              <a:latin typeface="微软雅黑" panose="020B0503020204020204" pitchFamily="34" charset="-122"/>
+              <a:ea typeface="微软雅黑" panose="020B0503020204020204" pitchFamily="34" charset="-122"/>
+            </a:endParaRPr>
           </a:p>
         </p:txBody>
       </p:sp>
@@ -17086,6 +16853,13 @@
               </a:rPr>
               <a:t>配置管理工具</a:t>
             </a:r>
+            <a:endParaRPr lang="zh-CN" altLang="en-US" dirty="0" smtClean="0">
+              <a:solidFill>
+                <a:schemeClr val="bg1"/>
+              </a:solidFill>
+              <a:latin typeface="微软雅黑" panose="020B0503020204020204" pitchFamily="34" charset="-122"/>
+              <a:ea typeface="微软雅黑" panose="020B0503020204020204" pitchFamily="34" charset="-122"/>
+            </a:endParaRPr>
           </a:p>
         </p:txBody>
       </p:sp>
@@ -17152,6 +16926,10 @@
                 </a:rPr>
                 <a:t> </a:t>
               </a:r>
+              <a:endParaRPr lang="en-US" altLang="zh-CN" dirty="0" smtClean="0">
+                <a:latin typeface="微软雅黑" panose="020B0503020204020204" pitchFamily="34" charset="-122"/>
+                <a:ea typeface="微软雅黑" panose="020B0503020204020204" pitchFamily="34" charset="-122"/>
+              </a:endParaRPr>
             </a:p>
           </p:txBody>
         </p:sp>
@@ -17223,6 +17001,13 @@
               </a:rPr>
               <a:t>5</a:t>
             </a:r>
+            <a:endParaRPr lang="en-US" altLang="zh-CN" dirty="0" smtClean="0">
+              <a:solidFill>
+                <a:schemeClr val="bg1"/>
+              </a:solidFill>
+              <a:latin typeface="微软雅黑" panose="020B0503020204020204" pitchFamily="34" charset="-122"/>
+              <a:ea typeface="微软雅黑" panose="020B0503020204020204" pitchFamily="34" charset="-122"/>
+            </a:endParaRPr>
           </a:p>
         </p:txBody>
       </p:sp>
@@ -17258,6 +17043,13 @@
               </a:rPr>
               <a:t>需求管理工具</a:t>
             </a:r>
+            <a:endParaRPr lang="zh-CN" altLang="en-US" dirty="0" smtClean="0">
+              <a:solidFill>
+                <a:schemeClr val="bg1"/>
+              </a:solidFill>
+              <a:latin typeface="微软雅黑" panose="020B0503020204020204" pitchFamily="34" charset="-122"/>
+              <a:ea typeface="微软雅黑" panose="020B0503020204020204" pitchFamily="34" charset="-122"/>
+            </a:endParaRPr>
           </a:p>
         </p:txBody>
       </p:sp>
@@ -17324,6 +17116,10 @@
                 </a:rPr>
                 <a:t> </a:t>
               </a:r>
+              <a:endParaRPr lang="en-US" altLang="zh-CN" dirty="0" smtClean="0">
+                <a:latin typeface="微软雅黑" panose="020B0503020204020204" pitchFamily="34" charset="-122"/>
+                <a:ea typeface="微软雅黑" panose="020B0503020204020204" pitchFamily="34" charset="-122"/>
+              </a:endParaRPr>
             </a:p>
           </p:txBody>
         </p:sp>
@@ -17395,6 +17191,13 @@
               </a:rPr>
               <a:t>6</a:t>
             </a:r>
+            <a:endParaRPr lang="en-US" altLang="zh-CN" dirty="0" smtClean="0">
+              <a:solidFill>
+                <a:schemeClr val="bg1"/>
+              </a:solidFill>
+              <a:latin typeface="微软雅黑" panose="020B0503020204020204" pitchFamily="34" charset="-122"/>
+              <a:ea typeface="微软雅黑" panose="020B0503020204020204" pitchFamily="34" charset="-122"/>
+            </a:endParaRPr>
           </a:p>
         </p:txBody>
       </p:sp>
@@ -17430,6 +17233,13 @@
               </a:rPr>
               <a:t>用户需求变化</a:t>
             </a:r>
+            <a:endParaRPr lang="zh-CN" altLang="en-US" dirty="0" smtClean="0">
+              <a:solidFill>
+                <a:schemeClr val="bg1"/>
+              </a:solidFill>
+              <a:latin typeface="微软雅黑" panose="020B0503020204020204" pitchFamily="34" charset="-122"/>
+              <a:ea typeface="微软雅黑" panose="020B0503020204020204" pitchFamily="34" charset="-122"/>
+            </a:endParaRPr>
           </a:p>
         </p:txBody>
       </p:sp>
@@ -17496,6 +17306,10 @@
                 </a:rPr>
                 <a:t> </a:t>
               </a:r>
+              <a:endParaRPr lang="en-US" altLang="zh-CN" dirty="0" smtClean="0">
+                <a:latin typeface="微软雅黑" panose="020B0503020204020204" pitchFamily="34" charset="-122"/>
+                <a:ea typeface="微软雅黑" panose="020B0503020204020204" pitchFamily="34" charset="-122"/>
+              </a:endParaRPr>
             </a:p>
           </p:txBody>
         </p:sp>
@@ -17567,6 +17381,13 @@
               </a:rPr>
               <a:t>7</a:t>
             </a:r>
+            <a:endParaRPr lang="en-US" dirty="0" smtClean="0">
+              <a:solidFill>
+                <a:schemeClr val="bg1"/>
+              </a:solidFill>
+              <a:latin typeface="微软雅黑" panose="020B0503020204020204" pitchFamily="34" charset="-122"/>
+              <a:ea typeface="微软雅黑" panose="020B0503020204020204" pitchFamily="34" charset="-122"/>
+            </a:endParaRPr>
           </a:p>
         </p:txBody>
       </p:sp>
@@ -17675,6 +17496,10 @@
                 </a:rPr>
                 <a:t> </a:t>
               </a:r>
+              <a:endParaRPr lang="en-US" altLang="zh-CN" dirty="0" smtClean="0">
+                <a:latin typeface="微软雅黑" panose="020B0503020204020204" pitchFamily="34" charset="-122"/>
+                <a:ea typeface="微软雅黑" panose="020B0503020204020204" pitchFamily="34" charset="-122"/>
+              </a:endParaRPr>
             </a:p>
           </p:txBody>
         </p:sp>
@@ -17746,6 +17571,13 @@
               </a:rPr>
               <a:t>8</a:t>
             </a:r>
+            <a:endParaRPr lang="en-US" altLang="zh-CN" dirty="0" smtClean="0">
+              <a:solidFill>
+                <a:schemeClr val="bg1"/>
+              </a:solidFill>
+              <a:latin typeface="微软雅黑" panose="020B0503020204020204" pitchFamily="34" charset="-122"/>
+              <a:ea typeface="微软雅黑" panose="020B0503020204020204" pitchFamily="34" charset="-122"/>
+            </a:endParaRPr>
           </a:p>
         </p:txBody>
       </p:sp>
@@ -17781,6 +17613,13 @@
               </a:rPr>
               <a:t>项目计划</a:t>
             </a:r>
+            <a:endParaRPr lang="zh-CN" altLang="en-US" dirty="0" smtClean="0">
+              <a:solidFill>
+                <a:schemeClr val="bg1"/>
+              </a:solidFill>
+              <a:latin typeface="微软雅黑" panose="020B0503020204020204" pitchFamily="34" charset="-122"/>
+              <a:ea typeface="微软雅黑" panose="020B0503020204020204" pitchFamily="34" charset="-122"/>
+            </a:endParaRPr>
           </a:p>
         </p:txBody>
       </p:sp>
@@ -17847,6 +17686,10 @@
                 </a:rPr>
                 <a:t> </a:t>
               </a:r>
+              <a:endParaRPr lang="en-US" altLang="zh-CN" dirty="0" smtClean="0">
+                <a:latin typeface="微软雅黑" panose="020B0503020204020204" pitchFamily="34" charset="-122"/>
+                <a:ea typeface="微软雅黑" panose="020B0503020204020204" pitchFamily="34" charset="-122"/>
+              </a:endParaRPr>
             </a:p>
           </p:txBody>
         </p:sp>
@@ -17918,6 +17761,13 @@
               </a:rPr>
               <a:t>9</a:t>
             </a:r>
+            <a:endParaRPr lang="en-US" altLang="zh-CN" dirty="0" smtClean="0">
+              <a:solidFill>
+                <a:schemeClr val="bg1"/>
+              </a:solidFill>
+              <a:latin typeface="微软雅黑" panose="020B0503020204020204" pitchFamily="34" charset="-122"/>
+              <a:ea typeface="微软雅黑" panose="020B0503020204020204" pitchFamily="34" charset="-122"/>
+            </a:endParaRPr>
           </a:p>
         </p:txBody>
       </p:sp>
@@ -18026,6 +17876,10 @@
                 </a:rPr>
                 <a:t> </a:t>
               </a:r>
+              <a:endParaRPr lang="en-US" altLang="zh-CN" dirty="0" smtClean="0">
+                <a:latin typeface="微软雅黑" panose="020B0503020204020204" pitchFamily="34" charset="-122"/>
+                <a:ea typeface="微软雅黑" panose="020B0503020204020204" pitchFamily="34" charset="-122"/>
+              </a:endParaRPr>
             </a:p>
           </p:txBody>
         </p:sp>
@@ -18097,6 +17951,13 @@
               </a:rPr>
               <a:t>10</a:t>
             </a:r>
+            <a:endParaRPr lang="en-US" altLang="zh-CN" dirty="0" smtClean="0">
+              <a:solidFill>
+                <a:schemeClr val="bg1"/>
+              </a:solidFill>
+              <a:latin typeface="微软雅黑" panose="020B0503020204020204" pitchFamily="34" charset="-122"/>
+              <a:ea typeface="微软雅黑" panose="020B0503020204020204" pitchFamily="34" charset="-122"/>
+            </a:endParaRPr>
           </a:p>
         </p:txBody>
       </p:sp>
@@ -18132,6 +17993,13 @@
               </a:rPr>
               <a:t>绩效评分</a:t>
             </a:r>
+            <a:endParaRPr lang="zh-CN" altLang="en-US" dirty="0" smtClean="0">
+              <a:solidFill>
+                <a:schemeClr val="bg1"/>
+              </a:solidFill>
+              <a:latin typeface="微软雅黑" panose="020B0503020204020204" pitchFamily="34" charset="-122"/>
+              <a:ea typeface="微软雅黑" panose="020B0503020204020204" pitchFamily="34" charset="-122"/>
+            </a:endParaRPr>
           </a:p>
         </p:txBody>
       </p:sp>
@@ -20730,7 +20598,7 @@
     <a:masterClrMapping/>
   </p:clrMapOvr>
   <mc:AlternateContent xmlns:mc="http://schemas.openxmlformats.org/markup-compatibility/2006">
-    <mc:Choice xmlns:p14="http://schemas.microsoft.com/office/powerpoint/2010/main" xmlns="" Requires="p14">
+    <mc:Choice xmlns:p14="http://schemas.microsoft.com/office/powerpoint/2010/main" Requires="p14">
       <p:transition spd="slow" p14:dur="1100">
         <p14:switch dir="r"/>
       </p:transition>
@@ -20964,7 +20832,7 @@
           <p:nvPr/>
         </p:nvPicPr>
         <p:blipFill>
-          <a:blip r:embed="rId3"/>
+          <a:blip r:embed="rId1"/>
           <a:srcRect/>
           <a:stretch>
             <a:fillRect/>
@@ -20994,7 +20862,7 @@
     <a:masterClrMapping/>
   </p:clrMapOvr>
   <mc:AlternateContent xmlns:mc="http://schemas.openxmlformats.org/markup-compatibility/2006">
-    <mc:Choice xmlns:p14="http://schemas.microsoft.com/office/powerpoint/2010/main" xmlns="" Requires="p14">
+    <mc:Choice xmlns:p14="http://schemas.microsoft.com/office/powerpoint/2010/main" Requires="p14">
       <p:transition spd="slow" p14:dur="1100">
         <p14:switch dir="r"/>
       </p:transition>
@@ -21391,6 +21259,14 @@
               </a:rPr>
               <a:t>需求变更影响分析</a:t>
             </a:r>
+            <a:endParaRPr lang="zh-CN" altLang="en-US" sz="1700" b="1" dirty="0" smtClean="0">
+              <a:solidFill>
+                <a:srgbClr val="0070C0"/>
+              </a:solidFill>
+              <a:latin typeface="微软雅黑" panose="020B0503020204020204" pitchFamily="34" charset="-122"/>
+              <a:ea typeface="微软雅黑" panose="020B0503020204020204" pitchFamily="34" charset="-122"/>
+              <a:sym typeface="+mn-ea"/>
+            </a:endParaRPr>
           </a:p>
         </p:txBody>
       </p:sp>
@@ -21463,11 +21339,11 @@
             <p:nvPr/>
           </p:nvPicPr>
           <p:blipFill>
-            <a:blip r:embed="rId3">
+            <a:blip r:embed="rId1">
               <a:biLevel thresh="25000"/>
               <a:extLst>
                 <a:ext uri="{28A0092B-C50C-407E-A947-70E740481C1C}">
-                  <a14:useLocalDpi xmlns:a14="http://schemas.microsoft.com/office/drawing/2010/main" xmlns="" val="0"/>
+                  <a14:useLocalDpi xmlns:a14="http://schemas.microsoft.com/office/drawing/2010/main" val="0"/>
                 </a:ext>
               </a:extLst>
             </a:blip>
@@ -22434,6 +22310,7 @@
               <a:rPr lang="zh-CN" altLang="en-US" dirty="0" smtClean="0"/>
               <a:t>影响到的模块有教师个人中心和课程中的教师介绍</a:t>
             </a:r>
+            <a:endParaRPr lang="zh-CN" altLang="en-US" dirty="0" smtClean="0"/>
           </a:p>
           <a:p>
             <a:pPr lvl="0"/>
@@ -22441,6 +22318,7 @@
               <a:rPr lang="zh-CN" altLang="en-US" dirty="0" smtClean="0"/>
               <a:t>造成的影响范围不大，花费的成本提高，项目整体质量基本无影响。</a:t>
             </a:r>
+            <a:endParaRPr lang="zh-CN" altLang="en-US" dirty="0" smtClean="0"/>
           </a:p>
           <a:p>
             <a:pPr lvl="0"/>
@@ -22448,6 +22326,7 @@
               <a:rPr lang="zh-CN" altLang="en-US" dirty="0" smtClean="0"/>
               <a:t>技术风险：变更后的需求可能在开发过程中遇到技术难题，导致开发延迟或需求不得不发生变更。质量风险：变更后的项目不能满足用户的需要。</a:t>
             </a:r>
+            <a:endParaRPr lang="zh-CN" altLang="en-US" dirty="0" smtClean="0"/>
           </a:p>
           <a:p>
             <a:endParaRPr lang="zh-CN" altLang="en-US" dirty="0"/>
@@ -22460,7 +22339,7 @@
     <a:masterClrMapping/>
   </p:clrMapOvr>
   <mc:AlternateContent xmlns:mc="http://schemas.openxmlformats.org/markup-compatibility/2006">
-    <mc:Choice xmlns:p14="http://schemas.microsoft.com/office/powerpoint/2010/main" xmlns="" Requires="p14">
+    <mc:Choice xmlns:p14="http://schemas.microsoft.com/office/powerpoint/2010/main" Requires="p14">
       <p:transition spd="slow" p14:dur="1100">
         <p14:switch dir="r"/>
       </p:transition>
@@ -22937,11 +22816,11 @@
             <p:nvPr/>
           </p:nvPicPr>
           <p:blipFill>
-            <a:blip r:embed="rId3">
+            <a:blip r:embed="rId1">
               <a:biLevel thresh="25000"/>
               <a:extLst>
                 <a:ext uri="{28A0092B-C50C-407E-A947-70E740481C1C}">
-                  <a14:useLocalDpi xmlns:a14="http://schemas.microsoft.com/office/drawing/2010/main" xmlns="" val="0"/>
+                  <a14:useLocalDpi xmlns:a14="http://schemas.microsoft.com/office/drawing/2010/main" val="0"/>
                 </a:ext>
               </a:extLst>
             </a:blip>
@@ -23880,60 +23759,37 @@
           </a:p>
         </p:txBody>
       </p:sp>
-      <p:sp>
-        <p:nvSpPr>
-          <p:cNvPr id="6" name="TextBox 5"/>
-          <p:cNvSpPr txBox="1"/>
+      <p:pic>
+        <p:nvPicPr>
+          <p:cNvPr id="4" name="图片 3"/>
+          <p:cNvPicPr>
+            <a:picLocks noChangeAspect="1"/>
+          </p:cNvPicPr>
           <p:nvPr/>
-        </p:nvSpPr>
+        </p:nvPicPr>
+        <p:blipFill>
+          <a:blip r:embed="rId1"/>
+          <a:stretch>
+            <a:fillRect/>
+          </a:stretch>
+        </p:blipFill>
         <p:spPr>
           <a:xfrm>
-            <a:off x="1785918" y="1714492"/>
-            <a:ext cx="4714908" cy="2585323"/>
+            <a:off x="304800" y="479425"/>
+            <a:ext cx="8672195" cy="3128010"/>
           </a:xfrm>
           <a:prstGeom prst="rect">
             <a:avLst/>
           </a:prstGeom>
-          <a:noFill/>
         </p:spPr>
-        <p:txBody>
-          <a:bodyPr wrap="square" rtlCol="0">
-            <a:spAutoFit/>
-          </a:bodyPr>
-          <a:lstStyle/>
-          <a:p>
-            <a:pPr lvl="0"/>
-            <a:r>
-              <a:rPr lang="zh-CN" altLang="en-US" dirty="0" smtClean="0"/>
-              <a:t>影响到的模块有教师个人中心和课程中的教师介绍</a:t>
-            </a:r>
-          </a:p>
-          <a:p>
-            <a:pPr lvl="0"/>
-            <a:r>
-              <a:rPr lang="zh-CN" altLang="en-US" dirty="0" smtClean="0"/>
-              <a:t>造成的影响范围不大，花费的成本提高，项目整体质量基本无影响。</a:t>
-            </a:r>
-          </a:p>
-          <a:p>
-            <a:pPr lvl="0"/>
-            <a:r>
-              <a:rPr lang="zh-CN" altLang="en-US" dirty="0" smtClean="0"/>
-              <a:t>技术风险：变更后的需求可能在开发过程中遇到技术难题，导致开发延迟或需求不得不发生变更。质量风险：变更后的项目不能满足用户的需要。</a:t>
-            </a:r>
-          </a:p>
-          <a:p>
-            <a:endParaRPr lang="zh-CN" altLang="en-US" dirty="0"/>
-          </a:p>
-        </p:txBody>
-      </p:sp>
+      </p:pic>
     </p:spTree>
   </p:cSld>
   <p:clrMapOvr>
     <a:masterClrMapping/>
   </p:clrMapOvr>
   <mc:AlternateContent xmlns:mc="http://schemas.openxmlformats.org/markup-compatibility/2006">
-    <mc:Choice xmlns:p14="http://schemas.microsoft.com/office/powerpoint/2010/main" xmlns="" Requires="p14">
+    <mc:Choice xmlns:p14="http://schemas.microsoft.com/office/powerpoint/2010/main" Requires="p14">
       <p:transition spd="slow" p14:dur="1100">
         <p14:switch dir="r"/>
       </p:transition>
@@ -24410,11 +24266,11 @@
             <p:nvPr/>
           </p:nvPicPr>
           <p:blipFill>
-            <a:blip r:embed="rId3">
+            <a:blip r:embed="rId1">
               <a:biLevel thresh="25000"/>
               <a:extLst>
                 <a:ext uri="{28A0092B-C50C-407E-A947-70E740481C1C}">
-                  <a14:useLocalDpi xmlns:a14="http://schemas.microsoft.com/office/drawing/2010/main" xmlns="" val="0"/>
+                  <a14:useLocalDpi xmlns:a14="http://schemas.microsoft.com/office/drawing/2010/main" val="0"/>
                 </a:ext>
               </a:extLst>
             </a:blip>
@@ -25396,7 +25252,7 @@
     <a:masterClrMapping/>
   </p:clrMapOvr>
   <mc:AlternateContent xmlns:mc="http://schemas.openxmlformats.org/markup-compatibility/2006">
-    <mc:Choice xmlns:p14="http://schemas.microsoft.com/office/powerpoint/2010/main" xmlns="" Requires="p14">
+    <mc:Choice xmlns:p14="http://schemas.microsoft.com/office/powerpoint/2010/main" Requires="p14">
       <p:transition spd="slow" p14:dur="1100">
         <p14:switch dir="r"/>
       </p:transition>
@@ -25784,6 +25640,14 @@
               </a:rPr>
               <a:t>绩效点评</a:t>
             </a:r>
+            <a:endParaRPr lang="zh-CN" altLang="en-US" sz="1700" b="1" dirty="0" smtClean="0">
+              <a:solidFill>
+                <a:srgbClr val="0070C0"/>
+              </a:solidFill>
+              <a:latin typeface="微软雅黑" panose="020B0503020204020204" pitchFamily="34" charset="-122"/>
+              <a:ea typeface="微软雅黑" panose="020B0503020204020204" pitchFamily="34" charset="-122"/>
+              <a:sym typeface="+mn-ea"/>
+            </a:endParaRPr>
           </a:p>
         </p:txBody>
       </p:sp>
@@ -25856,11 +25720,11 @@
             <p:nvPr/>
           </p:nvPicPr>
           <p:blipFill>
-            <a:blip r:embed="rId3">
+            <a:blip r:embed="rId1">
               <a:biLevel thresh="25000"/>
               <a:extLst>
                 <a:ext uri="{28A0092B-C50C-407E-A947-70E740481C1C}">
-                  <a14:useLocalDpi xmlns:a14="http://schemas.microsoft.com/office/drawing/2010/main" xmlns="" val="0"/>
+                  <a14:useLocalDpi xmlns:a14="http://schemas.microsoft.com/office/drawing/2010/main" val="0"/>
                 </a:ext>
               </a:extLst>
             </a:blip>
@@ -25885,7 +25749,7 @@
     <a:masterClrMapping/>
   </p:clrMapOvr>
   <mc:AlternateContent xmlns:mc="http://schemas.openxmlformats.org/markup-compatibility/2006">
-    <mc:Choice xmlns:p14="http://schemas.microsoft.com/office/powerpoint/2010/main" xmlns="" Requires="p14">
+    <mc:Choice xmlns:p14="http://schemas.microsoft.com/office/powerpoint/2010/main" Requires="p14">
       <p:transition spd="slow" p14:dur="1400">
         <p:blinds/>
       </p:transition>
@@ -26856,11 +26720,7 @@
           <a:p>
             <a:r>
               <a:rPr lang="zh-CN" altLang="en-US" dirty="0" smtClean="0"/>
-              <a:t>胡泽</a:t>
-            </a:r>
-            <a:r>
-              <a:rPr lang="zh-CN" altLang="en-US" dirty="0" smtClean="0"/>
-              <a:t>宇：</a:t>
+              <a:t>胡泽宇：</a:t>
             </a:r>
             <a:r>
               <a:rPr lang="en-US" altLang="zh-CN" dirty="0" smtClean="0"/>
@@ -26898,11 +26758,7 @@
           <a:p>
             <a:r>
               <a:rPr lang="zh-CN" altLang="en-US" dirty="0" smtClean="0"/>
-              <a:t>金志</a:t>
-            </a:r>
-            <a:r>
-              <a:rPr lang="zh-CN" altLang="en-US" dirty="0" smtClean="0"/>
-              <a:t>超：需求管理工具使用、需求变更报告编写   </a:t>
+              <a:t>金志超：需求管理工具使用、需求变更报告编写   </a:t>
             </a:r>
             <a:r>
               <a:rPr lang="en-US" altLang="zh-CN" dirty="0" smtClean="0"/>
@@ -26945,7 +26801,7 @@
     <a:masterClrMapping/>
   </p:clrMapOvr>
   <mc:AlternateContent xmlns:mc="http://schemas.openxmlformats.org/markup-compatibility/2006">
-    <mc:Choice xmlns:p14="http://schemas.microsoft.com/office/powerpoint/2010/main" xmlns="" Requires="p14">
+    <mc:Choice xmlns:p14="http://schemas.microsoft.com/office/powerpoint/2010/main" Requires="p14">
       <p:transition spd="slow" p14:dur="1100">
         <p14:switch dir="r"/>
       </p:transition>
@@ -27329,6 +27185,14 @@
               </a:rPr>
               <a:t>软件需求变更文档</a:t>
             </a:r>
+            <a:endParaRPr lang="zh-CN" altLang="en-US" sz="1700" b="1" dirty="0" smtClean="0">
+              <a:solidFill>
+                <a:srgbClr val="0070C0"/>
+              </a:solidFill>
+              <a:latin typeface="微软雅黑" panose="020B0503020204020204" pitchFamily="34" charset="-122"/>
+              <a:ea typeface="微软雅黑" panose="020B0503020204020204" pitchFamily="34" charset="-122"/>
+              <a:sym typeface="+mn-ea"/>
+            </a:endParaRPr>
           </a:p>
         </p:txBody>
       </p:sp>
@@ -27401,11 +27265,11 @@
             <p:nvPr/>
           </p:nvPicPr>
           <p:blipFill>
-            <a:blip r:embed="rId3" cstate="print">
+            <a:blip r:embed="rId1" cstate="print">
               <a:biLevel thresh="25000"/>
               <a:extLst>
                 <a:ext uri="{28A0092B-C50C-407E-A947-70E740481C1C}">
-                  <a14:useLocalDpi xmlns:a14="http://schemas.microsoft.com/office/drawing/2010/main" xmlns="" val="0"/>
+                  <a14:useLocalDpi xmlns:a14="http://schemas.microsoft.com/office/drawing/2010/main" val="0"/>
                 </a:ext>
               </a:extLst>
             </a:blip>
@@ -28369,26 +28233,14 @@
           <a:p>
             <a:r>
               <a:rPr lang="zh-CN" altLang="en-US" dirty="0" smtClean="0"/>
-              <a:t>韩佳鑫：</a:t>
-            </a:r>
-            <a:r>
-              <a:rPr lang="zh-CN" altLang="en-US" dirty="0" smtClean="0"/>
-              <a:t>认真负责，高 度敬业，表现出色</a:t>
+              <a:t>韩佳鑫：认真负责，高 度敬业，表现出色</a:t>
             </a:r>
             <a:endParaRPr lang="en-US" altLang="zh-CN" dirty="0" smtClean="0"/>
           </a:p>
           <a:p>
             <a:r>
               <a:rPr lang="zh-CN" altLang="en-US" dirty="0" smtClean="0"/>
-              <a:t>胡泽</a:t>
-            </a:r>
-            <a:r>
-              <a:rPr lang="zh-CN" altLang="en-US" dirty="0" smtClean="0"/>
-              <a:t>宇：平时</a:t>
-            </a:r>
-            <a:r>
-              <a:rPr lang="zh-CN" altLang="en-US" dirty="0" smtClean="0"/>
-              <a:t>工作认真</a:t>
+              <a:t>胡泽宇：平时工作认真</a:t>
             </a:r>
             <a:r>
               <a:rPr lang="en-US" altLang="zh-CN" dirty="0" smtClean="0"/>
@@ -28396,11 +28248,7 @@
             </a:r>
             <a:r>
               <a:rPr lang="zh-CN" altLang="en-US" dirty="0" smtClean="0"/>
-              <a:t>有高速度</a:t>
-            </a:r>
-            <a:r>
-              <a:rPr lang="zh-CN" altLang="en-US" dirty="0" smtClean="0"/>
-              <a:t>高效率</a:t>
+              <a:t>有高速度高效率</a:t>
             </a:r>
             <a:endParaRPr lang="en-US" altLang="zh-CN" dirty="0" smtClean="0"/>
           </a:p>
@@ -28414,11 +28262,7 @@
           <a:p>
             <a:r>
               <a:rPr lang="zh-CN" altLang="en-US" dirty="0" smtClean="0"/>
-              <a:t>金志超：成绩进步大，悟性较强，爱岗</a:t>
-            </a:r>
-            <a:r>
-              <a:rPr lang="zh-CN" altLang="en-US" dirty="0" smtClean="0"/>
-              <a:t>敬业</a:t>
+              <a:t>金志超：成绩进步大，悟性较强，爱岗敬业</a:t>
             </a:r>
             <a:endParaRPr lang="en-US" altLang="zh-CN" dirty="0" smtClean="0"/>
           </a:p>
@@ -28437,7 +28281,7 @@
     <a:masterClrMapping/>
   </p:clrMapOvr>
   <mc:AlternateContent xmlns:mc="http://schemas.openxmlformats.org/markup-compatibility/2006">
-    <mc:Choice xmlns:p14="http://schemas.microsoft.com/office/powerpoint/2010/main" xmlns="" Requires="p14">
+    <mc:Choice xmlns:p14="http://schemas.microsoft.com/office/powerpoint/2010/main" Requires="p14">
       <p:transition spd="slow" p14:dur="1100">
         <p14:switch dir="r"/>
       </p:transition>
@@ -28538,7 +28382,7 @@
           <p:nvPr/>
         </p:nvPicPr>
         <p:blipFill rotWithShape="1">
-          <a:blip r:embed="rId3" cstate="print">
+          <a:blip r:embed="rId1" cstate="print">
             <a:duotone>
               <a:schemeClr val="accent5">
                 <a:shade val="45000"/>
@@ -28548,7 +28392,7 @@
             </a:duotone>
             <a:extLst>
               <a:ext uri="{28A0092B-C50C-407E-A947-70E740481C1C}">
-                <a14:useLocalDpi xmlns:a14="http://schemas.microsoft.com/office/drawing/2010/main" xmlns="" val="0"/>
+                <a14:useLocalDpi xmlns:a14="http://schemas.microsoft.com/office/drawing/2010/main" val="0"/>
               </a:ext>
             </a:extLst>
           </a:blip>
@@ -28680,6 +28524,13 @@
               </a:rPr>
               <a:t>项目经理：韩佳鑫</a:t>
             </a:r>
+            <a:endParaRPr lang="zh-CN" altLang="en-US" b="1" dirty="0" smtClean="0">
+              <a:solidFill>
+                <a:schemeClr val="bg1"/>
+              </a:solidFill>
+              <a:latin typeface="微软雅黑" panose="020B0503020204020204" pitchFamily="34" charset="-122"/>
+              <a:ea typeface="微软雅黑" panose="020B0503020204020204" pitchFamily="34" charset="-122"/>
+            </a:endParaRPr>
           </a:p>
         </p:txBody>
       </p:sp>
@@ -28814,6 +28665,13 @@
               </a:rPr>
               <a:t>LOGO</a:t>
             </a:r>
+            <a:endParaRPr lang="en-US" altLang="zh-CN" sz="3600" b="1" dirty="0" smtClean="0">
+              <a:solidFill>
+                <a:srgbClr val="0070C0"/>
+              </a:solidFill>
+              <a:latin typeface="微软雅黑" panose="020B0503020204020204" pitchFamily="34" charset="-122"/>
+              <a:ea typeface="微软雅黑" panose="020B0503020204020204" pitchFamily="34" charset="-122"/>
+            </a:endParaRPr>
           </a:p>
           <a:p>
             <a:pPr algn="ctr"/>
@@ -29564,7 +29422,7 @@
                 <a:gridCol w="839397"/>
                 <a:gridCol w="839397"/>
               </a:tblGrid>
-              <a:tr h="102106">
+              <a:tr h="0">
                 <a:tc>
                   <a:txBody>
                     <a:bodyPr/>
@@ -29580,14 +29438,14 @@
                           <a:solidFill>
                             <a:srgbClr val="000000"/>
                           </a:solidFill>
-                          <a:latin typeface="Times New Roman"/>
-                          <a:ea typeface="微软雅黑"/>
+                          <a:latin typeface="Times New Roman" panose="02020603050405020304"/>
+                          <a:ea typeface="微软雅黑" panose="020B0503020204020204" pitchFamily="34" charset="-122"/>
                         </a:rPr>
                         <a:t>项目名称</a:t>
                       </a:r>
                       <a:endParaRPr lang="zh-CN" sz="500" kern="100" dirty="0">
-                        <a:latin typeface="Times New Roman"/>
-                        <a:ea typeface="宋体"/>
+                        <a:latin typeface="Times New Roman" panose="02020603050405020304"/>
+                        <a:ea typeface="宋体" panose="02010600030101010101" pitchFamily="2" charset="-122"/>
                       </a:endParaRPr>
                     </a:p>
                   </a:txBody>
@@ -29648,14 +29506,14 @@
                           <a:solidFill>
                             <a:srgbClr val="000000"/>
                           </a:solidFill>
-                          <a:latin typeface="Times New Roman"/>
-                          <a:ea typeface="微软雅黑"/>
+                          <a:latin typeface="Times New Roman" panose="02020603050405020304"/>
+                          <a:ea typeface="微软雅黑" panose="020B0503020204020204" pitchFamily="34" charset="-122"/>
                         </a:rPr>
                         <a:t>软件工程系列教学辅助网站</a:t>
                       </a:r>
                       <a:endParaRPr lang="zh-CN" sz="500" kern="100">
-                        <a:latin typeface="Times New Roman"/>
-                        <a:ea typeface="宋体"/>
+                        <a:latin typeface="Times New Roman" panose="02020603050405020304"/>
+                        <a:ea typeface="宋体" panose="02010600030101010101" pitchFamily="2" charset="-122"/>
                       </a:endParaRPr>
                     </a:p>
                   </a:txBody>
@@ -29699,27 +29557,13 @@
                   </a:tcPr>
                 </a:tc>
                 <a:tc hMerge="1">
-                  <a:txBody>
-                    <a:bodyPr/>
-                    <a:lstStyle/>
-                    <a:p>
-                      <a:endParaRPr lang="zh-CN" altLang="en-US"/>
-                    </a:p>
-                  </a:txBody>
                   <a:tcPr/>
                 </a:tc>
                 <a:tc hMerge="1">
-                  <a:txBody>
-                    <a:bodyPr/>
-                    <a:lstStyle/>
-                    <a:p>
-                      <a:endParaRPr lang="zh-CN" altLang="en-US"/>
-                    </a:p>
-                  </a:txBody>
                   <a:tcPr/>
                 </a:tc>
               </a:tr>
-              <a:tr h="102106">
+              <a:tr h="0">
                 <a:tc gridSpan="4">
                   <a:txBody>
                     <a:bodyPr/>
@@ -29735,14 +29579,14 @@
                           <a:solidFill>
                             <a:srgbClr val="000000"/>
                           </a:solidFill>
-                          <a:latin typeface="Times New Roman"/>
-                          <a:ea typeface="微软雅黑"/>
+                          <a:latin typeface="Times New Roman" panose="02020603050405020304"/>
+                          <a:ea typeface="微软雅黑" panose="020B0503020204020204" pitchFamily="34" charset="-122"/>
                         </a:rPr>
                         <a:t>需求变更申请</a:t>
                       </a:r>
                       <a:endParaRPr lang="zh-CN" sz="500" kern="100">
-                        <a:latin typeface="Times New Roman"/>
-                        <a:ea typeface="宋体"/>
+                        <a:latin typeface="Times New Roman" panose="02020603050405020304"/>
+                        <a:ea typeface="宋体" panose="02010600030101010101" pitchFamily="2" charset="-122"/>
                       </a:endParaRPr>
                     </a:p>
                   </a:txBody>
@@ -29789,37 +29633,16 @@
                   </a:tcPr>
                 </a:tc>
                 <a:tc hMerge="1">
-                  <a:txBody>
-                    <a:bodyPr/>
-                    <a:lstStyle/>
-                    <a:p>
-                      <a:endParaRPr lang="zh-CN" altLang="en-US"/>
-                    </a:p>
-                  </a:txBody>
                   <a:tcPr/>
                 </a:tc>
                 <a:tc hMerge="1">
-                  <a:txBody>
-                    <a:bodyPr/>
-                    <a:lstStyle/>
-                    <a:p>
-                      <a:endParaRPr lang="zh-CN" altLang="en-US"/>
-                    </a:p>
-                  </a:txBody>
                   <a:tcPr/>
                 </a:tc>
                 <a:tc hMerge="1">
-                  <a:txBody>
-                    <a:bodyPr/>
-                    <a:lstStyle/>
-                    <a:p>
-                      <a:endParaRPr lang="zh-CN" altLang="en-US"/>
-                    </a:p>
-                  </a:txBody>
                   <a:tcPr/>
                 </a:tc>
               </a:tr>
-              <a:tr h="102106">
+              <a:tr h="0">
                 <a:tc>
                   <a:txBody>
                     <a:bodyPr/>
@@ -29835,14 +29658,14 @@
                           <a:solidFill>
                             <a:srgbClr val="000000"/>
                           </a:solidFill>
-                          <a:latin typeface="Times New Roman"/>
-                          <a:ea typeface="微软雅黑"/>
+                          <a:latin typeface="Times New Roman" panose="02020603050405020304"/>
+                          <a:ea typeface="微软雅黑" panose="020B0503020204020204" pitchFamily="34" charset="-122"/>
                         </a:rPr>
                         <a:t>需求变更申请人</a:t>
                       </a:r>
                       <a:endParaRPr lang="zh-CN" sz="500" kern="100">
-                        <a:latin typeface="Times New Roman"/>
-                        <a:ea typeface="宋体"/>
+                        <a:latin typeface="Times New Roman" panose="02020603050405020304"/>
+                        <a:ea typeface="宋体" panose="02010600030101010101" pitchFamily="2" charset="-122"/>
                       </a:endParaRPr>
                     </a:p>
                   </a:txBody>
@@ -29903,14 +29726,14 @@
                           <a:solidFill>
                             <a:srgbClr val="000000"/>
                           </a:solidFill>
-                          <a:latin typeface="Times New Roman"/>
-                          <a:ea typeface="微软雅黑"/>
+                          <a:latin typeface="Times New Roman" panose="02020603050405020304"/>
+                          <a:ea typeface="微软雅黑" panose="020B0503020204020204" pitchFamily="34" charset="-122"/>
                         </a:rPr>
                         <a:t>杨枨老师</a:t>
                       </a:r>
                       <a:endParaRPr lang="zh-CN" sz="500" kern="100">
-                        <a:latin typeface="Times New Roman"/>
-                        <a:ea typeface="宋体"/>
+                        <a:latin typeface="Times New Roman" panose="02020603050405020304"/>
+                        <a:ea typeface="宋体" panose="02010600030101010101" pitchFamily="2" charset="-122"/>
                       </a:endParaRPr>
                     </a:p>
                   </a:txBody>
@@ -29968,14 +29791,14 @@
                           <a:solidFill>
                             <a:srgbClr val="000000"/>
                           </a:solidFill>
-                          <a:latin typeface="Times New Roman"/>
-                          <a:ea typeface="微软雅黑"/>
+                          <a:latin typeface="Times New Roman" panose="02020603050405020304"/>
+                          <a:ea typeface="微软雅黑" panose="020B0503020204020204" pitchFamily="34" charset="-122"/>
                         </a:rPr>
                         <a:t>申请日期</a:t>
                       </a:r>
                       <a:endParaRPr lang="zh-CN" sz="500" kern="100">
-                        <a:latin typeface="Times New Roman"/>
-                        <a:ea typeface="宋体"/>
+                        <a:latin typeface="Times New Roman" panose="02020603050405020304"/>
+                        <a:ea typeface="宋体" panose="02010600030101010101" pitchFamily="2" charset="-122"/>
                       </a:endParaRPr>
                     </a:p>
                   </a:txBody>
@@ -30032,8 +29855,8 @@
                         </a:spcAft>
                       </a:pPr>
                       <a:endParaRPr lang="zh-CN" sz="500" kern="100">
-                        <a:latin typeface="Times New Roman"/>
-                        <a:ea typeface="宋体"/>
+                        <a:latin typeface="Times New Roman" panose="02020603050405020304"/>
+                        <a:ea typeface="宋体" panose="02010600030101010101" pitchFamily="2" charset="-122"/>
                       </a:endParaRPr>
                     </a:p>
                   </a:txBody>
@@ -30098,14 +29921,14 @@
                           <a:solidFill>
                             <a:srgbClr val="000000"/>
                           </a:solidFill>
-                          <a:latin typeface="Times New Roman"/>
-                          <a:ea typeface="微软雅黑"/>
+                          <a:latin typeface="Times New Roman" panose="02020603050405020304"/>
+                          <a:ea typeface="微软雅黑" panose="020B0503020204020204" pitchFamily="34" charset="-122"/>
                         </a:rPr>
                         <a:t>申请变更的</a:t>
                       </a:r>
                       <a:endParaRPr lang="zh-CN" sz="400" kern="100">
-                        <a:latin typeface="Times New Roman"/>
-                        <a:ea typeface="宋体"/>
+                        <a:latin typeface="Times New Roman" panose="02020603050405020304"/>
+                        <a:ea typeface="宋体" panose="02010600030101010101" pitchFamily="2" charset="-122"/>
                       </a:endParaRPr>
                     </a:p>
                     <a:p>
@@ -30124,14 +29947,14 @@
                           <a:solidFill>
                             <a:srgbClr val="000000"/>
                           </a:solidFill>
-                          <a:latin typeface="Times New Roman"/>
-                          <a:ea typeface="微软雅黑"/>
+                          <a:latin typeface="Times New Roman" panose="02020603050405020304"/>
+                          <a:ea typeface="微软雅黑" panose="020B0503020204020204" pitchFamily="34" charset="-122"/>
                         </a:rPr>
                         <a:t>需求文档</a:t>
                       </a:r>
                       <a:endParaRPr lang="zh-CN" sz="400" kern="100">
-                        <a:latin typeface="Times New Roman"/>
-                        <a:ea typeface="宋体"/>
+                        <a:latin typeface="Times New Roman" panose="02020603050405020304"/>
+                        <a:ea typeface="宋体" panose="02010600030101010101" pitchFamily="2" charset="-122"/>
                       </a:endParaRPr>
                     </a:p>
                   </a:txBody>
@@ -30192,8 +30015,8 @@
                           <a:solidFill>
                             <a:srgbClr val="000000"/>
                           </a:solidFill>
-                          <a:latin typeface="Times New Roman"/>
-                          <a:ea typeface="微软雅黑"/>
+                          <a:latin typeface="Times New Roman" panose="02020603050405020304"/>
+                          <a:ea typeface="微软雅黑" panose="020B0503020204020204" pitchFamily="34" charset="-122"/>
                         </a:rPr>
                         <a:t>软件需求规格说明书</a:t>
                       </a:r>
@@ -30202,14 +30025,14 @@
                           <a:solidFill>
                             <a:srgbClr val="000000"/>
                           </a:solidFill>
-                          <a:latin typeface="Times New Roman"/>
-                          <a:ea typeface="微软雅黑"/>
+                          <a:latin typeface="Times New Roman" panose="02020603050405020304"/>
+                          <a:ea typeface="微软雅黑" panose="020B0503020204020204" pitchFamily="34" charset="-122"/>
                         </a:rPr>
                         <a:t> V1.0 </a:t>
                       </a:r>
                       <a:endParaRPr lang="zh-CN" sz="500" kern="100">
-                        <a:latin typeface="Times New Roman"/>
-                        <a:ea typeface="宋体"/>
+                        <a:latin typeface="Times New Roman" panose="02020603050405020304"/>
+                        <a:ea typeface="宋体" panose="02010600030101010101" pitchFamily="2" charset="-122"/>
                       </a:endParaRPr>
                     </a:p>
                     <a:p>
@@ -30223,8 +30046,8 @@
                           <a:solidFill>
                             <a:srgbClr val="000000"/>
                           </a:solidFill>
-                          <a:latin typeface="Times New Roman"/>
-                          <a:ea typeface="微软雅黑"/>
+                          <a:latin typeface="Times New Roman" panose="02020603050405020304"/>
+                          <a:ea typeface="微软雅黑" panose="020B0503020204020204" pitchFamily="34" charset="-122"/>
                         </a:rPr>
                         <a:t>测试用例</a:t>
                       </a:r>
@@ -30233,14 +30056,14 @@
                           <a:solidFill>
                             <a:srgbClr val="000000"/>
                           </a:solidFill>
-                          <a:latin typeface="Times New Roman"/>
-                          <a:ea typeface="微软雅黑"/>
+                          <a:latin typeface="Times New Roman" panose="02020603050405020304"/>
+                          <a:ea typeface="微软雅黑" panose="020B0503020204020204" pitchFamily="34" charset="-122"/>
                         </a:rPr>
                         <a:t> V1.0 </a:t>
                       </a:r>
                       <a:endParaRPr lang="zh-CN" sz="500" kern="100">
-                        <a:latin typeface="Times New Roman"/>
-                        <a:ea typeface="宋体"/>
+                        <a:latin typeface="Times New Roman" panose="02020603050405020304"/>
+                        <a:ea typeface="宋体" panose="02010600030101010101" pitchFamily="2" charset="-122"/>
                       </a:endParaRPr>
                     </a:p>
                     <a:p>
@@ -30254,8 +30077,8 @@
                           <a:solidFill>
                             <a:srgbClr val="000000"/>
                           </a:solidFill>
-                          <a:latin typeface="Times New Roman"/>
-                          <a:ea typeface="微软雅黑"/>
+                          <a:latin typeface="Times New Roman" panose="02020603050405020304"/>
+                          <a:ea typeface="微软雅黑" panose="020B0503020204020204" pitchFamily="34" charset="-122"/>
                         </a:rPr>
                         <a:t>用户手册</a:t>
                       </a:r>
@@ -30264,14 +30087,14 @@
                           <a:solidFill>
                             <a:srgbClr val="000000"/>
                           </a:solidFill>
-                          <a:latin typeface="Times New Roman"/>
-                          <a:ea typeface="微软雅黑"/>
+                          <a:latin typeface="Times New Roman" panose="02020603050405020304"/>
+                          <a:ea typeface="微软雅黑" panose="020B0503020204020204" pitchFamily="34" charset="-122"/>
                         </a:rPr>
                         <a:t> V1.0 </a:t>
                       </a:r>
                       <a:endParaRPr lang="zh-CN" sz="500" kern="100">
-                        <a:latin typeface="Times New Roman"/>
-                        <a:ea typeface="宋体"/>
+                        <a:latin typeface="Times New Roman" panose="02020603050405020304"/>
+                        <a:ea typeface="宋体" panose="02010600030101010101" pitchFamily="2" charset="-122"/>
                       </a:endParaRPr>
                     </a:p>
                   </a:txBody>
@@ -30315,23 +30138,9 @@
                   </a:tcPr>
                 </a:tc>
                 <a:tc hMerge="1">
-                  <a:txBody>
-                    <a:bodyPr/>
-                    <a:lstStyle/>
-                    <a:p>
-                      <a:endParaRPr lang="zh-CN" altLang="en-US"/>
-                    </a:p>
-                  </a:txBody>
                   <a:tcPr/>
                 </a:tc>
                 <a:tc hMerge="1">
-                  <a:txBody>
-                    <a:bodyPr/>
-                    <a:lstStyle/>
-                    <a:p>
-                      <a:endParaRPr lang="zh-CN" altLang="en-US"/>
-                    </a:p>
-                  </a:txBody>
                   <a:tcPr/>
                 </a:tc>
               </a:tr>
@@ -30350,8 +30159,8 @@
                         <a:solidFill>
                           <a:srgbClr val="000000"/>
                         </a:solidFill>
-                        <a:latin typeface="微软雅黑"/>
-                        <a:ea typeface="宋体"/>
+                        <a:latin typeface="微软雅黑" panose="020B0503020204020204" pitchFamily="34" charset="-122"/>
+                        <a:ea typeface="宋体" panose="02010600030101010101" pitchFamily="2" charset="-122"/>
                       </a:endParaRPr>
                     </a:p>
                     <a:p>
@@ -30365,14 +30174,14 @@
                           <a:solidFill>
                             <a:srgbClr val="000000"/>
                           </a:solidFill>
-                          <a:latin typeface="Times New Roman"/>
-                          <a:ea typeface="微软雅黑"/>
+                          <a:latin typeface="Times New Roman" panose="02020603050405020304"/>
+                          <a:ea typeface="微软雅黑" panose="020B0503020204020204" pitchFamily="34" charset="-122"/>
                         </a:rPr>
                         <a:t>变更的内容</a:t>
                       </a:r>
                       <a:endParaRPr lang="zh-CN" sz="500" kern="100">
-                        <a:latin typeface="Times New Roman"/>
-                        <a:ea typeface="宋体"/>
+                        <a:latin typeface="Times New Roman" panose="02020603050405020304"/>
+                        <a:ea typeface="宋体" panose="02010600030101010101" pitchFamily="2" charset="-122"/>
                       </a:endParaRPr>
                     </a:p>
                     <a:p>
@@ -30386,14 +30195,14 @@
                           <a:solidFill>
                             <a:srgbClr val="000000"/>
                           </a:solidFill>
-                          <a:latin typeface="Times New Roman"/>
-                          <a:ea typeface="微软雅黑"/>
+                          <a:latin typeface="Times New Roman" panose="02020603050405020304"/>
+                          <a:ea typeface="微软雅黑" panose="020B0503020204020204" pitchFamily="34" charset="-122"/>
                         </a:rPr>
                         <a:t>及其理由</a:t>
                       </a:r>
                       <a:endParaRPr lang="zh-CN" sz="500" kern="100">
-                        <a:latin typeface="Times New Roman"/>
-                        <a:ea typeface="宋体"/>
+                        <a:latin typeface="Times New Roman" panose="02020603050405020304"/>
+                        <a:ea typeface="宋体" panose="02010600030101010101" pitchFamily="2" charset="-122"/>
                       </a:endParaRPr>
                     </a:p>
                   </a:txBody>
@@ -30454,14 +30263,14 @@
                           <a:solidFill>
                             <a:srgbClr val="000000"/>
                           </a:solidFill>
-                          <a:latin typeface="Times New Roman"/>
-                          <a:ea typeface="微软雅黑"/>
+                          <a:latin typeface="Times New Roman" panose="02020603050405020304"/>
+                          <a:ea typeface="微软雅黑" panose="020B0503020204020204" pitchFamily="34" charset="-122"/>
                         </a:rPr>
                         <a:t>将课程内的教师编辑功能放到教师个人中心，在课程的教师介绍中点击编辑直接跳入个人中心进行编辑修改。</a:t>
                       </a:r>
                       <a:endParaRPr lang="zh-CN" sz="500" kern="100">
-                        <a:latin typeface="Times New Roman"/>
-                        <a:ea typeface="宋体"/>
+                        <a:latin typeface="Times New Roman" panose="02020603050405020304"/>
+                        <a:ea typeface="宋体" panose="02010600030101010101" pitchFamily="2" charset="-122"/>
                       </a:endParaRPr>
                     </a:p>
                     <a:p>
@@ -30475,14 +30284,14 @@
                           <a:solidFill>
                             <a:srgbClr val="000000"/>
                           </a:solidFill>
-                          <a:latin typeface="Times New Roman"/>
-                          <a:ea typeface="微软雅黑"/>
+                          <a:latin typeface="Times New Roman" panose="02020603050405020304"/>
+                          <a:ea typeface="微软雅黑" panose="020B0503020204020204" pitchFamily="34" charset="-122"/>
                         </a:rPr>
                         <a:t>理由：课程的教师介绍和教师个人的介绍重复，需要变更进行调整。</a:t>
                       </a:r>
                       <a:endParaRPr lang="zh-CN" sz="500" kern="100">
-                        <a:latin typeface="Times New Roman"/>
-                        <a:ea typeface="宋体"/>
+                        <a:latin typeface="Times New Roman" panose="02020603050405020304"/>
+                        <a:ea typeface="宋体" panose="02010600030101010101" pitchFamily="2" charset="-122"/>
                       </a:endParaRPr>
                     </a:p>
                   </a:txBody>
@@ -30526,23 +30335,9 @@
                   </a:tcPr>
                 </a:tc>
                 <a:tc hMerge="1">
-                  <a:txBody>
-                    <a:bodyPr/>
-                    <a:lstStyle/>
-                    <a:p>
-                      <a:endParaRPr lang="zh-CN" altLang="en-US"/>
-                    </a:p>
-                  </a:txBody>
                   <a:tcPr/>
                 </a:tc>
                 <a:tc hMerge="1">
-                  <a:txBody>
-                    <a:bodyPr/>
-                    <a:lstStyle/>
-                    <a:p>
-                      <a:endParaRPr lang="zh-CN" altLang="en-US"/>
-                    </a:p>
-                  </a:txBody>
                   <a:tcPr/>
                 </a:tc>
               </a:tr>
@@ -30567,14 +30362,14 @@
                           <a:solidFill>
                             <a:srgbClr val="000000"/>
                           </a:solidFill>
-                          <a:latin typeface="Times New Roman"/>
-                          <a:ea typeface="微软雅黑"/>
+                          <a:latin typeface="Times New Roman" panose="02020603050405020304"/>
+                          <a:ea typeface="微软雅黑" panose="020B0503020204020204" pitchFamily="34" charset="-122"/>
                         </a:rPr>
                         <a:t>可行性分析</a:t>
                       </a:r>
                       <a:endParaRPr lang="zh-CN" sz="400" kern="100">
-                        <a:latin typeface="Times New Roman"/>
-                        <a:ea typeface="宋体"/>
+                        <a:latin typeface="Times New Roman" panose="02020603050405020304"/>
+                        <a:ea typeface="宋体" panose="02010600030101010101" pitchFamily="2" charset="-122"/>
                       </a:endParaRPr>
                     </a:p>
                   </a:txBody>
@@ -30635,14 +30430,14 @@
                           <a:solidFill>
                             <a:srgbClr val="000000"/>
                           </a:solidFill>
-                          <a:latin typeface="Times New Roman"/>
-                          <a:ea typeface="微软雅黑"/>
+                          <a:latin typeface="Times New Roman" panose="02020603050405020304"/>
+                          <a:ea typeface="微软雅黑" panose="020B0503020204020204" pitchFamily="34" charset="-122"/>
                         </a:rPr>
                         <a:t>经讨论确认，教师用户所提出的变更可实现，时间充足可行，资金成本很低，经济可行，且不会对其他需求造成冲突影响，此需求变更可行。</a:t>
                       </a:r>
                       <a:endParaRPr lang="zh-CN" sz="500" kern="100" dirty="0">
-                        <a:latin typeface="Times New Roman"/>
-                        <a:ea typeface="宋体"/>
+                        <a:latin typeface="Times New Roman" panose="02020603050405020304"/>
+                        <a:ea typeface="宋体" panose="02010600030101010101" pitchFamily="2" charset="-122"/>
                       </a:endParaRPr>
                     </a:p>
                   </a:txBody>
@@ -30686,23 +30481,9 @@
                   </a:tcPr>
                 </a:tc>
                 <a:tc hMerge="1">
-                  <a:txBody>
-                    <a:bodyPr/>
-                    <a:lstStyle/>
-                    <a:p>
-                      <a:endParaRPr lang="zh-CN" altLang="en-US"/>
-                    </a:p>
-                  </a:txBody>
                   <a:tcPr/>
                 </a:tc>
                 <a:tc hMerge="1">
-                  <a:txBody>
-                    <a:bodyPr/>
-                    <a:lstStyle/>
-                    <a:p>
-                      <a:endParaRPr lang="zh-CN" altLang="en-US"/>
-                    </a:p>
-                  </a:txBody>
                   <a:tcPr/>
                 </a:tc>
               </a:tr>
@@ -30721,8 +30502,8 @@
                         <a:solidFill>
                           <a:srgbClr val="000000"/>
                         </a:solidFill>
-                        <a:latin typeface="微软雅黑"/>
-                        <a:ea typeface="宋体"/>
+                        <a:latin typeface="微软雅黑" panose="020B0503020204020204" pitchFamily="34" charset="-122"/>
+                        <a:ea typeface="宋体" panose="02010600030101010101" pitchFamily="2" charset="-122"/>
                       </a:endParaRPr>
                     </a:p>
                     <a:p>
@@ -30736,14 +30517,14 @@
                           <a:solidFill>
                             <a:srgbClr val="000000"/>
                           </a:solidFill>
-                          <a:latin typeface="Times New Roman"/>
-                          <a:ea typeface="微软雅黑"/>
+                          <a:latin typeface="Times New Roman" panose="02020603050405020304"/>
+                          <a:ea typeface="微软雅黑" panose="020B0503020204020204" pitchFamily="34" charset="-122"/>
                         </a:rPr>
                         <a:t>评估需求变更将对</a:t>
                       </a:r>
                       <a:endParaRPr lang="zh-CN" sz="500" kern="100">
-                        <a:latin typeface="Times New Roman"/>
-                        <a:ea typeface="宋体"/>
+                        <a:latin typeface="Times New Roman" panose="02020603050405020304"/>
+                        <a:ea typeface="宋体" panose="02010600030101010101" pitchFamily="2" charset="-122"/>
                       </a:endParaRPr>
                     </a:p>
                     <a:p>
@@ -30757,14 +30538,14 @@
                           <a:solidFill>
                             <a:srgbClr val="000000"/>
                           </a:solidFill>
-                          <a:latin typeface="Times New Roman"/>
-                          <a:ea typeface="微软雅黑"/>
+                          <a:latin typeface="Times New Roman" panose="02020603050405020304"/>
+                          <a:ea typeface="微软雅黑" panose="020B0503020204020204" pitchFamily="34" charset="-122"/>
                         </a:rPr>
                         <a:t>项目造成的影响</a:t>
                       </a:r>
                       <a:endParaRPr lang="zh-CN" sz="500" kern="100">
-                        <a:latin typeface="Times New Roman"/>
-                        <a:ea typeface="宋体"/>
+                        <a:latin typeface="Times New Roman" panose="02020603050405020304"/>
+                        <a:ea typeface="宋体" panose="02010600030101010101" pitchFamily="2" charset="-122"/>
                       </a:endParaRPr>
                     </a:p>
                   </a:txBody>
@@ -30827,14 +30608,14 @@
                           <a:solidFill>
                             <a:srgbClr val="000000"/>
                           </a:solidFill>
-                          <a:latin typeface="Times New Roman"/>
-                          <a:ea typeface="微软雅黑"/>
+                          <a:latin typeface="Times New Roman" panose="02020603050405020304"/>
+                          <a:ea typeface="微软雅黑" panose="020B0503020204020204" pitchFamily="34" charset="-122"/>
                         </a:rPr>
                         <a:t>影响到的模块有教师个人中心和课程中的教师介绍</a:t>
                       </a:r>
                       <a:endParaRPr lang="zh-CN" sz="500" kern="100" dirty="0">
-                        <a:latin typeface="Times New Roman"/>
-                        <a:ea typeface="宋体"/>
+                        <a:latin typeface="Times New Roman" panose="02020603050405020304"/>
+                        <a:ea typeface="宋体" panose="02010600030101010101" pitchFamily="2" charset="-122"/>
                       </a:endParaRPr>
                     </a:p>
                     <a:p>
@@ -30850,14 +30631,14 @@
                           <a:solidFill>
                             <a:srgbClr val="000000"/>
                           </a:solidFill>
-                          <a:latin typeface="Times New Roman"/>
-                          <a:ea typeface="微软雅黑"/>
+                          <a:latin typeface="Times New Roman" panose="02020603050405020304"/>
+                          <a:ea typeface="微软雅黑" panose="020B0503020204020204" pitchFamily="34" charset="-122"/>
                         </a:rPr>
                         <a:t>造成的影响范围不大，花费的成本提高，项目整体质量基本无影响。</a:t>
                       </a:r>
                       <a:endParaRPr lang="zh-CN" sz="500" kern="100" dirty="0">
-                        <a:latin typeface="Times New Roman"/>
-                        <a:ea typeface="宋体"/>
+                        <a:latin typeface="Times New Roman" panose="02020603050405020304"/>
+                        <a:ea typeface="宋体" panose="02010600030101010101" pitchFamily="2" charset="-122"/>
                       </a:endParaRPr>
                     </a:p>
                     <a:p>
@@ -30873,14 +30654,14 @@
                           <a:solidFill>
                             <a:srgbClr val="000000"/>
                           </a:solidFill>
-                          <a:latin typeface="Times New Roman"/>
-                          <a:ea typeface="微软雅黑"/>
+                          <a:latin typeface="Times New Roman" panose="02020603050405020304"/>
+                          <a:ea typeface="微软雅黑" panose="020B0503020204020204" pitchFamily="34" charset="-122"/>
                         </a:rPr>
                         <a:t>技术风险：变更后的需求可能在开发过程中遇到技术难题，导致开发延迟或需求不得不发生变更。质量风险：变更后的项目不能满足用户的需要。</a:t>
                       </a:r>
                       <a:endParaRPr lang="zh-CN" sz="500" kern="100" dirty="0">
-                        <a:latin typeface="Times New Roman"/>
-                        <a:ea typeface="宋体"/>
+                        <a:latin typeface="Times New Roman" panose="02020603050405020304"/>
+                        <a:ea typeface="宋体" panose="02010600030101010101" pitchFamily="2" charset="-122"/>
                       </a:endParaRPr>
                     </a:p>
                   </a:txBody>
@@ -30924,27 +30705,13 @@
                   </a:tcPr>
                 </a:tc>
                 <a:tc hMerge="1">
-                  <a:txBody>
-                    <a:bodyPr/>
-                    <a:lstStyle/>
-                    <a:p>
-                      <a:endParaRPr lang="zh-CN" altLang="en-US"/>
-                    </a:p>
-                  </a:txBody>
                   <a:tcPr/>
                 </a:tc>
                 <a:tc hMerge="1">
-                  <a:txBody>
-                    <a:bodyPr/>
-                    <a:lstStyle/>
-                    <a:p>
-                      <a:endParaRPr lang="zh-CN" altLang="en-US"/>
-                    </a:p>
-                  </a:txBody>
                   <a:tcPr/>
                 </a:tc>
               </a:tr>
-              <a:tr h="102106">
+              <a:tr h="0">
                 <a:tc>
                   <a:txBody>
                     <a:bodyPr/>
@@ -30965,14 +30732,14 @@
                           <a:solidFill>
                             <a:srgbClr val="000000"/>
                           </a:solidFill>
-                          <a:latin typeface="Times New Roman"/>
-                          <a:ea typeface="微软雅黑"/>
+                          <a:latin typeface="Times New Roman" panose="02020603050405020304"/>
+                          <a:ea typeface="微软雅黑" panose="020B0503020204020204" pitchFamily="34" charset="-122"/>
                         </a:rPr>
                         <a:t>申请人签字</a:t>
                       </a:r>
                       <a:endParaRPr lang="zh-CN" sz="400" kern="100">
-                        <a:latin typeface="Times New Roman"/>
-                        <a:ea typeface="宋体"/>
+                        <a:latin typeface="Times New Roman" panose="02020603050405020304"/>
+                        <a:ea typeface="宋体" panose="02010600030101010101" pitchFamily="2" charset="-122"/>
                       </a:endParaRPr>
                     </a:p>
                   </a:txBody>
@@ -31032,8 +30799,8 @@
                         <a:solidFill>
                           <a:srgbClr val="000000"/>
                         </a:solidFill>
-                        <a:latin typeface="微软雅黑"/>
-                        <a:ea typeface="宋体"/>
+                        <a:latin typeface="微软雅黑" panose="020B0503020204020204" pitchFamily="34" charset="-122"/>
+                        <a:ea typeface="宋体" panose="02010600030101010101" pitchFamily="2" charset="-122"/>
                       </a:endParaRPr>
                     </a:p>
                   </a:txBody>
@@ -31077,27 +30844,13 @@
                   </a:tcPr>
                 </a:tc>
                 <a:tc hMerge="1">
-                  <a:txBody>
-                    <a:bodyPr/>
-                    <a:lstStyle/>
-                    <a:p>
-                      <a:endParaRPr lang="zh-CN" altLang="en-US"/>
-                    </a:p>
-                  </a:txBody>
                   <a:tcPr/>
                 </a:tc>
                 <a:tc hMerge="1">
-                  <a:txBody>
-                    <a:bodyPr/>
-                    <a:lstStyle/>
-                    <a:p>
-                      <a:endParaRPr lang="zh-CN" altLang="en-US"/>
-                    </a:p>
-                  </a:txBody>
                   <a:tcPr/>
                 </a:tc>
               </a:tr>
-              <a:tr h="102106">
+              <a:tr h="0">
                 <a:tc gridSpan="4">
                   <a:txBody>
                     <a:bodyPr/>
@@ -31113,14 +30866,14 @@
                           <a:solidFill>
                             <a:srgbClr val="000000"/>
                           </a:solidFill>
-                          <a:latin typeface="Times New Roman"/>
-                          <a:ea typeface="微软雅黑"/>
+                          <a:latin typeface="Times New Roman" panose="02020603050405020304"/>
+                          <a:ea typeface="微软雅黑" panose="020B0503020204020204" pitchFamily="34" charset="-122"/>
                         </a:rPr>
                         <a:t>变更申请的审批意见</a:t>
                       </a:r>
                       <a:endParaRPr lang="zh-CN" sz="500" kern="100">
-                        <a:latin typeface="Times New Roman"/>
-                        <a:ea typeface="宋体"/>
+                        <a:latin typeface="Times New Roman" panose="02020603050405020304"/>
+                        <a:ea typeface="宋体" panose="02010600030101010101" pitchFamily="2" charset="-122"/>
                       </a:endParaRPr>
                     </a:p>
                   </a:txBody>
@@ -31167,33 +30920,12 @@
                   </a:tcPr>
                 </a:tc>
                 <a:tc hMerge="1">
-                  <a:txBody>
-                    <a:bodyPr/>
-                    <a:lstStyle/>
-                    <a:p>
-                      <a:endParaRPr lang="zh-CN" altLang="en-US"/>
-                    </a:p>
-                  </a:txBody>
                   <a:tcPr/>
                 </a:tc>
                 <a:tc hMerge="1">
-                  <a:txBody>
-                    <a:bodyPr/>
-                    <a:lstStyle/>
-                    <a:p>
-                      <a:endParaRPr lang="zh-CN" altLang="en-US"/>
-                    </a:p>
-                  </a:txBody>
                   <a:tcPr/>
                 </a:tc>
                 <a:tc hMerge="1">
-                  <a:txBody>
-                    <a:bodyPr/>
-                    <a:lstStyle/>
-                    <a:p>
-                      <a:endParaRPr lang="zh-CN" altLang="en-US"/>
-                    </a:p>
-                  </a:txBody>
                   <a:tcPr/>
                 </a:tc>
               </a:tr>
@@ -31212,8 +30944,8 @@
                         <a:solidFill>
                           <a:srgbClr val="000000"/>
                         </a:solidFill>
-                        <a:latin typeface="微软雅黑"/>
-                        <a:ea typeface="宋体"/>
+                        <a:latin typeface="微软雅黑" panose="020B0503020204020204" pitchFamily="34" charset="-122"/>
+                        <a:ea typeface="宋体" panose="02010600030101010101" pitchFamily="2" charset="-122"/>
                       </a:endParaRPr>
                     </a:p>
                     <a:p>
@@ -31227,14 +30959,14 @@
                           <a:solidFill>
                             <a:srgbClr val="000000"/>
                           </a:solidFill>
-                          <a:latin typeface="Times New Roman"/>
-                          <a:ea typeface="微软雅黑"/>
+                          <a:latin typeface="Times New Roman" panose="02020603050405020304"/>
+                          <a:ea typeface="微软雅黑" panose="020B0503020204020204" pitchFamily="34" charset="-122"/>
                         </a:rPr>
                         <a:t>项目经理签字</a:t>
                       </a:r>
                       <a:endParaRPr lang="zh-CN" sz="500" kern="100">
-                        <a:latin typeface="Times New Roman"/>
-                        <a:ea typeface="宋体"/>
+                        <a:latin typeface="Times New Roman" panose="02020603050405020304"/>
+                        <a:ea typeface="宋体" panose="02010600030101010101" pitchFamily="2" charset="-122"/>
                       </a:endParaRPr>
                     </a:p>
                   </a:txBody>
@@ -31295,14 +31027,14 @@
                           <a:solidFill>
                             <a:srgbClr val="000000"/>
                           </a:solidFill>
-                          <a:latin typeface="Times New Roman"/>
-                          <a:ea typeface="微软雅黑"/>
+                          <a:latin typeface="Times New Roman" panose="02020603050405020304"/>
+                          <a:ea typeface="微软雅黑" panose="020B0503020204020204" pitchFamily="34" charset="-122"/>
                         </a:rPr>
                         <a:t>审批意见：</a:t>
                       </a:r>
                       <a:endParaRPr lang="zh-CN" sz="500" kern="100">
-                        <a:latin typeface="Times New Roman"/>
-                        <a:ea typeface="宋体"/>
+                        <a:latin typeface="Times New Roman" panose="02020603050405020304"/>
+                        <a:ea typeface="宋体" panose="02010600030101010101" pitchFamily="2" charset="-122"/>
                       </a:endParaRPr>
                     </a:p>
                     <a:p>
@@ -31321,14 +31053,14 @@
                           <a:solidFill>
                             <a:srgbClr val="000000"/>
                           </a:solidFill>
-                          <a:latin typeface="Times New Roman"/>
-                          <a:ea typeface="微软雅黑"/>
+                          <a:latin typeface="Times New Roman" panose="02020603050405020304"/>
+                          <a:ea typeface="微软雅黑" panose="020B0503020204020204" pitchFamily="34" charset="-122"/>
                         </a:rPr>
                         <a:t>课程模块中教师介绍的变更是我所能接受的，影响的范围并不大，所需要的时间和精力在接受的范围内，不会对项目完成的时间产生较大影响。</a:t>
                       </a:r>
                       <a:endParaRPr lang="zh-CN" sz="400" kern="100">
-                        <a:latin typeface="Times New Roman"/>
-                        <a:ea typeface="宋体"/>
+                        <a:latin typeface="Times New Roman" panose="02020603050405020304"/>
+                        <a:ea typeface="宋体" panose="02010600030101010101" pitchFamily="2" charset="-122"/>
                       </a:endParaRPr>
                     </a:p>
                     <a:p>
@@ -31347,8 +31079,8 @@
                           <a:solidFill>
                             <a:srgbClr val="000000"/>
                           </a:solidFill>
-                          <a:latin typeface="Times New Roman"/>
-                          <a:ea typeface="微软雅黑"/>
+                          <a:latin typeface="Times New Roman" panose="02020603050405020304"/>
+                          <a:ea typeface="微软雅黑" panose="020B0503020204020204" pitchFamily="34" charset="-122"/>
                         </a:rPr>
                         <a:t>签字：韩佳鑫，日期：</a:t>
                       </a:r>
@@ -31357,14 +31089,14 @@
                           <a:solidFill>
                             <a:srgbClr val="000000"/>
                           </a:solidFill>
-                          <a:latin typeface="Times New Roman"/>
-                          <a:ea typeface="微软雅黑"/>
+                          <a:latin typeface="Times New Roman" panose="02020603050405020304"/>
+                          <a:ea typeface="微软雅黑" panose="020B0503020204020204" pitchFamily="34" charset="-122"/>
                         </a:rPr>
                         <a:t>2018.1.7</a:t>
                       </a:r>
                       <a:endParaRPr lang="zh-CN" sz="400" kern="100">
-                        <a:latin typeface="Times New Roman"/>
-                        <a:ea typeface="宋体"/>
+                        <a:latin typeface="Times New Roman" panose="02020603050405020304"/>
+                        <a:ea typeface="宋体" panose="02010600030101010101" pitchFamily="2" charset="-122"/>
                       </a:endParaRPr>
                     </a:p>
                   </a:txBody>
@@ -31408,23 +31140,9 @@
                   </a:tcPr>
                 </a:tc>
                 <a:tc hMerge="1">
-                  <a:txBody>
-                    <a:bodyPr/>
-                    <a:lstStyle/>
-                    <a:p>
-                      <a:endParaRPr lang="zh-CN" altLang="en-US"/>
-                    </a:p>
-                  </a:txBody>
                   <a:tcPr/>
                 </a:tc>
                 <a:tc hMerge="1">
-                  <a:txBody>
-                    <a:bodyPr/>
-                    <a:lstStyle/>
-                    <a:p>
-                      <a:endParaRPr lang="zh-CN" altLang="en-US"/>
-                    </a:p>
-                  </a:txBody>
                   <a:tcPr/>
                 </a:tc>
               </a:tr>
@@ -31443,8 +31161,8 @@
                         <a:solidFill>
                           <a:srgbClr val="000000"/>
                         </a:solidFill>
-                        <a:latin typeface="微软雅黑"/>
-                        <a:ea typeface="宋体"/>
+                        <a:latin typeface="微软雅黑" panose="020B0503020204020204" pitchFamily="34" charset="-122"/>
+                        <a:ea typeface="宋体" panose="02010600030101010101" pitchFamily="2" charset="-122"/>
                       </a:endParaRPr>
                     </a:p>
                     <a:p>
@@ -31458,14 +31176,14 @@
                           <a:solidFill>
                             <a:srgbClr val="000000"/>
                           </a:solidFill>
-                          <a:latin typeface="Times New Roman"/>
-                          <a:ea typeface="微软雅黑"/>
+                          <a:latin typeface="Times New Roman" panose="02020603050405020304"/>
+                          <a:ea typeface="微软雅黑" panose="020B0503020204020204" pitchFamily="34" charset="-122"/>
                         </a:rPr>
                         <a:t>客户签字</a:t>
                       </a:r>
                       <a:endParaRPr lang="zh-CN" sz="500" kern="100" dirty="0" smtClean="0">
-                        <a:latin typeface="Times New Roman"/>
-                        <a:ea typeface="宋体"/>
+                        <a:latin typeface="Times New Roman" panose="02020603050405020304"/>
+                        <a:ea typeface="宋体" panose="02010600030101010101" pitchFamily="2" charset="-122"/>
                       </a:endParaRPr>
                     </a:p>
                     <a:p>
@@ -31479,14 +31197,14 @@
                           <a:solidFill>
                             <a:srgbClr val="000000"/>
                           </a:solidFill>
-                          <a:latin typeface="Times New Roman"/>
-                          <a:ea typeface="微软雅黑"/>
+                          <a:latin typeface="Times New Roman" panose="02020603050405020304"/>
+                          <a:ea typeface="微软雅黑" panose="020B0503020204020204" pitchFamily="34" charset="-122"/>
                         </a:rPr>
                         <a:t>（合同项目）</a:t>
                       </a:r>
                       <a:endParaRPr lang="zh-CN" sz="500" kern="100" dirty="0">
-                        <a:latin typeface="Times New Roman"/>
-                        <a:ea typeface="宋体"/>
+                        <a:latin typeface="Times New Roman" panose="02020603050405020304"/>
+                        <a:ea typeface="宋体" panose="02010600030101010101" pitchFamily="2" charset="-122"/>
                       </a:endParaRPr>
                     </a:p>
                   </a:txBody>
@@ -31547,14 +31265,14 @@
                           <a:solidFill>
                             <a:srgbClr val="000000"/>
                           </a:solidFill>
-                          <a:latin typeface="Times New Roman"/>
-                          <a:ea typeface="微软雅黑"/>
+                          <a:latin typeface="Times New Roman" panose="02020603050405020304"/>
+                          <a:ea typeface="微软雅黑" panose="020B0503020204020204" pitchFamily="34" charset="-122"/>
                         </a:rPr>
                         <a:t>审批意见：</a:t>
                       </a:r>
                       <a:endParaRPr lang="zh-CN" sz="500" kern="100" dirty="0" smtClean="0">
-                        <a:latin typeface="Times New Roman"/>
-                        <a:ea typeface="宋体"/>
+                        <a:latin typeface="Times New Roman" panose="02020603050405020304"/>
+                        <a:ea typeface="宋体" panose="02010600030101010101" pitchFamily="2" charset="-122"/>
                       </a:endParaRPr>
                     </a:p>
                     <a:p>
@@ -31573,14 +31291,14 @@
                           <a:solidFill>
                             <a:srgbClr val="000000"/>
                           </a:solidFill>
-                          <a:latin typeface="Times New Roman"/>
-                          <a:ea typeface="微软雅黑"/>
+                          <a:latin typeface="Times New Roman" panose="02020603050405020304"/>
+                          <a:ea typeface="微软雅黑" panose="020B0503020204020204" pitchFamily="34" charset="-122"/>
                         </a:rPr>
                         <a:t>签字：，日期：</a:t>
                       </a:r>
                       <a:endParaRPr lang="zh-CN" sz="400" kern="100" dirty="0">
-                        <a:latin typeface="Times New Roman"/>
-                        <a:ea typeface="宋体"/>
+                        <a:latin typeface="Times New Roman" panose="02020603050405020304"/>
+                        <a:ea typeface="宋体" panose="02010600030101010101" pitchFamily="2" charset="-122"/>
                       </a:endParaRPr>
                     </a:p>
                   </a:txBody>
@@ -31624,27 +31342,13 @@
                   </a:tcPr>
                 </a:tc>
                 <a:tc hMerge="1">
-                  <a:txBody>
-                    <a:bodyPr/>
-                    <a:lstStyle/>
-                    <a:p>
-                      <a:endParaRPr lang="zh-CN" altLang="en-US"/>
-                    </a:p>
-                  </a:txBody>
                   <a:tcPr/>
                 </a:tc>
                 <a:tc hMerge="1">
-                  <a:txBody>
-                    <a:bodyPr/>
-                    <a:lstStyle/>
-                    <a:p>
-                      <a:endParaRPr lang="zh-CN" altLang="en-US"/>
-                    </a:p>
-                  </a:txBody>
                   <a:tcPr/>
                 </a:tc>
               </a:tr>
-              <a:tr h="102106">
+              <a:tr h="0">
                 <a:tc gridSpan="4">
                   <a:txBody>
                     <a:bodyPr/>
@@ -31660,14 +31364,14 @@
                           <a:solidFill>
                             <a:srgbClr val="000000"/>
                           </a:solidFill>
-                          <a:latin typeface="Times New Roman"/>
-                          <a:ea typeface="微软雅黑"/>
+                          <a:latin typeface="Times New Roman" panose="02020603050405020304"/>
+                          <a:ea typeface="微软雅黑" panose="020B0503020204020204" pitchFamily="34" charset="-122"/>
                         </a:rPr>
                         <a:t>更改需求文档</a:t>
                       </a:r>
                       <a:endParaRPr lang="zh-CN" sz="500" kern="100">
-                        <a:latin typeface="Times New Roman"/>
-                        <a:ea typeface="宋体"/>
+                        <a:latin typeface="Times New Roman" panose="02020603050405020304"/>
+                        <a:ea typeface="宋体" panose="02010600030101010101" pitchFamily="2" charset="-122"/>
                       </a:endParaRPr>
                     </a:p>
                   </a:txBody>
@@ -31714,33 +31418,12 @@
                   </a:tcPr>
                 </a:tc>
                 <a:tc hMerge="1">
-                  <a:txBody>
-                    <a:bodyPr/>
-                    <a:lstStyle/>
-                    <a:p>
-                      <a:endParaRPr lang="zh-CN" altLang="en-US"/>
-                    </a:p>
-                  </a:txBody>
                   <a:tcPr/>
                 </a:tc>
                 <a:tc hMerge="1">
-                  <a:txBody>
-                    <a:bodyPr/>
-                    <a:lstStyle/>
-                    <a:p>
-                      <a:endParaRPr lang="zh-CN" altLang="en-US"/>
-                    </a:p>
-                  </a:txBody>
                   <a:tcPr/>
                 </a:tc>
                 <a:tc hMerge="1">
-                  <a:txBody>
-                    <a:bodyPr/>
-                    <a:lstStyle/>
-                    <a:p>
-                      <a:endParaRPr lang="zh-CN" altLang="en-US"/>
-                    </a:p>
-                  </a:txBody>
                   <a:tcPr/>
                 </a:tc>
               </a:tr>
@@ -31765,14 +31448,14 @@
                           <a:solidFill>
                             <a:srgbClr val="000000"/>
                           </a:solidFill>
-                          <a:latin typeface="Times New Roman"/>
-                          <a:ea typeface="微软雅黑"/>
+                          <a:latin typeface="Times New Roman" panose="02020603050405020304"/>
+                          <a:ea typeface="微软雅黑" panose="020B0503020204020204" pitchFamily="34" charset="-122"/>
                         </a:rPr>
                         <a:t>变更后的</a:t>
                       </a:r>
                       <a:endParaRPr lang="zh-CN" sz="400" kern="100">
-                        <a:latin typeface="Times New Roman"/>
-                        <a:ea typeface="宋体"/>
+                        <a:latin typeface="Times New Roman" panose="02020603050405020304"/>
+                        <a:ea typeface="宋体" panose="02010600030101010101" pitchFamily="2" charset="-122"/>
                       </a:endParaRPr>
                     </a:p>
                     <a:p>
@@ -31791,14 +31474,14 @@
                           <a:solidFill>
                             <a:srgbClr val="000000"/>
                           </a:solidFill>
-                          <a:latin typeface="Times New Roman"/>
-                          <a:ea typeface="微软雅黑"/>
+                          <a:latin typeface="Times New Roman" panose="02020603050405020304"/>
+                          <a:ea typeface="微软雅黑" panose="020B0503020204020204" pitchFamily="34" charset="-122"/>
                         </a:rPr>
                         <a:t>需求文档</a:t>
                       </a:r>
                       <a:endParaRPr lang="zh-CN" sz="400" kern="100">
-                        <a:latin typeface="Times New Roman"/>
-                        <a:ea typeface="宋体"/>
+                        <a:latin typeface="Times New Roman" panose="02020603050405020304"/>
+                        <a:ea typeface="宋体" panose="02010600030101010101" pitchFamily="2" charset="-122"/>
                       </a:endParaRPr>
                     </a:p>
                   </a:txBody>
@@ -31859,8 +31542,8 @@
                           <a:solidFill>
                             <a:srgbClr val="000000"/>
                           </a:solidFill>
-                          <a:latin typeface="Times New Roman"/>
-                          <a:ea typeface="微软雅黑"/>
+                          <a:latin typeface="Times New Roman" panose="02020603050405020304"/>
+                          <a:ea typeface="微软雅黑" panose="020B0503020204020204" pitchFamily="34" charset="-122"/>
                         </a:rPr>
                         <a:t>软件需求规格说明书</a:t>
                       </a:r>
@@ -31869,14 +31552,14 @@
                           <a:solidFill>
                             <a:srgbClr val="000000"/>
                           </a:solidFill>
-                          <a:latin typeface="Times New Roman"/>
-                          <a:ea typeface="微软雅黑"/>
+                          <a:latin typeface="Times New Roman" panose="02020603050405020304"/>
+                          <a:ea typeface="微软雅黑" panose="020B0503020204020204" pitchFamily="34" charset="-122"/>
                         </a:rPr>
                         <a:t> V1.1 </a:t>
                       </a:r>
                       <a:endParaRPr lang="zh-CN" sz="500" kern="100">
-                        <a:latin typeface="Times New Roman"/>
-                        <a:ea typeface="宋体"/>
+                        <a:latin typeface="Times New Roman" panose="02020603050405020304"/>
+                        <a:ea typeface="宋体" panose="02010600030101010101" pitchFamily="2" charset="-122"/>
                       </a:endParaRPr>
                     </a:p>
                     <a:p>
@@ -31890,8 +31573,8 @@
                           <a:solidFill>
                             <a:srgbClr val="000000"/>
                           </a:solidFill>
-                          <a:latin typeface="Times New Roman"/>
-                          <a:ea typeface="微软雅黑"/>
+                          <a:latin typeface="Times New Roman" panose="02020603050405020304"/>
+                          <a:ea typeface="微软雅黑" panose="020B0503020204020204" pitchFamily="34" charset="-122"/>
                         </a:rPr>
                         <a:t>测试用例</a:t>
                       </a:r>
@@ -31900,14 +31583,14 @@
                           <a:solidFill>
                             <a:srgbClr val="000000"/>
                           </a:solidFill>
-                          <a:latin typeface="Times New Roman"/>
-                          <a:ea typeface="微软雅黑"/>
+                          <a:latin typeface="Times New Roman" panose="02020603050405020304"/>
+                          <a:ea typeface="微软雅黑" panose="020B0503020204020204" pitchFamily="34" charset="-122"/>
                         </a:rPr>
                         <a:t> V1.1 </a:t>
                       </a:r>
                       <a:endParaRPr lang="zh-CN" sz="500" kern="100">
-                        <a:latin typeface="Times New Roman"/>
-                        <a:ea typeface="宋体"/>
+                        <a:latin typeface="Times New Roman" panose="02020603050405020304"/>
+                        <a:ea typeface="宋体" panose="02010600030101010101" pitchFamily="2" charset="-122"/>
                       </a:endParaRPr>
                     </a:p>
                     <a:p>
@@ -31921,8 +31604,8 @@
                           <a:solidFill>
                             <a:srgbClr val="000000"/>
                           </a:solidFill>
-                          <a:latin typeface="Times New Roman"/>
-                          <a:ea typeface="微软雅黑"/>
+                          <a:latin typeface="Times New Roman" panose="02020603050405020304"/>
+                          <a:ea typeface="微软雅黑" panose="020B0503020204020204" pitchFamily="34" charset="-122"/>
                         </a:rPr>
                         <a:t>用户手册</a:t>
                       </a:r>
@@ -31931,14 +31614,14 @@
                           <a:solidFill>
                             <a:srgbClr val="000000"/>
                           </a:solidFill>
-                          <a:latin typeface="Times New Roman"/>
-                          <a:ea typeface="微软雅黑"/>
+                          <a:latin typeface="Times New Roman" panose="02020603050405020304"/>
+                          <a:ea typeface="微软雅黑" panose="020B0503020204020204" pitchFamily="34" charset="-122"/>
                         </a:rPr>
                         <a:t> V1.1 </a:t>
                       </a:r>
                       <a:endParaRPr lang="zh-CN" sz="500" kern="100">
-                        <a:latin typeface="Times New Roman"/>
-                        <a:ea typeface="宋体"/>
+                        <a:latin typeface="Times New Roman" panose="02020603050405020304"/>
+                        <a:ea typeface="宋体" panose="02010600030101010101" pitchFamily="2" charset="-122"/>
                       </a:endParaRPr>
                     </a:p>
                   </a:txBody>
@@ -31982,23 +31665,9 @@
                   </a:tcPr>
                 </a:tc>
                 <a:tc hMerge="1">
-                  <a:txBody>
-                    <a:bodyPr/>
-                    <a:lstStyle/>
-                    <a:p>
-                      <a:endParaRPr lang="zh-CN" altLang="en-US"/>
-                    </a:p>
-                  </a:txBody>
                   <a:tcPr/>
                 </a:tc>
                 <a:tc hMerge="1">
-                  <a:txBody>
-                    <a:bodyPr/>
-                    <a:lstStyle/>
-                    <a:p>
-                      <a:endParaRPr lang="zh-CN" altLang="en-US"/>
-                    </a:p>
-                  </a:txBody>
                   <a:tcPr/>
                 </a:tc>
               </a:tr>
@@ -32017,8 +31686,8 @@
                         <a:solidFill>
                           <a:srgbClr val="000000"/>
                         </a:solidFill>
-                        <a:latin typeface="微软雅黑"/>
-                        <a:ea typeface="宋体"/>
+                        <a:latin typeface="微软雅黑" panose="020B0503020204020204" pitchFamily="34" charset="-122"/>
+                        <a:ea typeface="宋体" panose="02010600030101010101" pitchFamily="2" charset="-122"/>
                       </a:endParaRPr>
                     </a:p>
                     <a:p>
@@ -32032,14 +31701,14 @@
                           <a:solidFill>
                             <a:srgbClr val="000000"/>
                           </a:solidFill>
-                          <a:latin typeface="Times New Roman"/>
-                          <a:ea typeface="微软雅黑"/>
+                          <a:latin typeface="Times New Roman" panose="02020603050405020304"/>
+                          <a:ea typeface="微软雅黑" panose="020B0503020204020204" pitchFamily="34" charset="-122"/>
                         </a:rPr>
                         <a:t>更改人签字</a:t>
                       </a:r>
                       <a:endParaRPr lang="zh-CN" sz="500" kern="100">
-                        <a:latin typeface="Times New Roman"/>
-                        <a:ea typeface="宋体"/>
+                        <a:latin typeface="Times New Roman" panose="02020603050405020304"/>
+                        <a:ea typeface="宋体" panose="02010600030101010101" pitchFamily="2" charset="-122"/>
                       </a:endParaRPr>
                     </a:p>
                   </a:txBody>
@@ -32099,8 +31768,8 @@
                         <a:solidFill>
                           <a:srgbClr val="000000"/>
                         </a:solidFill>
-                        <a:latin typeface="微软雅黑"/>
-                        <a:ea typeface="宋体"/>
+                        <a:latin typeface="微软雅黑" panose="020B0503020204020204" pitchFamily="34" charset="-122"/>
+                        <a:ea typeface="宋体" panose="02010600030101010101" pitchFamily="2" charset="-122"/>
                       </a:endParaRPr>
                     </a:p>
                   </a:txBody>
@@ -32144,27 +31813,13 @@
                   </a:tcPr>
                 </a:tc>
                 <a:tc hMerge="1">
-                  <a:txBody>
-                    <a:bodyPr/>
-                    <a:lstStyle/>
-                    <a:p>
-                      <a:endParaRPr lang="zh-CN" altLang="en-US"/>
-                    </a:p>
-                  </a:txBody>
                   <a:tcPr/>
                 </a:tc>
                 <a:tc hMerge="1">
-                  <a:txBody>
-                    <a:bodyPr/>
-                    <a:lstStyle/>
-                    <a:p>
-                      <a:endParaRPr lang="zh-CN" altLang="en-US"/>
-                    </a:p>
-                  </a:txBody>
                   <a:tcPr/>
                 </a:tc>
               </a:tr>
-              <a:tr h="102106">
+              <a:tr h="0">
                 <a:tc gridSpan="4">
                   <a:txBody>
                     <a:bodyPr/>
@@ -32180,14 +31835,14 @@
                           <a:solidFill>
                             <a:srgbClr val="000000"/>
                           </a:solidFill>
-                          <a:latin typeface="Times New Roman"/>
-                          <a:ea typeface="微软雅黑"/>
+                          <a:latin typeface="Times New Roman" panose="02020603050405020304"/>
+                          <a:ea typeface="微软雅黑" panose="020B0503020204020204" pitchFamily="34" charset="-122"/>
                         </a:rPr>
                         <a:t>重新评审需求文档</a:t>
                       </a:r>
                       <a:endParaRPr lang="zh-CN" sz="500" kern="100">
-                        <a:latin typeface="Times New Roman"/>
-                        <a:ea typeface="宋体"/>
+                        <a:latin typeface="Times New Roman" panose="02020603050405020304"/>
+                        <a:ea typeface="宋体" panose="02010600030101010101" pitchFamily="2" charset="-122"/>
                       </a:endParaRPr>
                     </a:p>
                   </a:txBody>
@@ -32234,33 +31889,12 @@
                   </a:tcPr>
                 </a:tc>
                 <a:tc hMerge="1">
-                  <a:txBody>
-                    <a:bodyPr/>
-                    <a:lstStyle/>
-                    <a:p>
-                      <a:endParaRPr lang="zh-CN" altLang="en-US"/>
-                    </a:p>
-                  </a:txBody>
                   <a:tcPr/>
                 </a:tc>
                 <a:tc hMerge="1">
-                  <a:txBody>
-                    <a:bodyPr/>
-                    <a:lstStyle/>
-                    <a:p>
-                      <a:endParaRPr lang="zh-CN" altLang="en-US"/>
-                    </a:p>
-                  </a:txBody>
                   <a:tcPr/>
                 </a:tc>
                 <a:tc hMerge="1">
-                  <a:txBody>
-                    <a:bodyPr/>
-                    <a:lstStyle/>
-                    <a:p>
-                      <a:endParaRPr lang="zh-CN" altLang="en-US"/>
-                    </a:p>
-                  </a:txBody>
                   <a:tcPr/>
                 </a:tc>
               </a:tr>
@@ -32279,8 +31913,8 @@
                         <a:solidFill>
                           <a:srgbClr val="000000"/>
                         </a:solidFill>
-                        <a:latin typeface="微软雅黑"/>
-                        <a:ea typeface="宋体"/>
+                        <a:latin typeface="微软雅黑" panose="020B0503020204020204" pitchFamily="34" charset="-122"/>
+                        <a:ea typeface="宋体" panose="02010600030101010101" pitchFamily="2" charset="-122"/>
                       </a:endParaRPr>
                     </a:p>
                     <a:p>
@@ -32294,14 +31928,14 @@
                           <a:solidFill>
                             <a:srgbClr val="000000"/>
                           </a:solidFill>
-                          <a:latin typeface="Times New Roman"/>
-                          <a:ea typeface="微软雅黑"/>
+                          <a:latin typeface="Times New Roman" panose="02020603050405020304"/>
+                          <a:ea typeface="微软雅黑" panose="020B0503020204020204" pitchFamily="34" charset="-122"/>
                         </a:rPr>
                         <a:t>需求评审小组签字</a:t>
                       </a:r>
                       <a:endParaRPr lang="zh-CN" sz="500" kern="100">
-                        <a:latin typeface="Times New Roman"/>
-                        <a:ea typeface="宋体"/>
+                        <a:latin typeface="Times New Roman" panose="02020603050405020304"/>
+                        <a:ea typeface="宋体" panose="02010600030101010101" pitchFamily="2" charset="-122"/>
                       </a:endParaRPr>
                     </a:p>
                   </a:txBody>
@@ -32362,14 +31996,14 @@
                           <a:solidFill>
                             <a:srgbClr val="000000"/>
                           </a:solidFill>
-                          <a:latin typeface="Times New Roman"/>
-                          <a:ea typeface="微软雅黑"/>
+                          <a:latin typeface="Times New Roman" panose="02020603050405020304"/>
+                          <a:ea typeface="微软雅黑" panose="020B0503020204020204" pitchFamily="34" charset="-122"/>
                         </a:rPr>
                         <a:t>评审意见：</a:t>
                       </a:r>
                       <a:endParaRPr lang="zh-CN" sz="500" kern="100">
-                        <a:latin typeface="Times New Roman"/>
-                        <a:ea typeface="宋体"/>
+                        <a:latin typeface="Times New Roman" panose="02020603050405020304"/>
+                        <a:ea typeface="宋体" panose="02010600030101010101" pitchFamily="2" charset="-122"/>
                       </a:endParaRPr>
                     </a:p>
                     <a:p>
@@ -32388,14 +32022,14 @@
                           <a:solidFill>
                             <a:srgbClr val="000000"/>
                           </a:solidFill>
-                          <a:latin typeface="Times New Roman"/>
-                          <a:ea typeface="微软雅黑"/>
+                          <a:latin typeface="Times New Roman" panose="02020603050405020304"/>
+                          <a:ea typeface="微软雅黑" panose="020B0503020204020204" pitchFamily="34" charset="-122"/>
                         </a:rPr>
                         <a:t>签字：，日期：</a:t>
                       </a:r>
                       <a:endParaRPr lang="zh-CN" sz="400" kern="100">
-                        <a:latin typeface="Times New Roman"/>
-                        <a:ea typeface="宋体"/>
+                        <a:latin typeface="Times New Roman" panose="02020603050405020304"/>
+                        <a:ea typeface="宋体" panose="02010600030101010101" pitchFamily="2" charset="-122"/>
                       </a:endParaRPr>
                     </a:p>
                   </a:txBody>
@@ -32439,27 +32073,13 @@
                   </a:tcPr>
                 </a:tc>
                 <a:tc hMerge="1">
-                  <a:txBody>
-                    <a:bodyPr/>
-                    <a:lstStyle/>
-                    <a:p>
-                      <a:endParaRPr lang="zh-CN" altLang="en-US"/>
-                    </a:p>
-                  </a:txBody>
                   <a:tcPr/>
                 </a:tc>
                 <a:tc hMerge="1">
-                  <a:txBody>
-                    <a:bodyPr/>
-                    <a:lstStyle/>
-                    <a:p>
-                      <a:endParaRPr lang="zh-CN" altLang="en-US"/>
-                    </a:p>
-                  </a:txBody>
                   <a:tcPr/>
                 </a:tc>
               </a:tr>
-              <a:tr h="102106">
+              <a:tr h="0">
                 <a:tc gridSpan="4">
                   <a:txBody>
                     <a:bodyPr/>
@@ -32475,14 +32095,14 @@
                           <a:solidFill>
                             <a:srgbClr val="000000"/>
                           </a:solidFill>
-                          <a:latin typeface="Times New Roman"/>
-                          <a:ea typeface="微软雅黑"/>
+                          <a:latin typeface="Times New Roman" panose="02020603050405020304"/>
+                          <a:ea typeface="微软雅黑" panose="020B0503020204020204" pitchFamily="34" charset="-122"/>
                         </a:rPr>
                         <a:t>变更结束</a:t>
                       </a:r>
                       <a:endParaRPr lang="zh-CN" sz="500" kern="100">
-                        <a:latin typeface="Times New Roman"/>
-                        <a:ea typeface="宋体"/>
+                        <a:latin typeface="Times New Roman" panose="02020603050405020304"/>
+                        <a:ea typeface="宋体" panose="02010600030101010101" pitchFamily="2" charset="-122"/>
                       </a:endParaRPr>
                     </a:p>
                   </a:txBody>
@@ -32529,33 +32149,12 @@
                   </a:tcPr>
                 </a:tc>
                 <a:tc hMerge="1">
-                  <a:txBody>
-                    <a:bodyPr/>
-                    <a:lstStyle/>
-                    <a:p>
-                      <a:endParaRPr lang="zh-CN" altLang="en-US"/>
-                    </a:p>
-                  </a:txBody>
                   <a:tcPr/>
                 </a:tc>
                 <a:tc hMerge="1">
-                  <a:txBody>
-                    <a:bodyPr/>
-                    <a:lstStyle/>
-                    <a:p>
-                      <a:endParaRPr lang="zh-CN" altLang="en-US"/>
-                    </a:p>
-                  </a:txBody>
                   <a:tcPr/>
                 </a:tc>
                 <a:tc hMerge="1">
-                  <a:txBody>
-                    <a:bodyPr/>
-                    <a:lstStyle/>
-                    <a:p>
-                      <a:endParaRPr lang="zh-CN" altLang="en-US"/>
-                    </a:p>
-                  </a:txBody>
                   <a:tcPr/>
                 </a:tc>
               </a:tr>
@@ -32574,8 +32173,8 @@
                         <a:solidFill>
                           <a:srgbClr val="000000"/>
                         </a:solidFill>
-                        <a:latin typeface="微软雅黑"/>
-                        <a:ea typeface="宋体"/>
+                        <a:latin typeface="微软雅黑" panose="020B0503020204020204" pitchFamily="34" charset="-122"/>
+                        <a:ea typeface="宋体" panose="02010600030101010101" pitchFamily="2" charset="-122"/>
                       </a:endParaRPr>
                     </a:p>
                     <a:p>
@@ -32589,14 +32188,14 @@
                           <a:solidFill>
                             <a:srgbClr val="000000"/>
                           </a:solidFill>
-                          <a:latin typeface="Times New Roman"/>
-                          <a:ea typeface="微软雅黑"/>
+                          <a:latin typeface="Times New Roman" panose="02020603050405020304"/>
+                          <a:ea typeface="微软雅黑" panose="020B0503020204020204" pitchFamily="34" charset="-122"/>
                         </a:rPr>
                         <a:t>项目经理签字</a:t>
                       </a:r>
                       <a:endParaRPr lang="zh-CN" sz="500" kern="100">
-                        <a:latin typeface="Times New Roman"/>
-                        <a:ea typeface="宋体"/>
+                        <a:latin typeface="Times New Roman" panose="02020603050405020304"/>
+                        <a:ea typeface="宋体" panose="02010600030101010101" pitchFamily="2" charset="-122"/>
                       </a:endParaRPr>
                     </a:p>
                   </a:txBody>
@@ -32656,8 +32255,8 @@
                         <a:solidFill>
                           <a:srgbClr val="000000"/>
                         </a:solidFill>
-                        <a:latin typeface="微软雅黑"/>
-                        <a:ea typeface="宋体"/>
+                        <a:latin typeface="微软雅黑" panose="020B0503020204020204" pitchFamily="34" charset="-122"/>
+                        <a:ea typeface="宋体" panose="02010600030101010101" pitchFamily="2" charset="-122"/>
                       </a:endParaRPr>
                     </a:p>
                     <a:p>
@@ -32671,14 +32270,14 @@
                           <a:solidFill>
                             <a:srgbClr val="000000"/>
                           </a:solidFill>
-                          <a:latin typeface="Times New Roman"/>
-                          <a:ea typeface="微软雅黑"/>
+                          <a:latin typeface="Times New Roman" panose="02020603050405020304"/>
+                          <a:ea typeface="微软雅黑" panose="020B0503020204020204" pitchFamily="34" charset="-122"/>
                         </a:rPr>
                         <a:t>签字：</a:t>
                       </a:r>
                       <a:endParaRPr lang="zh-CN" sz="500" kern="100" dirty="0">
-                        <a:latin typeface="Times New Roman"/>
-                        <a:ea typeface="宋体"/>
+                        <a:latin typeface="Times New Roman" panose="02020603050405020304"/>
+                        <a:ea typeface="宋体" panose="02010600030101010101" pitchFamily="2" charset="-122"/>
                       </a:endParaRPr>
                     </a:p>
                     <a:p>
@@ -32692,8 +32291,8 @@
                           <a:solidFill>
                             <a:srgbClr val="000000"/>
                           </a:solidFill>
-                          <a:latin typeface="Times New Roman"/>
-                          <a:ea typeface="微软雅黑"/>
+                          <a:latin typeface="Times New Roman" panose="02020603050405020304"/>
+                          <a:ea typeface="微软雅黑" panose="020B0503020204020204" pitchFamily="34" charset="-122"/>
                         </a:rPr>
                         <a:t>日期</a:t>
                       </a:r>
@@ -32702,14 +32301,14 @@
                           <a:solidFill>
                             <a:srgbClr val="000000"/>
                           </a:solidFill>
-                          <a:latin typeface="Times New Roman"/>
-                          <a:ea typeface="微软雅黑"/>
+                          <a:latin typeface="Times New Roman" panose="02020603050405020304"/>
+                          <a:ea typeface="微软雅黑" panose="020B0503020204020204" pitchFamily="34" charset="-122"/>
                         </a:rPr>
                         <a:t>：</a:t>
                       </a:r>
                       <a:endParaRPr lang="zh-CN" sz="500" kern="100" dirty="0">
-                        <a:latin typeface="Times New Roman"/>
-                        <a:ea typeface="宋体"/>
+                        <a:latin typeface="Times New Roman" panose="02020603050405020304"/>
+                        <a:ea typeface="宋体" panose="02010600030101010101" pitchFamily="2" charset="-122"/>
                       </a:endParaRPr>
                     </a:p>
                   </a:txBody>
@@ -32753,23 +32352,9 @@
                   </a:tcPr>
                 </a:tc>
                 <a:tc hMerge="1">
-                  <a:txBody>
-                    <a:bodyPr/>
-                    <a:lstStyle/>
-                    <a:p>
-                      <a:endParaRPr lang="zh-CN" altLang="en-US"/>
-                    </a:p>
-                  </a:txBody>
                   <a:tcPr/>
                 </a:tc>
                 <a:tc hMerge="1">
-                  <a:txBody>
-                    <a:bodyPr/>
-                    <a:lstStyle/>
-                    <a:p>
-                      <a:endParaRPr lang="zh-CN" altLang="en-US"/>
-                    </a:p>
-                  </a:txBody>
                   <a:tcPr/>
                 </a:tc>
               </a:tr>
@@ -33290,6 +32875,14 @@
               </a:rPr>
               <a:t>阶段项目会议</a:t>
             </a:r>
+            <a:endParaRPr lang="zh-CN" altLang="en-US" sz="1700" b="1" dirty="0" smtClean="0">
+              <a:solidFill>
+                <a:srgbClr val="0070C0"/>
+              </a:solidFill>
+              <a:latin typeface="微软雅黑" panose="020B0503020204020204" pitchFamily="34" charset="-122"/>
+              <a:ea typeface="微软雅黑" panose="020B0503020204020204" pitchFamily="34" charset="-122"/>
+              <a:sym typeface="+mn-ea"/>
+            </a:endParaRPr>
           </a:p>
         </p:txBody>
       </p:sp>
@@ -33362,11 +32955,11 @@
             <p:nvPr/>
           </p:nvPicPr>
           <p:blipFill>
-            <a:blip r:embed="rId3">
+            <a:blip r:embed="rId1">
               <a:biLevel thresh="25000"/>
               <a:extLst>
                 <a:ext uri="{28A0092B-C50C-407E-A947-70E740481C1C}">
-                  <a14:useLocalDpi xmlns:a14="http://schemas.microsoft.com/office/drawing/2010/main" xmlns="" val="0"/>
+                  <a14:useLocalDpi xmlns:a14="http://schemas.microsoft.com/office/drawing/2010/main" val="0"/>
                 </a:ext>
               </a:extLst>
             </a:blip>
@@ -33391,7 +32984,7 @@
     <a:masterClrMapping/>
   </p:clrMapOvr>
   <mc:AlternateContent xmlns:mc="http://schemas.openxmlformats.org/markup-compatibility/2006">
-    <mc:Choice xmlns:p14="http://schemas.microsoft.com/office/powerpoint/2010/main" xmlns="" Requires="p14">
+    <mc:Choice xmlns:p14="http://schemas.microsoft.com/office/powerpoint/2010/main" Requires="p14">
       <p:transition spd="slow" p14:dur="1100">
         <p14:switch dir="r"/>
       </p:transition>
@@ -34367,7 +33960,7 @@
           <p:nvPr/>
         </p:nvPicPr>
         <p:blipFill>
-          <a:blip r:embed="rId3"/>
+          <a:blip r:embed="rId1"/>
           <a:srcRect/>
           <a:stretch>
             <a:fillRect/>
@@ -34906,6 +34499,14 @@
               </a:rPr>
               <a:t>内部评审</a:t>
             </a:r>
+            <a:endParaRPr lang="zh-CN" altLang="en-US" sz="1700" b="1" dirty="0" smtClean="0">
+              <a:solidFill>
+                <a:srgbClr val="0070C0"/>
+              </a:solidFill>
+              <a:latin typeface="微软雅黑" panose="020B0503020204020204" pitchFamily="34" charset="-122"/>
+              <a:ea typeface="微软雅黑" panose="020B0503020204020204" pitchFamily="34" charset="-122"/>
+              <a:sym typeface="+mn-ea"/>
+            </a:endParaRPr>
           </a:p>
         </p:txBody>
       </p:sp>
@@ -34978,11 +34579,11 @@
             <p:nvPr/>
           </p:nvPicPr>
           <p:blipFill>
-            <a:blip r:embed="rId3">
+            <a:blip r:embed="rId1">
               <a:biLevel thresh="25000"/>
               <a:extLst>
                 <a:ext uri="{28A0092B-C50C-407E-A947-70E740481C1C}">
-                  <a14:useLocalDpi xmlns:a14="http://schemas.microsoft.com/office/drawing/2010/main" xmlns="" val="0"/>
+                  <a14:useLocalDpi xmlns:a14="http://schemas.microsoft.com/office/drawing/2010/main" val="0"/>
                 </a:ext>
               </a:extLst>
             </a:blip>
@@ -36000,16 +35601,16 @@
                       </a:pPr>
                       <a:r>
                         <a:rPr lang="zh-CN" sz="1200" kern="100">
-                          <a:latin typeface="Calibri"/>
-                          <a:ea typeface="宋体"/>
-                          <a:cs typeface="Times New Roman"/>
+                          <a:latin typeface="Calibri" panose="020F0502020204030204"/>
+                          <a:ea typeface="宋体" panose="02010600030101010101" pitchFamily="2" charset="-122"/>
+                          <a:cs typeface="Times New Roman" panose="02020603050405020304"/>
                         </a:rPr>
                         <a:t>会议地点</a:t>
                       </a:r>
                       <a:endParaRPr lang="zh-CN" sz="1050" kern="100">
-                        <a:latin typeface="Calibri"/>
-                        <a:ea typeface="宋体"/>
-                        <a:cs typeface="Times New Roman"/>
+                        <a:latin typeface="Calibri" panose="020F0502020204030204"/>
+                        <a:ea typeface="宋体" panose="02010600030101010101" pitchFamily="2" charset="-122"/>
+                        <a:cs typeface="Times New Roman" panose="02020603050405020304"/>
                       </a:endParaRPr>
                     </a:p>
                   </a:txBody>
@@ -36064,32 +35665,32 @@
                       </a:pPr>
                       <a:r>
                         <a:rPr lang="zh-CN" sz="1200" kern="100">
-                          <a:latin typeface="Calibri"/>
-                          <a:ea typeface="宋体"/>
-                          <a:cs typeface="Times New Roman"/>
+                          <a:latin typeface="Calibri" panose="020F0502020204030204"/>
+                          <a:ea typeface="宋体" panose="02010600030101010101" pitchFamily="2" charset="-122"/>
+                          <a:cs typeface="Times New Roman" panose="02020603050405020304"/>
                         </a:rPr>
                         <a:t>求真</a:t>
                       </a:r>
                       <a:r>
                         <a:rPr lang="en-US" sz="1200" kern="100">
-                          <a:latin typeface="Calibri"/>
-                          <a:ea typeface="宋体"/>
-                          <a:cs typeface="Times New Roman"/>
+                          <a:latin typeface="Calibri" panose="020F0502020204030204"/>
+                          <a:ea typeface="宋体" panose="02010600030101010101" pitchFamily="2" charset="-122"/>
+                          <a:cs typeface="Times New Roman" panose="02020603050405020304"/>
                         </a:rPr>
                         <a:t>607</a:t>
                       </a:r>
                       <a:r>
                         <a:rPr lang="zh-CN" sz="1200" kern="100">
-                          <a:latin typeface="Calibri"/>
-                          <a:ea typeface="宋体"/>
-                          <a:cs typeface="Times New Roman"/>
+                          <a:latin typeface="Calibri" panose="020F0502020204030204"/>
+                          <a:ea typeface="宋体" panose="02010600030101010101" pitchFamily="2" charset="-122"/>
+                          <a:cs typeface="Times New Roman" panose="02020603050405020304"/>
                         </a:rPr>
                         <a:t>寝室</a:t>
                       </a:r>
                       <a:endParaRPr lang="zh-CN" sz="1050" kern="100">
-                        <a:latin typeface="Calibri"/>
-                        <a:ea typeface="宋体"/>
-                        <a:cs typeface="Times New Roman"/>
+                        <a:latin typeface="Calibri" panose="020F0502020204030204"/>
+                        <a:ea typeface="宋体" panose="02010600030101010101" pitchFamily="2" charset="-122"/>
+                        <a:cs typeface="Times New Roman" panose="02020603050405020304"/>
                       </a:endParaRPr>
                     </a:p>
                   </a:txBody>
@@ -36144,16 +35745,16 @@
                       </a:pPr>
                       <a:r>
                         <a:rPr lang="zh-CN" sz="1200" kern="100">
-                          <a:latin typeface="Calibri"/>
-                          <a:ea typeface="宋体"/>
-                          <a:cs typeface="Times New Roman"/>
+                          <a:latin typeface="Calibri" panose="020F0502020204030204"/>
+                          <a:ea typeface="宋体" panose="02010600030101010101" pitchFamily="2" charset="-122"/>
+                          <a:cs typeface="Times New Roman" panose="02020603050405020304"/>
                         </a:rPr>
                         <a:t>会议时间</a:t>
                       </a:r>
                       <a:endParaRPr lang="zh-CN" sz="1050" kern="100">
-                        <a:latin typeface="Calibri"/>
-                        <a:ea typeface="宋体"/>
-                        <a:cs typeface="Times New Roman"/>
+                        <a:latin typeface="Calibri" panose="020F0502020204030204"/>
+                        <a:ea typeface="宋体" panose="02010600030101010101" pitchFamily="2" charset="-122"/>
+                        <a:cs typeface="Times New Roman" panose="02020603050405020304"/>
                       </a:endParaRPr>
                     </a:p>
                   </a:txBody>
@@ -36207,9 +35808,9 @@
                         </a:spcAft>
                       </a:pPr>
                       <a:endParaRPr lang="en-US" sz="1200" kern="100">
-                        <a:latin typeface="宋体"/>
-                        <a:ea typeface="宋体"/>
-                        <a:cs typeface="Times New Roman"/>
+                        <a:latin typeface="宋体" panose="02010600030101010101" pitchFamily="2" charset="-122"/>
+                        <a:ea typeface="宋体" panose="02010600030101010101" pitchFamily="2" charset="-122"/>
+                        <a:cs typeface="Times New Roman" panose="02020603050405020304"/>
                       </a:endParaRPr>
                     </a:p>
                   </a:txBody>
@@ -36266,16 +35867,16 @@
                       </a:pPr>
                       <a:r>
                         <a:rPr lang="zh-CN" sz="1200" kern="100">
-                          <a:latin typeface="Calibri"/>
-                          <a:ea typeface="宋体"/>
-                          <a:cs typeface="Times New Roman"/>
+                          <a:latin typeface="Calibri" panose="020F0502020204030204"/>
+                          <a:ea typeface="宋体" panose="02010600030101010101" pitchFamily="2" charset="-122"/>
+                          <a:cs typeface="Times New Roman" panose="02020603050405020304"/>
                         </a:rPr>
                         <a:t>主持人</a:t>
                       </a:r>
                       <a:endParaRPr lang="zh-CN" sz="1050" kern="100">
-                        <a:latin typeface="Calibri"/>
-                        <a:ea typeface="宋体"/>
-                        <a:cs typeface="Times New Roman"/>
+                        <a:latin typeface="Calibri" panose="020F0502020204030204"/>
+                        <a:ea typeface="宋体" panose="02010600030101010101" pitchFamily="2" charset="-122"/>
+                        <a:cs typeface="Times New Roman" panose="02020603050405020304"/>
                       </a:endParaRPr>
                     </a:p>
                   </a:txBody>
@@ -36330,16 +35931,16 @@
                       </a:pPr>
                       <a:r>
                         <a:rPr lang="zh-CN" sz="1200" kern="100">
-                          <a:latin typeface="Calibri"/>
-                          <a:ea typeface="宋体"/>
-                          <a:cs typeface="Times New Roman"/>
+                          <a:latin typeface="Calibri" panose="020F0502020204030204"/>
+                          <a:ea typeface="宋体" panose="02010600030101010101" pitchFamily="2" charset="-122"/>
+                          <a:cs typeface="Times New Roman" panose="02020603050405020304"/>
                         </a:rPr>
                         <a:t>韩佳鑫</a:t>
                       </a:r>
                       <a:endParaRPr lang="zh-CN" sz="1050" kern="100">
-                        <a:latin typeface="Calibri"/>
-                        <a:ea typeface="宋体"/>
-                        <a:cs typeface="Times New Roman"/>
+                        <a:latin typeface="Calibri" panose="020F0502020204030204"/>
+                        <a:ea typeface="宋体" panose="02010600030101010101" pitchFamily="2" charset="-122"/>
+                        <a:cs typeface="Times New Roman" panose="02020603050405020304"/>
                       </a:endParaRPr>
                     </a:p>
                   </a:txBody>
@@ -36394,16 +35995,16 @@
                       </a:pPr>
                       <a:r>
                         <a:rPr lang="zh-CN" sz="1200" kern="100">
-                          <a:latin typeface="Calibri"/>
-                          <a:ea typeface="宋体"/>
-                          <a:cs typeface="Times New Roman"/>
+                          <a:latin typeface="Calibri" panose="020F0502020204030204"/>
+                          <a:ea typeface="宋体" panose="02010600030101010101" pitchFamily="2" charset="-122"/>
+                          <a:cs typeface="Times New Roman" panose="02020603050405020304"/>
                         </a:rPr>
                         <a:t>记录人</a:t>
                       </a:r>
                       <a:endParaRPr lang="zh-CN" sz="1050" kern="100">
-                        <a:latin typeface="Calibri"/>
-                        <a:ea typeface="宋体"/>
-                        <a:cs typeface="Times New Roman"/>
+                        <a:latin typeface="Calibri" panose="020F0502020204030204"/>
+                        <a:ea typeface="宋体" panose="02010600030101010101" pitchFamily="2" charset="-122"/>
+                        <a:cs typeface="Times New Roman" panose="02020603050405020304"/>
                       </a:endParaRPr>
                     </a:p>
                   </a:txBody>
@@ -36458,16 +36059,16 @@
                       </a:pPr>
                       <a:r>
                         <a:rPr lang="zh-CN" sz="1200" kern="100">
-                          <a:latin typeface="Calibri"/>
-                          <a:ea typeface="宋体"/>
-                          <a:cs typeface="Times New Roman"/>
+                          <a:latin typeface="Calibri" panose="020F0502020204030204"/>
+                          <a:ea typeface="宋体" panose="02010600030101010101" pitchFamily="2" charset="-122"/>
+                          <a:cs typeface="Times New Roman" panose="02020603050405020304"/>
                         </a:rPr>
                         <a:t>葛鑫志</a:t>
                       </a:r>
                       <a:endParaRPr lang="zh-CN" sz="1050" kern="100">
-                        <a:latin typeface="Calibri"/>
-                        <a:ea typeface="宋体"/>
-                        <a:cs typeface="Times New Roman"/>
+                        <a:latin typeface="Calibri" panose="020F0502020204030204"/>
+                        <a:ea typeface="宋体" panose="02010600030101010101" pitchFamily="2" charset="-122"/>
+                        <a:cs typeface="Times New Roman" panose="02020603050405020304"/>
                       </a:endParaRPr>
                     </a:p>
                   </a:txBody>
@@ -36524,16 +36125,16 @@
                       </a:pPr>
                       <a:r>
                         <a:rPr lang="zh-CN" sz="1200" kern="0">
-                          <a:latin typeface="Calibri"/>
-                          <a:ea typeface="宋体"/>
-                          <a:cs typeface="Times New Roman"/>
+                          <a:latin typeface="Calibri" panose="020F0502020204030204"/>
+                          <a:ea typeface="宋体" panose="02010600030101010101" pitchFamily="2" charset="-122"/>
+                          <a:cs typeface="Times New Roman" panose="02020603050405020304"/>
                         </a:rPr>
                         <a:t>参会人员</a:t>
                       </a:r>
                       <a:endParaRPr lang="zh-CN" sz="1050" kern="100">
-                        <a:latin typeface="Calibri"/>
-                        <a:ea typeface="宋体"/>
-                        <a:cs typeface="Times New Roman"/>
+                        <a:latin typeface="Calibri" panose="020F0502020204030204"/>
+                        <a:ea typeface="宋体" panose="02010600030101010101" pitchFamily="2" charset="-122"/>
+                        <a:cs typeface="Times New Roman" panose="02020603050405020304"/>
                       </a:endParaRPr>
                     </a:p>
                   </a:txBody>
@@ -36588,16 +36189,16 @@
                       </a:pPr>
                       <a:r>
                         <a:rPr lang="zh-CN" sz="1200" kern="0">
-                          <a:latin typeface="Calibri"/>
-                          <a:ea typeface="宋体"/>
-                          <a:cs typeface="Times New Roman"/>
+                          <a:latin typeface="Calibri" panose="020F0502020204030204"/>
+                          <a:ea typeface="宋体" panose="02010600030101010101" pitchFamily="2" charset="-122"/>
+                          <a:cs typeface="Times New Roman" panose="02020603050405020304"/>
                         </a:rPr>
                         <a:t>韩佳鑫 胡泽宇 葛鑫志 金志超 林康</a:t>
                       </a:r>
                       <a:endParaRPr lang="zh-CN" sz="1050" kern="100">
-                        <a:latin typeface="Calibri"/>
-                        <a:ea typeface="宋体"/>
-                        <a:cs typeface="Times New Roman"/>
+                        <a:latin typeface="Calibri" panose="020F0502020204030204"/>
+                        <a:ea typeface="宋体" panose="02010600030101010101" pitchFamily="2" charset="-122"/>
+                        <a:cs typeface="Times New Roman" panose="02020603050405020304"/>
                       </a:endParaRPr>
                     </a:p>
                   </a:txBody>
@@ -36641,23 +36242,9 @@
                   </a:tcPr>
                 </a:tc>
                 <a:tc hMerge="1">
-                  <a:txBody>
-                    <a:bodyPr/>
-                    <a:lstStyle/>
-                    <a:p>
-                      <a:endParaRPr lang="zh-CN" altLang="en-US"/>
-                    </a:p>
-                  </a:txBody>
                   <a:tcPr/>
                 </a:tc>
                 <a:tc hMerge="1">
-                  <a:txBody>
-                    <a:bodyPr/>
-                    <a:lstStyle/>
-                    <a:p>
-                      <a:endParaRPr lang="zh-CN" altLang="en-US"/>
-                    </a:p>
-                  </a:txBody>
                   <a:tcPr/>
                 </a:tc>
               </a:tr>
@@ -36674,16 +36261,16 @@
                       </a:pPr>
                       <a:r>
                         <a:rPr lang="zh-CN" sz="1200" kern="0">
-                          <a:latin typeface="Calibri"/>
-                          <a:ea typeface="宋体"/>
-                          <a:cs typeface="Times New Roman"/>
+                          <a:latin typeface="Calibri" panose="020F0502020204030204"/>
+                          <a:ea typeface="宋体" panose="02010600030101010101" pitchFamily="2" charset="-122"/>
+                          <a:cs typeface="Times New Roman" panose="02020603050405020304"/>
                         </a:rPr>
                         <a:t>会议主题</a:t>
                       </a:r>
                       <a:endParaRPr lang="zh-CN" sz="1050" kern="100">
-                        <a:latin typeface="Calibri"/>
-                        <a:ea typeface="宋体"/>
-                        <a:cs typeface="Times New Roman"/>
+                        <a:latin typeface="Calibri" panose="020F0502020204030204"/>
+                        <a:ea typeface="宋体" panose="02010600030101010101" pitchFamily="2" charset="-122"/>
+                        <a:cs typeface="Times New Roman" panose="02020603050405020304"/>
                       </a:endParaRPr>
                     </a:p>
                   </a:txBody>
@@ -36738,16 +36325,16 @@
                       </a:pPr>
                       <a:r>
                         <a:rPr lang="zh-CN" sz="1200" kern="0">
-                          <a:latin typeface="Calibri"/>
-                          <a:ea typeface="宋体"/>
-                          <a:cs typeface="Times New Roman"/>
+                          <a:latin typeface="Calibri" panose="020F0502020204030204"/>
+                          <a:ea typeface="宋体" panose="02010600030101010101" pitchFamily="2" charset="-122"/>
+                          <a:cs typeface="Times New Roman" panose="02020603050405020304"/>
                         </a:rPr>
                         <a:t>关于需求变更内部评审的讨论</a:t>
                       </a:r>
                       <a:endParaRPr lang="zh-CN" sz="1050" kern="100">
-                        <a:latin typeface="Calibri"/>
-                        <a:ea typeface="宋体"/>
-                        <a:cs typeface="Times New Roman"/>
+                        <a:latin typeface="Calibri" panose="020F0502020204030204"/>
+                        <a:ea typeface="宋体" panose="02010600030101010101" pitchFamily="2" charset="-122"/>
+                        <a:cs typeface="Times New Roman" panose="02020603050405020304"/>
                       </a:endParaRPr>
                     </a:p>
                   </a:txBody>
@@ -36791,23 +36378,9 @@
                   </a:tcPr>
                 </a:tc>
                 <a:tc hMerge="1">
-                  <a:txBody>
-                    <a:bodyPr/>
-                    <a:lstStyle/>
-                    <a:p>
-                      <a:endParaRPr lang="zh-CN" altLang="en-US"/>
-                    </a:p>
-                  </a:txBody>
                   <a:tcPr/>
                 </a:tc>
                 <a:tc hMerge="1">
-                  <a:txBody>
-                    <a:bodyPr/>
-                    <a:lstStyle/>
-                    <a:p>
-                      <a:endParaRPr lang="zh-CN" altLang="en-US"/>
-                    </a:p>
-                  </a:txBody>
                   <a:tcPr/>
                 </a:tc>
               </a:tr>
@@ -36824,16 +36397,16 @@
                       </a:pPr>
                       <a:r>
                         <a:rPr lang="zh-CN" sz="1200" kern="0" dirty="0">
-                          <a:latin typeface="Calibri"/>
-                          <a:ea typeface="宋体"/>
-                          <a:cs typeface="Times New Roman"/>
+                          <a:latin typeface="Calibri" panose="020F0502020204030204"/>
+                          <a:ea typeface="宋体" panose="02010600030101010101" pitchFamily="2" charset="-122"/>
+                          <a:cs typeface="Times New Roman" panose="02020603050405020304"/>
                         </a:rPr>
                         <a:t>会议内容：</a:t>
                       </a:r>
                       <a:endParaRPr lang="zh-CN" sz="1050" kern="100" dirty="0">
-                        <a:latin typeface="Calibri"/>
-                        <a:ea typeface="宋体"/>
-                        <a:cs typeface="Times New Roman"/>
+                        <a:latin typeface="Calibri" panose="020F0502020204030204"/>
+                        <a:ea typeface="宋体" panose="02010600030101010101" pitchFamily="2" charset="-122"/>
+                        <a:cs typeface="Times New Roman" panose="02020603050405020304"/>
                       </a:endParaRPr>
                     </a:p>
                     <a:p>
@@ -36846,16 +36419,16 @@
                       </a:pPr>
                       <a:r>
                         <a:rPr lang="zh-CN" sz="1200" kern="0" dirty="0">
-                          <a:latin typeface="Calibri"/>
-                          <a:ea typeface="宋体"/>
-                          <a:cs typeface="Times New Roman"/>
+                          <a:latin typeface="Calibri" panose="020F0502020204030204"/>
+                          <a:ea typeface="宋体" panose="02010600030101010101" pitchFamily="2" charset="-122"/>
+                          <a:cs typeface="Times New Roman" panose="02020603050405020304"/>
                         </a:rPr>
                         <a:t>针对需求变更评审表的条目，对小组任务的完成情况进行分析。</a:t>
                       </a:r>
                       <a:endParaRPr lang="zh-CN" sz="1050" kern="100" dirty="0">
-                        <a:latin typeface="Calibri"/>
-                        <a:ea typeface="宋体"/>
-                        <a:cs typeface="Times New Roman"/>
+                        <a:latin typeface="Calibri" panose="020F0502020204030204"/>
+                        <a:ea typeface="宋体" panose="02010600030101010101" pitchFamily="2" charset="-122"/>
+                        <a:cs typeface="Times New Roman" panose="02020603050405020304"/>
                       </a:endParaRPr>
                     </a:p>
                     <a:p>
@@ -36868,16 +36441,16 @@
                       </a:pPr>
                       <a:r>
                         <a:rPr lang="zh-CN" sz="1200" kern="0" dirty="0">
-                          <a:latin typeface="Calibri"/>
-                          <a:ea typeface="宋体"/>
-                          <a:cs typeface="Times New Roman"/>
+                          <a:latin typeface="Calibri" panose="020F0502020204030204"/>
+                          <a:ea typeface="宋体" panose="02010600030101010101" pitchFamily="2" charset="-122"/>
+                          <a:cs typeface="Times New Roman" panose="02020603050405020304"/>
                         </a:rPr>
                         <a:t>讨论需求变更管理工具的使用，能熟练掌握工具的输入、运行和输出，控制需求变更。</a:t>
                       </a:r>
                       <a:endParaRPr lang="zh-CN" sz="1050" kern="100" dirty="0">
-                        <a:latin typeface="Calibri"/>
-                        <a:ea typeface="宋体"/>
-                        <a:cs typeface="Times New Roman"/>
+                        <a:latin typeface="Calibri" panose="020F0502020204030204"/>
+                        <a:ea typeface="宋体" panose="02010600030101010101" pitchFamily="2" charset="-122"/>
+                        <a:cs typeface="Times New Roman" panose="02020603050405020304"/>
                       </a:endParaRPr>
                     </a:p>
                     <a:p>
@@ -36890,16 +36463,16 @@
                       </a:pPr>
                       <a:r>
                         <a:rPr lang="zh-CN" sz="1200" kern="0" dirty="0">
-                          <a:latin typeface="Calibri"/>
-                          <a:ea typeface="宋体"/>
-                          <a:cs typeface="Times New Roman"/>
+                          <a:latin typeface="Calibri" panose="020F0502020204030204"/>
+                          <a:ea typeface="宋体" panose="02010600030101010101" pitchFamily="2" charset="-122"/>
+                          <a:cs typeface="Times New Roman" panose="02020603050405020304"/>
                         </a:rPr>
                         <a:t>讨论需求变更影响的需求的变化，并对相关文档的修改进行讨论，生成变更后的更新版本，准备正式评审。</a:t>
                       </a:r>
                       <a:endParaRPr lang="zh-CN" sz="1050" kern="100" dirty="0">
-                        <a:latin typeface="Calibri"/>
-                        <a:ea typeface="宋体"/>
-                        <a:cs typeface="Times New Roman"/>
+                        <a:latin typeface="Calibri" panose="020F0502020204030204"/>
+                        <a:ea typeface="宋体" panose="02010600030101010101" pitchFamily="2" charset="-122"/>
+                        <a:cs typeface="Times New Roman" panose="02020603050405020304"/>
                       </a:endParaRPr>
                     </a:p>
                     <a:p>
@@ -36910,16 +36483,16 @@
                       </a:pPr>
                       <a:r>
                         <a:rPr lang="zh-CN" sz="1200" kern="0" dirty="0">
-                          <a:latin typeface="Calibri"/>
-                          <a:ea typeface="宋体"/>
-                          <a:cs typeface="Times New Roman"/>
+                          <a:latin typeface="Calibri" panose="020F0502020204030204"/>
+                          <a:ea typeface="宋体" panose="02010600030101010101" pitchFamily="2" charset="-122"/>
+                          <a:cs typeface="Times New Roman" panose="02020603050405020304"/>
                         </a:rPr>
                         <a:t>下一阶段内容：</a:t>
                       </a:r>
                       <a:endParaRPr lang="zh-CN" sz="1050" kern="100" dirty="0">
-                        <a:latin typeface="Calibri"/>
-                        <a:ea typeface="宋体"/>
-                        <a:cs typeface="Times New Roman"/>
+                        <a:latin typeface="Calibri" panose="020F0502020204030204"/>
+                        <a:ea typeface="宋体" panose="02010600030101010101" pitchFamily="2" charset="-122"/>
+                        <a:cs typeface="Times New Roman" panose="02020603050405020304"/>
                       </a:endParaRPr>
                     </a:p>
                     <a:p>
@@ -36935,16 +36508,16 @@
                       </a:pPr>
                       <a:r>
                         <a:rPr lang="zh-CN" sz="1200" kern="0" dirty="0">
-                          <a:latin typeface="Calibri"/>
-                          <a:ea typeface="宋体"/>
-                          <a:cs typeface="Times New Roman"/>
+                          <a:latin typeface="Calibri" panose="020F0502020204030204"/>
+                          <a:ea typeface="宋体" panose="02010600030101010101" pitchFamily="2" charset="-122"/>
+                          <a:cs typeface="Times New Roman" panose="02020603050405020304"/>
                         </a:rPr>
                         <a:t>需求变更后的完善和跟踪。</a:t>
                       </a:r>
                       <a:endParaRPr lang="zh-CN" sz="1050" kern="100" dirty="0">
-                        <a:latin typeface="Calibri"/>
-                        <a:ea typeface="宋体"/>
-                        <a:cs typeface="Times New Roman"/>
+                        <a:latin typeface="Calibri" panose="020F0502020204030204"/>
+                        <a:ea typeface="宋体" panose="02010600030101010101" pitchFamily="2" charset="-122"/>
+                        <a:cs typeface="Times New Roman" panose="02020603050405020304"/>
                       </a:endParaRPr>
                     </a:p>
                   </a:txBody>
@@ -36988,33 +36561,12 @@
                   </a:tcPr>
                 </a:tc>
                 <a:tc hMerge="1">
-                  <a:txBody>
-                    <a:bodyPr/>
-                    <a:lstStyle/>
-                    <a:p>
-                      <a:endParaRPr lang="zh-CN" altLang="en-US"/>
-                    </a:p>
-                  </a:txBody>
                   <a:tcPr/>
                 </a:tc>
                 <a:tc hMerge="1">
-                  <a:txBody>
-                    <a:bodyPr/>
-                    <a:lstStyle/>
-                    <a:p>
-                      <a:endParaRPr lang="zh-CN" altLang="en-US"/>
-                    </a:p>
-                  </a:txBody>
                   <a:tcPr/>
                 </a:tc>
                 <a:tc hMerge="1">
-                  <a:txBody>
-                    <a:bodyPr/>
-                    <a:lstStyle/>
-                    <a:p>
-                      <a:endParaRPr lang="zh-CN" altLang="en-US"/>
-                    </a:p>
-                  </a:txBody>
                   <a:tcPr/>
                 </a:tc>
               </a:tr>
@@ -37042,16 +36594,11 @@
           <a:ln w="9525">
             <a:noFill/>
             <a:miter lim="800000"/>
-            <a:headEnd/>
-            <a:tailEnd/>
           </a:ln>
           <a:effectLst/>
         </p:spPr>
         <p:txBody>
           <a:bodyPr vert="horz" wrap="none" lIns="91440" tIns="45720" rIns="91440" bIns="45720" numCol="1" anchor="ctr" anchorCtr="0" compatLnSpc="1">
-            <a:prstTxWarp prst="textNoShape">
-              <a:avLst/>
-            </a:prstTxWarp>
             <a:spAutoFit/>
           </a:bodyPr>
           <a:lstStyle/>
@@ -37071,7 +36618,7 @@
               <a:buFontTx/>
               <a:buNone/>
               <a:tabLst>
-                <a:tab pos="198438" algn="l"/>
+                <a:tab pos="198120" algn="l"/>
               </a:tabLst>
             </a:pPr>
             <a:endParaRPr kumimoji="0" lang="zh-CN" altLang="zh-CN" sz="1800" b="0" i="0" u="none" strike="noStrike" cap="none" normalizeH="0" baseline="0" smtClean="0">
@@ -37082,9 +36629,9 @@
                 <a:schemeClr val="tx1"/>
               </a:solidFill>
               <a:effectLst/>
-              <a:latin typeface="Arial" pitchFamily="34" charset="0"/>
-              <a:ea typeface="宋体" pitchFamily="2" charset="-122"/>
-              <a:cs typeface="宋体" pitchFamily="2" charset="-122"/>
+              <a:latin typeface="Arial" panose="020B0604020202020204" pitchFamily="34" charset="0"/>
+              <a:ea typeface="宋体" panose="02010600030101010101" pitchFamily="2" charset="-122"/>
+              <a:cs typeface="宋体" panose="02010600030101010101" pitchFamily="2" charset="-122"/>
             </a:endParaRPr>
           </a:p>
         </p:txBody>
@@ -37602,6 +37149,14 @@
               </a:rPr>
               <a:t>配置管理工具</a:t>
             </a:r>
+            <a:endParaRPr lang="zh-CN" altLang="en-US" sz="1700" b="1" dirty="0" smtClean="0">
+              <a:solidFill>
+                <a:srgbClr val="0070C0"/>
+              </a:solidFill>
+              <a:latin typeface="微软雅黑" panose="020B0503020204020204" pitchFamily="34" charset="-122"/>
+              <a:ea typeface="微软雅黑" panose="020B0503020204020204" pitchFamily="34" charset="-122"/>
+              <a:sym typeface="+mn-ea"/>
+            </a:endParaRPr>
           </a:p>
         </p:txBody>
       </p:sp>
@@ -37674,11 +37229,11 @@
             <p:nvPr/>
           </p:nvPicPr>
           <p:blipFill>
-            <a:blip r:embed="rId3">
+            <a:blip r:embed="rId1">
               <a:biLevel thresh="25000"/>
               <a:extLst>
                 <a:ext uri="{28A0092B-C50C-407E-A947-70E740481C1C}">
-                  <a14:useLocalDpi xmlns:a14="http://schemas.microsoft.com/office/drawing/2010/main" xmlns="" val="0"/>
+                  <a14:useLocalDpi xmlns:a14="http://schemas.microsoft.com/office/drawing/2010/main" val="0"/>
                 </a:ext>
               </a:extLst>
             </a:blip>
@@ -37703,7 +37258,7 @@
     <a:masterClrMapping/>
   </p:clrMapOvr>
   <mc:AlternateContent xmlns:mc="http://schemas.openxmlformats.org/markup-compatibility/2006">
-    <mc:Choice xmlns:p14="http://schemas.microsoft.com/office/powerpoint/2010/main" xmlns="" Requires="p14">
+    <mc:Choice xmlns:p14="http://schemas.microsoft.com/office/powerpoint/2010/main" Requires="p14">
       <p:transition spd="slow" p14:dur="1400">
         <p:blinds/>
       </p:transition>
@@ -38702,11 +38257,9 @@
       </a:bgFillStyleLst>
     </a:fmtScheme>
   </a:themeElements>
-  <a:objectDefaults/>
-  <a:extraClrSchemeLst/>
   <a:extLst>
     <a:ext uri="{05A4C25C-085E-4340-85A3-A5531E510DB2}">
-      <thm15:themeFamily xmlns:thm15="http://schemas.microsoft.com/office/thememl/2012/main" xmlns="" name="Office Theme" id="{62F939B6-93AF-4DB8-9C6B-D6C7DFDC589F}" vid="{4A3C46E8-61CC-4603-A589-7422A47A8E4A}"/>
+      <thm15:themeFamily xmlns:thm15="http://schemas.microsoft.com/office/thememl/2012/main" name="Office Theme" id="{62F939B6-93AF-4DB8-9C6B-D6C7DFDC589F}" vid="{4A3C46E8-61CC-4603-A589-7422A47A8E4A}"/>
     </a:ext>
   </a:extLst>
 </a:theme>
@@ -38992,11 +38545,9 @@
       </a:bgFillStyleLst>
     </a:fmtScheme>
   </a:themeElements>
-  <a:objectDefaults/>
-  <a:extraClrSchemeLst/>
   <a:extLst>
     <a:ext uri="{05A4C25C-085E-4340-85A3-A5531E510DB2}">
-      <thm15:themeFamily xmlns:thm15="http://schemas.microsoft.com/office/thememl/2012/main" xmlns="" name="Office Theme" id="{62F939B6-93AF-4DB8-9C6B-D6C7DFDC589F}" vid="{4A3C46E8-61CC-4603-A589-7422A47A8E4A}"/>
+      <thm15:themeFamily xmlns:thm15="http://schemas.microsoft.com/office/thememl/2012/main" name="Office Theme" id="{62F939B6-93AF-4DB8-9C6B-D6C7DFDC589F}" vid="{4A3C46E8-61CC-4603-A589-7422A47A8E4A}"/>
     </a:ext>
   </a:extLst>
 </a:theme>

--- a/软件工程系列课程教学辅助网站/非受控文档/PPT等/需求变更管理PPT .pptx
+++ b/软件工程系列课程教学辅助网站/非受控文档/PPT等/需求变更管理PPT .pptx
@@ -23759,30 +23759,56 @@
           </a:p>
         </p:txBody>
       </p:sp>
-      <p:pic>
-        <p:nvPicPr>
-          <p:cNvPr id="4" name="图片 3"/>
-          <p:cNvPicPr>
-            <a:picLocks noChangeAspect="1"/>
-          </p:cNvPicPr>
+      <p:sp>
+        <p:nvSpPr>
+          <p:cNvPr id="6" name="TextBox 5"/>
+          <p:cNvSpPr txBox="1"/>
           <p:nvPr/>
-        </p:nvPicPr>
-        <p:blipFill>
-          <a:blip r:embed="rId1"/>
-          <a:stretch>
-            <a:fillRect/>
-          </a:stretch>
-        </p:blipFill>
+        </p:nvSpPr>
         <p:spPr>
           <a:xfrm>
-            <a:off x="304800" y="479425"/>
-            <a:ext cx="8672195" cy="3128010"/>
+            <a:off x="1785918" y="1714492"/>
+            <a:ext cx="4714908" cy="2585323"/>
           </a:xfrm>
           <a:prstGeom prst="rect">
             <a:avLst/>
           </a:prstGeom>
+          <a:noFill/>
         </p:spPr>
-      </p:pic>
+        <p:txBody>
+          <a:bodyPr wrap="square" rtlCol="0">
+            <a:spAutoFit/>
+          </a:bodyPr>
+          <a:lstStyle/>
+          <a:p>
+            <a:pPr lvl="0"/>
+            <a:r>
+              <a:rPr lang="zh-CN" altLang="en-US" dirty="0" smtClean="0"/>
+              <a:t>影响到的模块有教师个人中心和课程中的教师介绍</a:t>
+            </a:r>
+            <a:endParaRPr lang="zh-CN" altLang="en-US" dirty="0" smtClean="0"/>
+          </a:p>
+          <a:p>
+            <a:pPr lvl="0"/>
+            <a:r>
+              <a:rPr lang="zh-CN" altLang="en-US" dirty="0" smtClean="0"/>
+              <a:t>造成的影响范围不大，花费的成本提高，项目整体质量基本无影响。</a:t>
+            </a:r>
+            <a:endParaRPr lang="zh-CN" altLang="en-US" dirty="0" smtClean="0"/>
+          </a:p>
+          <a:p>
+            <a:pPr lvl="0"/>
+            <a:r>
+              <a:rPr lang="zh-CN" altLang="en-US" dirty="0" smtClean="0"/>
+              <a:t>技术风险：变更后的需求可能在开发过程中遇到技术难题，导致开发延迟或需求不得不发生变更。质量风险：变更后的项目不能满足用户的需要。</a:t>
+            </a:r>
+            <a:endParaRPr lang="zh-CN" altLang="en-US" dirty="0" smtClean="0"/>
+          </a:p>
+          <a:p>
+            <a:endParaRPr lang="zh-CN" altLang="en-US" dirty="0"/>
+          </a:p>
+        </p:txBody>
+      </p:sp>
     </p:spTree>
   </p:cSld>
   <p:clrMapOvr>
@@ -26681,8 +26707,8 @@
         </p:nvSpPr>
         <p:spPr>
           <a:xfrm>
-            <a:off x="1500166" y="1643054"/>
-            <a:ext cx="5786478" cy="1477328"/>
+            <a:off x="1262380" y="1673860"/>
+            <a:ext cx="6934835" cy="1476375"/>
           </a:xfrm>
           <a:prstGeom prst="rect">
             <a:avLst/>
@@ -26697,7 +26723,17 @@
           <a:p>
             <a:r>
               <a:rPr lang="zh-CN" altLang="en-US" dirty="0" smtClean="0"/>
-              <a:t>韩佳鑫：测试用例修改   </a:t>
+              <a:t>韩佳鑫：</a:t>
+            </a:r>
+            <a:r>
+              <a:rPr lang="zh-CN" altLang="en-US" dirty="0" smtClean="0">
+                <a:sym typeface="+mn-ea"/>
+              </a:rPr>
+              <a:t>需求管理工具学习，</a:t>
+            </a:r>
+            <a:r>
+              <a:rPr lang="zh-CN" altLang="en-US" dirty="0" smtClean="0"/>
+              <a:t>测试用例修改   </a:t>
             </a:r>
             <a:r>
               <a:rPr lang="en-US" altLang="zh-CN" dirty="0" smtClean="0"/>
@@ -26723,6 +26759,12 @@
               <a:t>胡泽宇：</a:t>
             </a:r>
             <a:r>
+              <a:rPr lang="zh-CN" altLang="en-US" dirty="0" smtClean="0">
+                <a:sym typeface="+mn-ea"/>
+              </a:rPr>
+              <a:t>需求管理工具学习，</a:t>
+            </a:r>
+            <a:r>
               <a:rPr lang="en-US" altLang="zh-CN" dirty="0" smtClean="0"/>
               <a:t>CCB</a:t>
             </a:r>
@@ -26743,7 +26785,11 @@
           <a:p>
             <a:r>
               <a:rPr lang="zh-CN" altLang="en-US" dirty="0" smtClean="0"/>
-              <a:t>葛鑫志：用户手册更改、项目计划修改     </a:t>
+              <a:t>葛鑫志：需求管理工具学习，</a:t>
+            </a:r>
+            <a:r>
+              <a:rPr lang="zh-CN" altLang="en-US" dirty="0" smtClean="0"/>
+              <a:t>用户手册更改、项目计划修改     </a:t>
             </a:r>
             <a:r>
               <a:rPr lang="en-US" altLang="zh-CN" dirty="0" smtClean="0"/>
@@ -26758,7 +26804,7 @@
           <a:p>
             <a:r>
               <a:rPr lang="zh-CN" altLang="en-US" dirty="0" smtClean="0"/>
-              <a:t>金志超：需求管理工具使用、需求变更报告编写   </a:t>
+              <a:t>金志超：需求管理工具使用、需求变更报告编写                           </a:t>
             </a:r>
             <a:r>
               <a:rPr lang="en-US" altLang="zh-CN" dirty="0" smtClean="0"/>
@@ -26773,7 +26819,17 @@
           <a:p>
             <a:r>
               <a:rPr lang="zh-CN" altLang="en-US" dirty="0" smtClean="0"/>
-              <a:t>林康：界面原型修改、</a:t>
+              <a:t>林康：</a:t>
+            </a:r>
+            <a:r>
+              <a:rPr lang="zh-CN" altLang="en-US" dirty="0" smtClean="0">
+                <a:sym typeface="+mn-ea"/>
+              </a:rPr>
+              <a:t>需求管理工具学习，</a:t>
+            </a:r>
+            <a:r>
+              <a:rPr lang="zh-CN" altLang="en-US" dirty="0" smtClean="0"/>
+              <a:t>界面原型修改、</a:t>
             </a:r>
             <a:r>
               <a:rPr lang="en-US" altLang="zh-CN" dirty="0" smtClean="0"/>
@@ -26781,7 +26837,7 @@
             </a:r>
             <a:r>
               <a:rPr lang="zh-CN" altLang="en-US" dirty="0" smtClean="0"/>
-              <a:t>文档修改      </a:t>
+              <a:t>文档修改            </a:t>
             </a:r>
             <a:r>
               <a:rPr lang="en-US" altLang="zh-CN" dirty="0" smtClean="0"/>
